--- a/class_ppt/程一實習0303.pptx
+++ b/class_ppt/程一實習0303.pptx
@@ -5,12 +5,18 @@
     <p:sldMasterId id="2147483648" r:id="rId1"/>
   </p:sldMasterIdLst>
   <p:notesMasterIdLst>
-    <p:notesMasterId r:id="rId5"/>
+    <p:notesMasterId r:id="rId11"/>
   </p:notesMasterIdLst>
   <p:sldIdLst>
     <p:sldId id="256" r:id="rId2"/>
     <p:sldId id="257" r:id="rId3"/>
     <p:sldId id="258" r:id="rId4"/>
+    <p:sldId id="259" r:id="rId5"/>
+    <p:sldId id="261" r:id="rId6"/>
+    <p:sldId id="260" r:id="rId7"/>
+    <p:sldId id="262" r:id="rId8"/>
+    <p:sldId id="264" r:id="rId9"/>
+    <p:sldId id="263" r:id="rId10"/>
   </p:sldIdLst>
   <p:sldSz cx="12192000" cy="6858000"/>
   <p:notesSz cx="6858000" cy="9144000"/>
@@ -109,6 +115,11 @@
       </a:defRPr>
     </a:lvl9pPr>
   </p:defaultTextStyle>
+  <p:extLst>
+    <p:ext uri="{EFAFB233-063F-42B5-8137-9DF3F51BA10A}">
+      <p15:sldGuideLst xmlns:p15="http://schemas.microsoft.com/office/powerpoint/2012/main"/>
+    </p:ext>
+  </p:extLst>
 </p:presentation>
 </file>
 
@@ -194,7 +205,7 @@
           <a:p>
             <a:fld id="{4A026C94-271D-49A1-BABA-212293D723B7}" type="datetimeFigureOut">
               <a:rPr lang="zh-TW" altLang="en-US" smtClean="0"/>
-              <a:t>2022/2/28</a:t>
+              <a:t>2022/3/1</a:t>
             </a:fld>
             <a:endParaRPr lang="zh-TW" altLang="en-US"/>
           </a:p>
@@ -696,7 +707,7 @@
           <a:p>
             <a:fld id="{EC09F29B-51DF-41BF-B9C1-3A09295E2F91}" type="datetimeFigureOut">
               <a:rPr lang="zh-TW" altLang="en-US" smtClean="0"/>
-              <a:t>2022/2/28</a:t>
+              <a:t>2022/3/1</a:t>
             </a:fld>
             <a:endParaRPr lang="zh-TW" altLang="en-US"/>
           </a:p>
@@ -894,7 +905,7 @@
           <a:p>
             <a:fld id="{EC09F29B-51DF-41BF-B9C1-3A09295E2F91}" type="datetimeFigureOut">
               <a:rPr lang="zh-TW" altLang="en-US" smtClean="0"/>
-              <a:t>2022/2/28</a:t>
+              <a:t>2022/3/1</a:t>
             </a:fld>
             <a:endParaRPr lang="zh-TW" altLang="en-US"/>
           </a:p>
@@ -1102,7 +1113,7 @@
           <a:p>
             <a:fld id="{EC09F29B-51DF-41BF-B9C1-3A09295E2F91}" type="datetimeFigureOut">
               <a:rPr lang="zh-TW" altLang="en-US" smtClean="0"/>
-              <a:t>2022/2/28</a:t>
+              <a:t>2022/3/1</a:t>
             </a:fld>
             <a:endParaRPr lang="zh-TW" altLang="en-US"/>
           </a:p>
@@ -1300,7 +1311,7 @@
           <a:p>
             <a:fld id="{EC09F29B-51DF-41BF-B9C1-3A09295E2F91}" type="datetimeFigureOut">
               <a:rPr lang="zh-TW" altLang="en-US" smtClean="0"/>
-              <a:t>2022/2/28</a:t>
+              <a:t>2022/3/1</a:t>
             </a:fld>
             <a:endParaRPr lang="zh-TW" altLang="en-US"/>
           </a:p>
@@ -1575,7 +1586,7 @@
           <a:p>
             <a:fld id="{EC09F29B-51DF-41BF-B9C1-3A09295E2F91}" type="datetimeFigureOut">
               <a:rPr lang="zh-TW" altLang="en-US" smtClean="0"/>
-              <a:t>2022/2/28</a:t>
+              <a:t>2022/3/1</a:t>
             </a:fld>
             <a:endParaRPr lang="zh-TW" altLang="en-US"/>
           </a:p>
@@ -1840,7 +1851,7 @@
           <a:p>
             <a:fld id="{EC09F29B-51DF-41BF-B9C1-3A09295E2F91}" type="datetimeFigureOut">
               <a:rPr lang="zh-TW" altLang="en-US" smtClean="0"/>
-              <a:t>2022/2/28</a:t>
+              <a:t>2022/3/1</a:t>
             </a:fld>
             <a:endParaRPr lang="zh-TW" altLang="en-US"/>
           </a:p>
@@ -2252,7 +2263,7 @@
           <a:p>
             <a:fld id="{EC09F29B-51DF-41BF-B9C1-3A09295E2F91}" type="datetimeFigureOut">
               <a:rPr lang="zh-TW" altLang="en-US" smtClean="0"/>
-              <a:t>2022/2/28</a:t>
+              <a:t>2022/3/1</a:t>
             </a:fld>
             <a:endParaRPr lang="zh-TW" altLang="en-US"/>
           </a:p>
@@ -2393,7 +2404,7 @@
           <a:p>
             <a:fld id="{EC09F29B-51DF-41BF-B9C1-3A09295E2F91}" type="datetimeFigureOut">
               <a:rPr lang="zh-TW" altLang="en-US" smtClean="0"/>
-              <a:t>2022/2/28</a:t>
+              <a:t>2022/3/1</a:t>
             </a:fld>
             <a:endParaRPr lang="zh-TW" altLang="en-US"/>
           </a:p>
@@ -2506,7 +2517,7 @@
           <a:p>
             <a:fld id="{EC09F29B-51DF-41BF-B9C1-3A09295E2F91}" type="datetimeFigureOut">
               <a:rPr lang="zh-TW" altLang="en-US" smtClean="0"/>
-              <a:t>2022/2/28</a:t>
+              <a:t>2022/3/1</a:t>
             </a:fld>
             <a:endParaRPr lang="zh-TW" altLang="en-US"/>
           </a:p>
@@ -2817,7 +2828,7 @@
           <a:p>
             <a:fld id="{EC09F29B-51DF-41BF-B9C1-3A09295E2F91}" type="datetimeFigureOut">
               <a:rPr lang="zh-TW" altLang="en-US" smtClean="0"/>
-              <a:t>2022/2/28</a:t>
+              <a:t>2022/3/1</a:t>
             </a:fld>
             <a:endParaRPr lang="zh-TW" altLang="en-US"/>
           </a:p>
@@ -3105,7 +3116,7 @@
           <a:p>
             <a:fld id="{EC09F29B-51DF-41BF-B9C1-3A09295E2F91}" type="datetimeFigureOut">
               <a:rPr lang="zh-TW" altLang="en-US" smtClean="0"/>
-              <a:t>2022/2/28</a:t>
+              <a:t>2022/3/1</a:t>
             </a:fld>
             <a:endParaRPr lang="zh-TW" altLang="en-US"/>
           </a:p>
@@ -3346,7 +3357,7 @@
           <a:p>
             <a:fld id="{EC09F29B-51DF-41BF-B9C1-3A09295E2F91}" type="datetimeFigureOut">
               <a:rPr lang="zh-TW" altLang="en-US" smtClean="0"/>
-              <a:t>2022/2/28</a:t>
+              <a:t>2022/3/1</a:t>
             </a:fld>
             <a:endParaRPr lang="zh-TW" altLang="en-US"/>
           </a:p>
@@ -3908,11 +3919,19 @@
             <a:pPr algn="ctr"/>
             <a:r>
               <a:rPr lang="zh-TW" altLang="en-US" dirty="0"/>
-              <a:t>選擇性敘述</a:t>
+              <a:t>跳脫字元 </a:t>
             </a:r>
             <a:r>
               <a:rPr lang="en-US" altLang="zh-TW" dirty="0"/>
-              <a:t> - if</a:t>
+              <a:t>(</a:t>
+            </a:r>
+            <a:r>
+              <a:rPr lang="zh-TW" altLang="en-US" dirty="0"/>
+              <a:t>算一個</a:t>
+            </a:r>
+            <a:r>
+              <a:rPr lang="en-US" altLang="zh-TW" dirty="0"/>
+              <a:t>char)</a:t>
             </a:r>
             <a:endParaRPr lang="zh-TW" altLang="en-US" dirty="0"/>
           </a:p>
@@ -3936,10 +3955,117 @@
         </p:nvSpPr>
         <p:spPr/>
         <p:txBody>
-          <a:bodyPr/>
-          <a:lstStyle/>
-          <a:p>
-            <a:endParaRPr lang="zh-TW" altLang="en-US" dirty="0"/>
+          <a:bodyPr>
+            <a:normAutofit/>
+          </a:bodyPr>
+          <a:lstStyle/>
+          <a:p>
+            <a:pPr marL="0" indent="0">
+              <a:buNone/>
+            </a:pPr>
+            <a:r>
+              <a:rPr lang="en-US" altLang="zh-TW" sz="5400" dirty="0"/>
+              <a:t>\\ :</a:t>
+            </a:r>
+            <a:r>
+              <a:rPr lang="zh-TW" altLang="en-US" sz="5400" dirty="0"/>
+              <a:t> 輸出</a:t>
+            </a:r>
+            <a:r>
+              <a:rPr lang="en-US" altLang="zh-TW" sz="5400" dirty="0"/>
+              <a:t>\</a:t>
+            </a:r>
+          </a:p>
+          <a:p>
+            <a:pPr marL="0" indent="0">
+              <a:buNone/>
+            </a:pPr>
+            <a:r>
+              <a:rPr lang="en-US" altLang="zh-TW" sz="5400" dirty="0"/>
+              <a:t>\’ : </a:t>
+            </a:r>
+            <a:r>
+              <a:rPr lang="zh-TW" altLang="en-US" sz="5400" dirty="0"/>
+              <a:t>輸出</a:t>
+            </a:r>
+            <a:r>
+              <a:rPr lang="en-US" altLang="zh-TW" sz="5400" dirty="0"/>
+              <a:t>‘</a:t>
+            </a:r>
+          </a:p>
+          <a:p>
+            <a:pPr marL="0" indent="0">
+              <a:buNone/>
+            </a:pPr>
+            <a:r>
+              <a:rPr lang="en-US" altLang="zh-TW" sz="5400" dirty="0"/>
+              <a:t>\” : </a:t>
+            </a:r>
+            <a:r>
+              <a:rPr lang="zh-TW" altLang="en-US" sz="5400" dirty="0"/>
+              <a:t>輸出</a:t>
+            </a:r>
+            <a:r>
+              <a:rPr lang="en-US" altLang="zh-TW" sz="5400" dirty="0"/>
+              <a:t>”</a:t>
+            </a:r>
+          </a:p>
+          <a:p>
+            <a:pPr marL="0" indent="0">
+              <a:buNone/>
+            </a:pPr>
+            <a:r>
+              <a:rPr lang="en-US" altLang="zh-TW" sz="5400" dirty="0"/>
+              <a:t>\a</a:t>
+            </a:r>
+            <a:r>
+              <a:rPr lang="zh-TW" altLang="en-US" sz="5400" dirty="0"/>
+              <a:t> </a:t>
+            </a:r>
+            <a:r>
+              <a:rPr lang="en-US" altLang="zh-TW" sz="5400" dirty="0"/>
+              <a:t>:</a:t>
+            </a:r>
+            <a:r>
+              <a:rPr lang="zh-TW" altLang="en-US" sz="5400" dirty="0"/>
+              <a:t> 發出一聲</a:t>
+            </a:r>
+            <a:r>
+              <a:rPr lang="en-US" altLang="zh-TW" sz="5400" dirty="0"/>
+              <a:t> </a:t>
+            </a:r>
+          </a:p>
+          <a:p>
+            <a:pPr marL="0" indent="0">
+              <a:buNone/>
+            </a:pPr>
+            <a:r>
+              <a:rPr lang="zh-TW" altLang="en-US" sz="5400" dirty="0"/>
+              <a:t> </a:t>
+            </a:r>
+            <a:r>
+              <a:rPr lang="en-US" altLang="zh-TW" sz="5400" dirty="0"/>
+              <a:t>\b</a:t>
+            </a:r>
+            <a:r>
+              <a:rPr lang="zh-TW" altLang="en-US" sz="5400" dirty="0"/>
+              <a:t> </a:t>
+            </a:r>
+            <a:r>
+              <a:rPr lang="en-US" altLang="zh-TW" sz="5400" dirty="0"/>
+              <a:t>:</a:t>
+            </a:r>
+            <a:r>
+              <a:rPr lang="zh-TW" altLang="en-US" sz="5400" dirty="0"/>
+              <a:t> 倒退一格</a:t>
+            </a:r>
+            <a:endParaRPr lang="en-US" altLang="zh-TW" sz="5400" dirty="0"/>
+          </a:p>
+          <a:p>
+            <a:pPr marL="0" indent="0">
+              <a:buNone/>
+            </a:pPr>
+            <a:endParaRPr lang="zh-TW" altLang="en-US" sz="4400" dirty="0"/>
           </a:p>
         </p:txBody>
       </p:sp>
@@ -3994,7 +4120,16 @@
           <a:bodyPr/>
           <a:lstStyle/>
           <a:p>
-            <a:endParaRPr lang="zh-TW" altLang="en-US"/>
+            <a:pPr algn="ctr"/>
+            <a:r>
+              <a:rPr lang="zh-TW" altLang="en-US" dirty="0"/>
+              <a:t>練習</a:t>
+            </a:r>
+            <a:r>
+              <a:rPr lang="en-US" altLang="zh-TW" dirty="0"/>
+              <a:t>1 </a:t>
+            </a:r>
+            <a:endParaRPr lang="zh-TW" altLang="en-US" dirty="0"/>
           </a:p>
         </p:txBody>
       </p:sp>
@@ -4016,10 +4151,52 @@
         </p:nvSpPr>
         <p:spPr/>
         <p:txBody>
-          <a:bodyPr/>
-          <a:lstStyle/>
-          <a:p>
-            <a:endParaRPr lang="zh-TW" altLang="en-US"/>
+          <a:bodyPr>
+            <a:normAutofit fontScale="92500"/>
+          </a:bodyPr>
+          <a:lstStyle/>
+          <a:p>
+            <a:r>
+              <a:rPr lang="zh-TW" altLang="en-US" sz="5400" dirty="0"/>
+              <a:t> 每隔一秒發出一聲，並將次數輸出</a:t>
+            </a:r>
+            <a:endParaRPr lang="en-US" altLang="zh-TW" sz="5400" dirty="0"/>
+          </a:p>
+          <a:p>
+            <a:endParaRPr lang="en-US" altLang="zh-TW" sz="5400" dirty="0"/>
+          </a:p>
+          <a:p>
+            <a:r>
+              <a:rPr lang="en-US" altLang="zh-TW" sz="5400" dirty="0"/>
+              <a:t>Hint: </a:t>
+            </a:r>
+          </a:p>
+          <a:p>
+            <a:pPr marL="0" indent="0">
+              <a:buNone/>
+            </a:pPr>
+            <a:r>
+              <a:rPr lang="en-US" altLang="zh-TW" sz="5400" dirty="0"/>
+              <a:t>		\a </a:t>
+            </a:r>
+          </a:p>
+          <a:p>
+            <a:pPr marL="0" indent="0">
+              <a:buNone/>
+            </a:pPr>
+            <a:r>
+              <a:rPr lang="en-US" altLang="zh-TW" sz="4400" dirty="0"/>
+              <a:t>		Sleep() 		// #include &lt;</a:t>
+            </a:r>
+            <a:r>
+              <a:rPr lang="en-US" altLang="zh-TW" sz="4400" dirty="0" err="1"/>
+              <a:t>windows.h</a:t>
+            </a:r>
+            <a:r>
+              <a:rPr lang="en-US" altLang="zh-TW" sz="4400" dirty="0"/>
+              <a:t>&gt;</a:t>
+            </a:r>
+            <a:endParaRPr lang="zh-TW" altLang="en-US" sz="4400" dirty="0"/>
           </a:p>
         </p:txBody>
       </p:sp>
@@ -4027,6 +4204,1136 @@
     <p:extLst>
       <p:ext uri="{BB962C8B-B14F-4D97-AF65-F5344CB8AC3E}">
         <p14:creationId xmlns:p14="http://schemas.microsoft.com/office/powerpoint/2010/main" val="1126798484"/>
+      </p:ext>
+    </p:extLst>
+  </p:cSld>
+  <p:clrMapOvr>
+    <a:masterClrMapping/>
+  </p:clrMapOvr>
+</p:sld>
+</file>
+
+<file path=ppt/slides/slide4.xml><?xml version="1.0" encoding="utf-8"?>
+<p:sld xmlns:a="http://schemas.openxmlformats.org/drawingml/2006/main" xmlns:r="http://schemas.openxmlformats.org/officeDocument/2006/relationships" xmlns:p="http://schemas.openxmlformats.org/presentationml/2006/main">
+  <p:cSld>
+    <p:spTree>
+      <p:nvGrpSpPr>
+        <p:cNvPr id="1" name=""/>
+        <p:cNvGrpSpPr/>
+        <p:nvPr/>
+      </p:nvGrpSpPr>
+      <p:grpSpPr>
+        <a:xfrm>
+          <a:off x="0" y="0"/>
+          <a:ext cx="0" cy="0"/>
+          <a:chOff x="0" y="0"/>
+          <a:chExt cx="0" cy="0"/>
+        </a:xfrm>
+      </p:grpSpPr>
+      <p:sp>
+        <p:nvSpPr>
+          <p:cNvPr id="2" name="標題 1">
+            <a:extLst>
+              <a:ext uri="{FF2B5EF4-FFF2-40B4-BE49-F238E27FC236}">
+                <a16:creationId xmlns:a16="http://schemas.microsoft.com/office/drawing/2014/main" id="{290D711A-62CB-47E2-9B28-020734B8DC0D}"/>
+              </a:ext>
+            </a:extLst>
+          </p:cNvPr>
+          <p:cNvSpPr>
+            <a:spLocks noGrp="1"/>
+          </p:cNvSpPr>
+          <p:nvPr>
+            <p:ph type="title"/>
+          </p:nvPr>
+        </p:nvSpPr>
+        <p:spPr/>
+        <p:txBody>
+          <a:bodyPr/>
+          <a:lstStyle/>
+          <a:p>
+            <a:endParaRPr lang="zh-TW" altLang="en-US"/>
+          </a:p>
+        </p:txBody>
+      </p:sp>
+      <p:pic>
+        <p:nvPicPr>
+          <p:cNvPr id="6" name="內容版面配置區 5">
+            <a:extLst>
+              <a:ext uri="{FF2B5EF4-FFF2-40B4-BE49-F238E27FC236}">
+                <a16:creationId xmlns:a16="http://schemas.microsoft.com/office/drawing/2014/main" id="{2CA7E585-E53B-4188-B104-09D4899E79D3}"/>
+              </a:ext>
+            </a:extLst>
+          </p:cNvPr>
+          <p:cNvPicPr>
+            <a:picLocks noGrp="1" noChangeAspect="1"/>
+          </p:cNvPicPr>
+          <p:nvPr>
+            <p:ph idx="1"/>
+          </p:nvPr>
+        </p:nvPicPr>
+        <p:blipFill>
+          <a:blip r:embed="rId2">
+            <a:extLst>
+              <a:ext uri="{28A0092B-C50C-407E-A947-70E740481C1C}">
+                <a14:useLocalDpi xmlns:a14="http://schemas.microsoft.com/office/drawing/2010/main" val="0"/>
+              </a:ext>
+            </a:extLst>
+          </a:blip>
+          <a:stretch>
+            <a:fillRect/>
+          </a:stretch>
+        </p:blipFill>
+        <p:spPr>
+          <a:xfrm>
+            <a:off x="1586415" y="286073"/>
+            <a:ext cx="9255755" cy="6417324"/>
+          </a:xfrm>
+        </p:spPr>
+      </p:pic>
+    </p:spTree>
+    <p:extLst>
+      <p:ext uri="{BB962C8B-B14F-4D97-AF65-F5344CB8AC3E}">
+        <p14:creationId xmlns:p14="http://schemas.microsoft.com/office/powerpoint/2010/main" val="898997775"/>
+      </p:ext>
+    </p:extLst>
+  </p:cSld>
+  <p:clrMapOvr>
+    <a:masterClrMapping/>
+  </p:clrMapOvr>
+</p:sld>
+</file>
+
+<file path=ppt/slides/slide5.xml><?xml version="1.0" encoding="utf-8"?>
+<p:sld xmlns:a="http://schemas.openxmlformats.org/drawingml/2006/main" xmlns:r="http://schemas.openxmlformats.org/officeDocument/2006/relationships" xmlns:p="http://schemas.openxmlformats.org/presentationml/2006/main">
+  <p:cSld>
+    <p:spTree>
+      <p:nvGrpSpPr>
+        <p:cNvPr id="1" name=""/>
+        <p:cNvGrpSpPr/>
+        <p:nvPr/>
+      </p:nvGrpSpPr>
+      <p:grpSpPr>
+        <a:xfrm>
+          <a:off x="0" y="0"/>
+          <a:ext cx="0" cy="0"/>
+          <a:chOff x="0" y="0"/>
+          <a:chExt cx="0" cy="0"/>
+        </a:xfrm>
+      </p:grpSpPr>
+      <p:sp>
+        <p:nvSpPr>
+          <p:cNvPr id="6" name="矩形 5">
+            <a:extLst>
+              <a:ext uri="{FF2B5EF4-FFF2-40B4-BE49-F238E27FC236}">
+                <a16:creationId xmlns:a16="http://schemas.microsoft.com/office/drawing/2014/main" id="{340B450C-1B13-4FA6-88A6-37446E9F1251}"/>
+              </a:ext>
+            </a:extLst>
+          </p:cNvPr>
+          <p:cNvSpPr/>
+          <p:nvPr/>
+        </p:nvSpPr>
+        <p:spPr>
+          <a:xfrm>
+            <a:off x="2127380" y="2939143"/>
+            <a:ext cx="7940351" cy="3069771"/>
+          </a:xfrm>
+          <a:prstGeom prst="rect">
+            <a:avLst/>
+          </a:prstGeom>
+        </p:spPr>
+        <p:style>
+          <a:lnRef idx="2">
+            <a:schemeClr val="accent1">
+              <a:shade val="50000"/>
+            </a:schemeClr>
+          </a:lnRef>
+          <a:fillRef idx="1">
+            <a:schemeClr val="accent1"/>
+          </a:fillRef>
+          <a:effectRef idx="0">
+            <a:schemeClr val="accent1"/>
+          </a:effectRef>
+          <a:fontRef idx="minor">
+            <a:schemeClr val="lt1"/>
+          </a:fontRef>
+        </p:style>
+        <p:txBody>
+          <a:bodyPr rtlCol="0" anchor="ctr"/>
+          <a:lstStyle/>
+          <a:p>
+            <a:pPr algn="ctr"/>
+            <a:endParaRPr lang="zh-TW" altLang="en-US"/>
+          </a:p>
+        </p:txBody>
+      </p:sp>
+      <p:sp>
+        <p:nvSpPr>
+          <p:cNvPr id="2" name="標題 1">
+            <a:extLst>
+              <a:ext uri="{FF2B5EF4-FFF2-40B4-BE49-F238E27FC236}">
+                <a16:creationId xmlns:a16="http://schemas.microsoft.com/office/drawing/2014/main" id="{BBDC850C-14B7-485D-9388-4FF40363D8F5}"/>
+              </a:ext>
+            </a:extLst>
+          </p:cNvPr>
+          <p:cNvSpPr>
+            <a:spLocks noGrp="1"/>
+          </p:cNvSpPr>
+          <p:nvPr>
+            <p:ph type="title"/>
+          </p:nvPr>
+        </p:nvSpPr>
+        <p:spPr/>
+        <p:txBody>
+          <a:bodyPr/>
+          <a:lstStyle/>
+          <a:p>
+            <a:pPr algn="ctr"/>
+            <a:r>
+              <a:rPr lang="zh-TW" altLang="en-US" dirty="0"/>
+              <a:t>練習</a:t>
+            </a:r>
+            <a:r>
+              <a:rPr lang="en-US" altLang="zh-TW" dirty="0"/>
+              <a:t>2 </a:t>
+            </a:r>
+            <a:endParaRPr lang="zh-TW" altLang="en-US" dirty="0"/>
+          </a:p>
+        </p:txBody>
+      </p:sp>
+      <p:sp>
+        <p:nvSpPr>
+          <p:cNvPr id="3" name="內容版面配置區 2">
+            <a:extLst>
+              <a:ext uri="{FF2B5EF4-FFF2-40B4-BE49-F238E27FC236}">
+                <a16:creationId xmlns:a16="http://schemas.microsoft.com/office/drawing/2014/main" id="{13D69E0B-307A-4413-920F-259C70B1B856}"/>
+              </a:ext>
+            </a:extLst>
+          </p:cNvPr>
+          <p:cNvSpPr>
+            <a:spLocks noGrp="1"/>
+          </p:cNvSpPr>
+          <p:nvPr>
+            <p:ph idx="1"/>
+          </p:nvPr>
+        </p:nvSpPr>
+        <p:spPr/>
+        <p:txBody>
+          <a:bodyPr>
+            <a:normAutofit/>
+          </a:bodyPr>
+          <a:lstStyle/>
+          <a:p>
+            <a:r>
+              <a:rPr lang="zh-TW" altLang="en-US" sz="5400" dirty="0"/>
+              <a:t>輸出以下內容</a:t>
+            </a:r>
+            <a:endParaRPr lang="en-US" altLang="zh-TW" sz="5400" dirty="0"/>
+          </a:p>
+          <a:p>
+            <a:endParaRPr lang="en-US" altLang="zh-TW" sz="5400" dirty="0"/>
+          </a:p>
+        </p:txBody>
+      </p:sp>
+      <p:pic>
+        <p:nvPicPr>
+          <p:cNvPr id="5" name="圖片 4">
+            <a:extLst>
+              <a:ext uri="{FF2B5EF4-FFF2-40B4-BE49-F238E27FC236}">
+                <a16:creationId xmlns:a16="http://schemas.microsoft.com/office/drawing/2014/main" id="{11B83A61-26E7-47C4-80C1-1A6117755D59}"/>
+              </a:ext>
+            </a:extLst>
+          </p:cNvPr>
+          <p:cNvPicPr>
+            <a:picLocks noChangeAspect="1"/>
+          </p:cNvPicPr>
+          <p:nvPr/>
+        </p:nvPicPr>
+        <p:blipFill>
+          <a:blip r:embed="rId2">
+            <a:extLst>
+              <a:ext uri="{28A0092B-C50C-407E-A947-70E740481C1C}">
+                <a14:useLocalDpi xmlns:a14="http://schemas.microsoft.com/office/drawing/2010/main" val="0"/>
+              </a:ext>
+            </a:extLst>
+          </a:blip>
+          <a:stretch>
+            <a:fillRect/>
+          </a:stretch>
+        </p:blipFill>
+        <p:spPr>
+          <a:xfrm>
+            <a:off x="2202822" y="3016994"/>
+            <a:ext cx="7766361" cy="2861291"/>
+          </a:xfrm>
+          <a:prstGeom prst="rect">
+            <a:avLst/>
+          </a:prstGeom>
+        </p:spPr>
+      </p:pic>
+    </p:spTree>
+    <p:extLst>
+      <p:ext uri="{BB962C8B-B14F-4D97-AF65-F5344CB8AC3E}">
+        <p14:creationId xmlns:p14="http://schemas.microsoft.com/office/powerpoint/2010/main" val="1006519905"/>
+      </p:ext>
+    </p:extLst>
+  </p:cSld>
+  <p:clrMapOvr>
+    <a:masterClrMapping/>
+  </p:clrMapOvr>
+</p:sld>
+</file>
+
+<file path=ppt/slides/slide6.xml><?xml version="1.0" encoding="utf-8"?>
+<p:sld xmlns:a="http://schemas.openxmlformats.org/drawingml/2006/main" xmlns:r="http://schemas.openxmlformats.org/officeDocument/2006/relationships" xmlns:p="http://schemas.openxmlformats.org/presentationml/2006/main">
+  <p:cSld>
+    <p:spTree>
+      <p:nvGrpSpPr>
+        <p:cNvPr id="1" name=""/>
+        <p:cNvGrpSpPr/>
+        <p:nvPr/>
+      </p:nvGrpSpPr>
+      <p:grpSpPr>
+        <a:xfrm>
+          <a:off x="0" y="0"/>
+          <a:ext cx="0" cy="0"/>
+          <a:chOff x="0" y="0"/>
+          <a:chExt cx="0" cy="0"/>
+        </a:xfrm>
+      </p:grpSpPr>
+      <p:sp>
+        <p:nvSpPr>
+          <p:cNvPr id="2" name="標題 1">
+            <a:extLst>
+              <a:ext uri="{FF2B5EF4-FFF2-40B4-BE49-F238E27FC236}">
+                <a16:creationId xmlns:a16="http://schemas.microsoft.com/office/drawing/2014/main" id="{2B1F2A1E-57C1-4573-9808-84E978FA3940}"/>
+              </a:ext>
+            </a:extLst>
+          </p:cNvPr>
+          <p:cNvSpPr>
+            <a:spLocks noGrp="1"/>
+          </p:cNvSpPr>
+          <p:nvPr>
+            <p:ph type="title"/>
+          </p:nvPr>
+        </p:nvSpPr>
+        <p:spPr/>
+        <p:txBody>
+          <a:bodyPr/>
+          <a:lstStyle/>
+          <a:p>
+            <a:endParaRPr lang="zh-TW" altLang="en-US"/>
+          </a:p>
+        </p:txBody>
+      </p:sp>
+      <p:pic>
+        <p:nvPicPr>
+          <p:cNvPr id="5" name="內容版面配置區 4">
+            <a:extLst>
+              <a:ext uri="{FF2B5EF4-FFF2-40B4-BE49-F238E27FC236}">
+                <a16:creationId xmlns:a16="http://schemas.microsoft.com/office/drawing/2014/main" id="{3D3AEA91-C32D-4F70-81E0-112B27E8D615}"/>
+              </a:ext>
+            </a:extLst>
+          </p:cNvPr>
+          <p:cNvPicPr>
+            <a:picLocks noGrp="1" noChangeAspect="1"/>
+          </p:cNvPicPr>
+          <p:nvPr>
+            <p:ph idx="1"/>
+          </p:nvPr>
+        </p:nvPicPr>
+        <p:blipFill>
+          <a:blip r:embed="rId2">
+            <a:extLst>
+              <a:ext uri="{28A0092B-C50C-407E-A947-70E740481C1C}">
+                <a14:useLocalDpi xmlns:a14="http://schemas.microsoft.com/office/drawing/2010/main" val="0"/>
+              </a:ext>
+            </a:extLst>
+          </a:blip>
+          <a:stretch>
+            <a:fillRect/>
+          </a:stretch>
+        </p:blipFill>
+        <p:spPr>
+          <a:xfrm>
+            <a:off x="1370045" y="395623"/>
+            <a:ext cx="9117563" cy="6066753"/>
+          </a:xfrm>
+        </p:spPr>
+      </p:pic>
+      <p:sp>
+        <p:nvSpPr>
+          <p:cNvPr id="9" name="語音泡泡: 矩形 8">
+            <a:extLst>
+              <a:ext uri="{FF2B5EF4-FFF2-40B4-BE49-F238E27FC236}">
+                <a16:creationId xmlns:a16="http://schemas.microsoft.com/office/drawing/2014/main" id="{68C79F4F-AA49-4FEA-9926-D414929A881A}"/>
+              </a:ext>
+            </a:extLst>
+          </p:cNvPr>
+          <p:cNvSpPr/>
+          <p:nvPr/>
+        </p:nvSpPr>
+        <p:spPr>
+          <a:xfrm rot="10800000">
+            <a:off x="6298162" y="4394717"/>
+            <a:ext cx="877078" cy="592494"/>
+          </a:xfrm>
+          <a:prstGeom prst="wedgeRectCallout">
+            <a:avLst/>
+          </a:prstGeom>
+          <a:solidFill>
+            <a:schemeClr val="tx1"/>
+          </a:solidFill>
+          <a:ln>
+            <a:solidFill>
+              <a:schemeClr val="bg1"/>
+            </a:solidFill>
+          </a:ln>
+        </p:spPr>
+        <p:style>
+          <a:lnRef idx="2">
+            <a:schemeClr val="accent1">
+              <a:shade val="50000"/>
+            </a:schemeClr>
+          </a:lnRef>
+          <a:fillRef idx="1">
+            <a:schemeClr val="accent1"/>
+          </a:fillRef>
+          <a:effectRef idx="0">
+            <a:schemeClr val="accent1"/>
+          </a:effectRef>
+          <a:fontRef idx="minor">
+            <a:schemeClr val="lt1"/>
+          </a:fontRef>
+        </p:style>
+        <p:txBody>
+          <a:bodyPr rtlCol="0" anchor="ctr"/>
+          <a:lstStyle/>
+          <a:p>
+            <a:pPr algn="ctr"/>
+            <a:r>
+              <a:rPr lang="en-US" altLang="zh-TW" sz="4000" dirty="0">
+                <a:solidFill>
+                  <a:schemeClr val="bg1"/>
+                </a:solidFill>
+              </a:rPr>
+              <a:t>\</a:t>
+            </a:r>
+            <a:endParaRPr lang="zh-TW" altLang="en-US" sz="4000" dirty="0">
+              <a:solidFill>
+                <a:schemeClr val="bg1"/>
+              </a:solidFill>
+            </a:endParaRPr>
+          </a:p>
+        </p:txBody>
+      </p:sp>
+      <p:sp>
+        <p:nvSpPr>
+          <p:cNvPr id="12" name="矩形 11">
+            <a:extLst>
+              <a:ext uri="{FF2B5EF4-FFF2-40B4-BE49-F238E27FC236}">
+                <a16:creationId xmlns:a16="http://schemas.microsoft.com/office/drawing/2014/main" id="{9E6C00AC-F23B-4529-9132-F8E5945B26FD}"/>
+              </a:ext>
+            </a:extLst>
+          </p:cNvPr>
+          <p:cNvSpPr/>
+          <p:nvPr/>
+        </p:nvSpPr>
+        <p:spPr>
+          <a:xfrm>
+            <a:off x="6736701" y="4246363"/>
+            <a:ext cx="503853" cy="45719"/>
+          </a:xfrm>
+          <a:prstGeom prst="rect">
+            <a:avLst/>
+          </a:prstGeom>
+        </p:spPr>
+        <p:style>
+          <a:lnRef idx="2">
+            <a:schemeClr val="accent1">
+              <a:shade val="50000"/>
+            </a:schemeClr>
+          </a:lnRef>
+          <a:fillRef idx="1">
+            <a:schemeClr val="accent1"/>
+          </a:fillRef>
+          <a:effectRef idx="0">
+            <a:schemeClr val="accent1"/>
+          </a:effectRef>
+          <a:fontRef idx="minor">
+            <a:schemeClr val="lt1"/>
+          </a:fontRef>
+        </p:style>
+        <p:txBody>
+          <a:bodyPr rtlCol="0" anchor="ctr"/>
+          <a:lstStyle/>
+          <a:p>
+            <a:pPr algn="ctr"/>
+            <a:endParaRPr lang="zh-TW" altLang="en-US"/>
+          </a:p>
+        </p:txBody>
+      </p:sp>
+      <p:sp>
+        <p:nvSpPr>
+          <p:cNvPr id="13" name="矩形 12">
+            <a:extLst>
+              <a:ext uri="{FF2B5EF4-FFF2-40B4-BE49-F238E27FC236}">
+                <a16:creationId xmlns:a16="http://schemas.microsoft.com/office/drawing/2014/main" id="{96F1097A-65FB-49DD-94C1-533AC2F8539D}"/>
+              </a:ext>
+            </a:extLst>
+          </p:cNvPr>
+          <p:cNvSpPr/>
+          <p:nvPr/>
+        </p:nvSpPr>
+        <p:spPr>
+          <a:xfrm>
+            <a:off x="7375069" y="4233782"/>
+            <a:ext cx="503853" cy="45719"/>
+          </a:xfrm>
+          <a:prstGeom prst="rect">
+            <a:avLst/>
+          </a:prstGeom>
+        </p:spPr>
+        <p:style>
+          <a:lnRef idx="2">
+            <a:schemeClr val="accent2">
+              <a:shade val="50000"/>
+            </a:schemeClr>
+          </a:lnRef>
+          <a:fillRef idx="1">
+            <a:schemeClr val="accent2"/>
+          </a:fillRef>
+          <a:effectRef idx="0">
+            <a:schemeClr val="accent2"/>
+          </a:effectRef>
+          <a:fontRef idx="minor">
+            <a:schemeClr val="lt1"/>
+          </a:fontRef>
+        </p:style>
+        <p:txBody>
+          <a:bodyPr rtlCol="0" anchor="ctr"/>
+          <a:lstStyle/>
+          <a:p>
+            <a:pPr algn="ctr"/>
+            <a:endParaRPr lang="zh-TW" altLang="en-US"/>
+          </a:p>
+        </p:txBody>
+      </p:sp>
+      <p:sp>
+        <p:nvSpPr>
+          <p:cNvPr id="14" name="矩形 13">
+            <a:extLst>
+              <a:ext uri="{FF2B5EF4-FFF2-40B4-BE49-F238E27FC236}">
+                <a16:creationId xmlns:a16="http://schemas.microsoft.com/office/drawing/2014/main" id="{9569EC51-AC54-4792-9EC0-31E651853AA6}"/>
+              </a:ext>
+            </a:extLst>
+          </p:cNvPr>
+          <p:cNvSpPr/>
+          <p:nvPr/>
+        </p:nvSpPr>
+        <p:spPr>
+          <a:xfrm>
+            <a:off x="7961339" y="4223503"/>
+            <a:ext cx="503853" cy="45719"/>
+          </a:xfrm>
+          <a:prstGeom prst="rect">
+            <a:avLst/>
+          </a:prstGeom>
+        </p:spPr>
+        <p:style>
+          <a:lnRef idx="2">
+            <a:schemeClr val="accent4">
+              <a:shade val="50000"/>
+            </a:schemeClr>
+          </a:lnRef>
+          <a:fillRef idx="1">
+            <a:schemeClr val="accent4"/>
+          </a:fillRef>
+          <a:effectRef idx="0">
+            <a:schemeClr val="accent4"/>
+          </a:effectRef>
+          <a:fontRef idx="minor">
+            <a:schemeClr val="lt1"/>
+          </a:fontRef>
+        </p:style>
+        <p:txBody>
+          <a:bodyPr rtlCol="0" anchor="ctr"/>
+          <a:lstStyle/>
+          <a:p>
+            <a:pPr algn="ctr"/>
+            <a:endParaRPr lang="zh-TW" altLang="en-US"/>
+          </a:p>
+        </p:txBody>
+      </p:sp>
+      <p:sp>
+        <p:nvSpPr>
+          <p:cNvPr id="15" name="矩形 14">
+            <a:extLst>
+              <a:ext uri="{FF2B5EF4-FFF2-40B4-BE49-F238E27FC236}">
+                <a16:creationId xmlns:a16="http://schemas.microsoft.com/office/drawing/2014/main" id="{5943C6AE-F9AD-4BCB-9920-0A962A1CE867}"/>
+              </a:ext>
+            </a:extLst>
+          </p:cNvPr>
+          <p:cNvSpPr/>
+          <p:nvPr/>
+        </p:nvSpPr>
+        <p:spPr>
+          <a:xfrm>
+            <a:off x="8877681" y="4246362"/>
+            <a:ext cx="503853" cy="45719"/>
+          </a:xfrm>
+          <a:prstGeom prst="rect">
+            <a:avLst/>
+          </a:prstGeom>
+        </p:spPr>
+        <p:style>
+          <a:lnRef idx="2">
+            <a:schemeClr val="accent6">
+              <a:shade val="50000"/>
+            </a:schemeClr>
+          </a:lnRef>
+          <a:fillRef idx="1">
+            <a:schemeClr val="accent6"/>
+          </a:fillRef>
+          <a:effectRef idx="0">
+            <a:schemeClr val="accent6"/>
+          </a:effectRef>
+          <a:fontRef idx="minor">
+            <a:schemeClr val="lt1"/>
+          </a:fontRef>
+        </p:style>
+        <p:txBody>
+          <a:bodyPr rtlCol="0" anchor="ctr"/>
+          <a:lstStyle/>
+          <a:p>
+            <a:pPr algn="ctr"/>
+            <a:endParaRPr lang="zh-TW" altLang="en-US"/>
+          </a:p>
+        </p:txBody>
+      </p:sp>
+      <p:sp>
+        <p:nvSpPr>
+          <p:cNvPr id="16" name="語音泡泡: 矩形 15">
+            <a:extLst>
+              <a:ext uri="{FF2B5EF4-FFF2-40B4-BE49-F238E27FC236}">
+                <a16:creationId xmlns:a16="http://schemas.microsoft.com/office/drawing/2014/main" id="{1EF3308F-5C9F-43A9-BF31-083992B8DE9D}"/>
+              </a:ext>
+            </a:extLst>
+          </p:cNvPr>
+          <p:cNvSpPr/>
+          <p:nvPr/>
+        </p:nvSpPr>
+        <p:spPr>
+          <a:xfrm rot="10800000">
+            <a:off x="7440383" y="5074691"/>
+            <a:ext cx="877078" cy="592494"/>
+          </a:xfrm>
+          <a:prstGeom prst="wedgeRectCallout">
+            <a:avLst>
+              <a:gd name="adj1" fmla="val 33422"/>
+              <a:gd name="adj2" fmla="val 185335"/>
+            </a:avLst>
+          </a:prstGeom>
+          <a:solidFill>
+            <a:schemeClr val="tx1"/>
+          </a:solidFill>
+          <a:ln>
+            <a:solidFill>
+              <a:schemeClr val="bg1"/>
+            </a:solidFill>
+          </a:ln>
+        </p:spPr>
+        <p:style>
+          <a:lnRef idx="2">
+            <a:schemeClr val="accent1">
+              <a:shade val="50000"/>
+            </a:schemeClr>
+          </a:lnRef>
+          <a:fillRef idx="1">
+            <a:schemeClr val="accent1"/>
+          </a:fillRef>
+          <a:effectRef idx="0">
+            <a:schemeClr val="accent1"/>
+          </a:effectRef>
+          <a:fontRef idx="minor">
+            <a:schemeClr val="lt1"/>
+          </a:fontRef>
+        </p:style>
+        <p:txBody>
+          <a:bodyPr rtlCol="0" anchor="ctr"/>
+          <a:lstStyle/>
+          <a:p>
+            <a:pPr algn="ctr"/>
+            <a:r>
+              <a:rPr lang="en-US" altLang="zh-TW" sz="4000" dirty="0">
+                <a:solidFill>
+                  <a:schemeClr val="bg1"/>
+                </a:solidFill>
+              </a:rPr>
+              <a:t>“</a:t>
+            </a:r>
+            <a:endParaRPr lang="zh-TW" altLang="en-US" sz="4000" dirty="0">
+              <a:solidFill>
+                <a:schemeClr val="bg1"/>
+              </a:solidFill>
+            </a:endParaRPr>
+          </a:p>
+        </p:txBody>
+      </p:sp>
+      <p:sp>
+        <p:nvSpPr>
+          <p:cNvPr id="17" name="語音泡泡: 矩形 16">
+            <a:extLst>
+              <a:ext uri="{FF2B5EF4-FFF2-40B4-BE49-F238E27FC236}">
+                <a16:creationId xmlns:a16="http://schemas.microsoft.com/office/drawing/2014/main" id="{5D083CFA-588A-4C7D-B27E-20A037C8FA68}"/>
+              </a:ext>
+            </a:extLst>
+          </p:cNvPr>
+          <p:cNvSpPr/>
+          <p:nvPr/>
+        </p:nvSpPr>
+        <p:spPr>
+          <a:xfrm rot="10800000">
+            <a:off x="8691068" y="4987212"/>
+            <a:ext cx="877078" cy="592494"/>
+          </a:xfrm>
+          <a:prstGeom prst="wedgeRectCallout">
+            <a:avLst>
+              <a:gd name="adj1" fmla="val 112146"/>
+              <a:gd name="adj2" fmla="val 171161"/>
+            </a:avLst>
+          </a:prstGeom>
+          <a:solidFill>
+            <a:schemeClr val="tx1"/>
+          </a:solidFill>
+          <a:ln>
+            <a:solidFill>
+              <a:schemeClr val="bg1"/>
+            </a:solidFill>
+          </a:ln>
+        </p:spPr>
+        <p:style>
+          <a:lnRef idx="2">
+            <a:schemeClr val="accent1">
+              <a:shade val="50000"/>
+            </a:schemeClr>
+          </a:lnRef>
+          <a:fillRef idx="1">
+            <a:schemeClr val="accent1"/>
+          </a:fillRef>
+          <a:effectRef idx="0">
+            <a:schemeClr val="accent1"/>
+          </a:effectRef>
+          <a:fontRef idx="minor">
+            <a:schemeClr val="lt1"/>
+          </a:fontRef>
+        </p:style>
+        <p:txBody>
+          <a:bodyPr rtlCol="0" anchor="ctr"/>
+          <a:lstStyle/>
+          <a:p>
+            <a:pPr algn="ctr"/>
+            <a:r>
+              <a:rPr lang="en-US" altLang="zh-TW" sz="4000" dirty="0">
+                <a:solidFill>
+                  <a:schemeClr val="bg1"/>
+                </a:solidFill>
+              </a:rPr>
+              <a:t>\</a:t>
+            </a:r>
+            <a:endParaRPr lang="zh-TW" altLang="en-US" sz="4000" dirty="0">
+              <a:solidFill>
+                <a:schemeClr val="bg1"/>
+              </a:solidFill>
+            </a:endParaRPr>
+          </a:p>
+        </p:txBody>
+      </p:sp>
+    </p:spTree>
+    <p:extLst>
+      <p:ext uri="{BB962C8B-B14F-4D97-AF65-F5344CB8AC3E}">
+        <p14:creationId xmlns:p14="http://schemas.microsoft.com/office/powerpoint/2010/main" val="37474147"/>
+      </p:ext>
+    </p:extLst>
+  </p:cSld>
+  <p:clrMapOvr>
+    <a:masterClrMapping/>
+  </p:clrMapOvr>
+</p:sld>
+</file>
+
+<file path=ppt/slides/slide7.xml><?xml version="1.0" encoding="utf-8"?>
+<p:sld xmlns:a="http://schemas.openxmlformats.org/drawingml/2006/main" xmlns:r="http://schemas.openxmlformats.org/officeDocument/2006/relationships" xmlns:p="http://schemas.openxmlformats.org/presentationml/2006/main">
+  <p:cSld>
+    <p:spTree>
+      <p:nvGrpSpPr>
+        <p:cNvPr id="1" name=""/>
+        <p:cNvGrpSpPr/>
+        <p:nvPr/>
+      </p:nvGrpSpPr>
+      <p:grpSpPr>
+        <a:xfrm>
+          <a:off x="0" y="0"/>
+          <a:ext cx="0" cy="0"/>
+          <a:chOff x="0" y="0"/>
+          <a:chExt cx="0" cy="0"/>
+        </a:xfrm>
+      </p:grpSpPr>
+      <p:sp>
+        <p:nvSpPr>
+          <p:cNvPr id="6" name="矩形 5">
+            <a:extLst>
+              <a:ext uri="{FF2B5EF4-FFF2-40B4-BE49-F238E27FC236}">
+                <a16:creationId xmlns:a16="http://schemas.microsoft.com/office/drawing/2014/main" id="{AC2BB906-024B-4DDA-879E-E9A840FE6BFD}"/>
+              </a:ext>
+            </a:extLst>
+          </p:cNvPr>
+          <p:cNvSpPr/>
+          <p:nvPr/>
+        </p:nvSpPr>
+        <p:spPr>
+          <a:xfrm>
+            <a:off x="0" y="3331027"/>
+            <a:ext cx="12192000" cy="3247151"/>
+          </a:xfrm>
+          <a:prstGeom prst="rect">
+            <a:avLst/>
+          </a:prstGeom>
+        </p:spPr>
+        <p:style>
+          <a:lnRef idx="2">
+            <a:schemeClr val="accent1">
+              <a:shade val="50000"/>
+            </a:schemeClr>
+          </a:lnRef>
+          <a:fillRef idx="1">
+            <a:schemeClr val="accent1"/>
+          </a:fillRef>
+          <a:effectRef idx="0">
+            <a:schemeClr val="accent1"/>
+          </a:effectRef>
+          <a:fontRef idx="minor">
+            <a:schemeClr val="lt1"/>
+          </a:fontRef>
+        </p:style>
+        <p:txBody>
+          <a:bodyPr rtlCol="0" anchor="ctr"/>
+          <a:lstStyle/>
+          <a:p>
+            <a:pPr algn="ctr"/>
+            <a:endParaRPr lang="zh-TW" altLang="en-US"/>
+          </a:p>
+        </p:txBody>
+      </p:sp>
+      <p:sp>
+        <p:nvSpPr>
+          <p:cNvPr id="2" name="標題 1">
+            <a:extLst>
+              <a:ext uri="{FF2B5EF4-FFF2-40B4-BE49-F238E27FC236}">
+                <a16:creationId xmlns:a16="http://schemas.microsoft.com/office/drawing/2014/main" id="{A8FFCE8C-B089-4656-B078-6ADF70056D7B}"/>
+              </a:ext>
+            </a:extLst>
+          </p:cNvPr>
+          <p:cNvSpPr>
+            <a:spLocks noGrp="1"/>
+          </p:cNvSpPr>
+          <p:nvPr>
+            <p:ph type="title"/>
+          </p:nvPr>
+        </p:nvSpPr>
+        <p:spPr/>
+        <p:txBody>
+          <a:bodyPr/>
+          <a:lstStyle/>
+          <a:p>
+            <a:pPr algn="ctr"/>
+            <a:r>
+              <a:rPr lang="zh-TW" altLang="en-US" dirty="0"/>
+              <a:t>練習</a:t>
+            </a:r>
+            <a:r>
+              <a:rPr lang="en-US" altLang="zh-TW" dirty="0"/>
+              <a:t>3</a:t>
+            </a:r>
+            <a:endParaRPr lang="zh-TW" altLang="en-US" dirty="0"/>
+          </a:p>
+        </p:txBody>
+      </p:sp>
+      <p:sp>
+        <p:nvSpPr>
+          <p:cNvPr id="3" name="內容版面配置區 2">
+            <a:extLst>
+              <a:ext uri="{FF2B5EF4-FFF2-40B4-BE49-F238E27FC236}">
+                <a16:creationId xmlns:a16="http://schemas.microsoft.com/office/drawing/2014/main" id="{FC99FA85-CAB0-4670-AC37-D7648D169FD6}"/>
+              </a:ext>
+            </a:extLst>
+          </p:cNvPr>
+          <p:cNvSpPr>
+            <a:spLocks noGrp="1"/>
+          </p:cNvSpPr>
+          <p:nvPr>
+            <p:ph idx="1"/>
+          </p:nvPr>
+        </p:nvSpPr>
+        <p:spPr/>
+        <p:txBody>
+          <a:bodyPr>
+            <a:normAutofit/>
+          </a:bodyPr>
+          <a:lstStyle/>
+          <a:p>
+            <a:r>
+              <a:rPr lang="zh-TW" altLang="en-US" sz="4400" dirty="0"/>
+              <a:t>輸出九九乘法表 </a:t>
+            </a:r>
+            <a:r>
+              <a:rPr lang="en-US" altLang="zh-TW" sz="4400" dirty="0"/>
+              <a:t>(</a:t>
+            </a:r>
+            <a:r>
+              <a:rPr lang="zh-TW" altLang="en-US" sz="4400" dirty="0"/>
+              <a:t>要整齊</a:t>
+            </a:r>
+            <a:r>
+              <a:rPr lang="en-US" altLang="zh-TW" sz="4400" dirty="0"/>
+              <a:t>)</a:t>
+            </a:r>
+          </a:p>
+          <a:p>
+            <a:r>
+              <a:rPr lang="en-US" altLang="zh-TW" sz="4400" dirty="0"/>
+              <a:t>Hint: \t</a:t>
+            </a:r>
+            <a:endParaRPr lang="zh-TW" altLang="en-US" sz="4400" dirty="0"/>
+          </a:p>
+        </p:txBody>
+      </p:sp>
+      <p:pic>
+        <p:nvPicPr>
+          <p:cNvPr id="5" name="圖片 4">
+            <a:extLst>
+              <a:ext uri="{FF2B5EF4-FFF2-40B4-BE49-F238E27FC236}">
+                <a16:creationId xmlns:a16="http://schemas.microsoft.com/office/drawing/2014/main" id="{DE1C86E2-48C2-4006-8674-6B4515ED1DEC}"/>
+              </a:ext>
+            </a:extLst>
+          </p:cNvPr>
+          <p:cNvPicPr>
+            <a:picLocks noChangeAspect="1"/>
+          </p:cNvPicPr>
+          <p:nvPr/>
+        </p:nvPicPr>
+        <p:blipFill>
+          <a:blip r:embed="rId2">
+            <a:extLst>
+              <a:ext uri="{28A0092B-C50C-407E-A947-70E740481C1C}">
+                <a14:useLocalDpi xmlns:a14="http://schemas.microsoft.com/office/drawing/2010/main" val="0"/>
+              </a:ext>
+            </a:extLst>
+          </a:blip>
+          <a:stretch>
+            <a:fillRect/>
+          </a:stretch>
+        </p:blipFill>
+        <p:spPr>
+          <a:xfrm>
+            <a:off x="0" y="3456972"/>
+            <a:ext cx="12192000" cy="3065220"/>
+          </a:xfrm>
+          <a:prstGeom prst="rect">
+            <a:avLst/>
+          </a:prstGeom>
+        </p:spPr>
+      </p:pic>
+    </p:spTree>
+    <p:extLst>
+      <p:ext uri="{BB962C8B-B14F-4D97-AF65-F5344CB8AC3E}">
+        <p14:creationId xmlns:p14="http://schemas.microsoft.com/office/powerpoint/2010/main" val="2361564690"/>
+      </p:ext>
+    </p:extLst>
+  </p:cSld>
+  <p:clrMapOvr>
+    <a:masterClrMapping/>
+  </p:clrMapOvr>
+</p:sld>
+</file>
+
+<file path=ppt/slides/slide8.xml><?xml version="1.0" encoding="utf-8"?>
+<p:sld xmlns:a="http://schemas.openxmlformats.org/drawingml/2006/main" xmlns:r="http://schemas.openxmlformats.org/officeDocument/2006/relationships" xmlns:p="http://schemas.openxmlformats.org/presentationml/2006/main">
+  <p:cSld>
+    <p:spTree>
+      <p:nvGrpSpPr>
+        <p:cNvPr id="1" name=""/>
+        <p:cNvGrpSpPr/>
+        <p:nvPr/>
+      </p:nvGrpSpPr>
+      <p:grpSpPr>
+        <a:xfrm>
+          <a:off x="0" y="0"/>
+          <a:ext cx="0" cy="0"/>
+          <a:chOff x="0" y="0"/>
+          <a:chExt cx="0" cy="0"/>
+        </a:xfrm>
+      </p:grpSpPr>
+      <p:sp>
+        <p:nvSpPr>
+          <p:cNvPr id="2" name="標題 1">
+            <a:extLst>
+              <a:ext uri="{FF2B5EF4-FFF2-40B4-BE49-F238E27FC236}">
+                <a16:creationId xmlns:a16="http://schemas.microsoft.com/office/drawing/2014/main" id="{B790A085-2924-409A-BA2C-20FD5B2B5B30}"/>
+              </a:ext>
+            </a:extLst>
+          </p:cNvPr>
+          <p:cNvSpPr>
+            <a:spLocks noGrp="1"/>
+          </p:cNvSpPr>
+          <p:nvPr>
+            <p:ph type="title"/>
+          </p:nvPr>
+        </p:nvSpPr>
+        <p:spPr/>
+        <p:txBody>
+          <a:bodyPr/>
+          <a:lstStyle/>
+          <a:p>
+            <a:endParaRPr lang="zh-TW" altLang="en-US"/>
+          </a:p>
+        </p:txBody>
+      </p:sp>
+      <p:pic>
+        <p:nvPicPr>
+          <p:cNvPr id="5" name="內容版面配置區 4">
+            <a:extLst>
+              <a:ext uri="{FF2B5EF4-FFF2-40B4-BE49-F238E27FC236}">
+                <a16:creationId xmlns:a16="http://schemas.microsoft.com/office/drawing/2014/main" id="{3012BB94-1128-471B-9D71-B159B61DE2E3}"/>
+              </a:ext>
+            </a:extLst>
+          </p:cNvPr>
+          <p:cNvPicPr>
+            <a:picLocks noGrp="1" noChangeAspect="1"/>
+          </p:cNvPicPr>
+          <p:nvPr>
+            <p:ph idx="1"/>
+          </p:nvPr>
+        </p:nvPicPr>
+        <p:blipFill>
+          <a:blip r:embed="rId2">
+            <a:extLst>
+              <a:ext uri="{28A0092B-C50C-407E-A947-70E740481C1C}">
+                <a14:useLocalDpi xmlns:a14="http://schemas.microsoft.com/office/drawing/2010/main" val="0"/>
+              </a:ext>
+            </a:extLst>
+          </a:blip>
+          <a:stretch>
+            <a:fillRect/>
+          </a:stretch>
+        </p:blipFill>
+        <p:spPr>
+          <a:xfrm>
+            <a:off x="317128" y="809244"/>
+            <a:ext cx="11557744" cy="5239511"/>
+          </a:xfrm>
+        </p:spPr>
+      </p:pic>
+    </p:spTree>
+    <p:extLst>
+      <p:ext uri="{BB962C8B-B14F-4D97-AF65-F5344CB8AC3E}">
+        <p14:creationId xmlns:p14="http://schemas.microsoft.com/office/powerpoint/2010/main" val="2141050869"/>
+      </p:ext>
+    </p:extLst>
+  </p:cSld>
+  <p:clrMapOvr>
+    <a:masterClrMapping/>
+  </p:clrMapOvr>
+</p:sld>
+</file>
+
+<file path=ppt/slides/slide9.xml><?xml version="1.0" encoding="utf-8"?>
+<p:sld xmlns:a="http://schemas.openxmlformats.org/drawingml/2006/main" xmlns:r="http://schemas.openxmlformats.org/officeDocument/2006/relationships" xmlns:p="http://schemas.openxmlformats.org/presentationml/2006/main">
+  <p:cSld>
+    <p:spTree>
+      <p:nvGrpSpPr>
+        <p:cNvPr id="1" name=""/>
+        <p:cNvGrpSpPr/>
+        <p:nvPr/>
+      </p:nvGrpSpPr>
+      <p:grpSpPr>
+        <a:xfrm>
+          <a:off x="0" y="0"/>
+          <a:ext cx="0" cy="0"/>
+          <a:chOff x="0" y="0"/>
+          <a:chExt cx="0" cy="0"/>
+        </a:xfrm>
+      </p:grpSpPr>
+      <p:sp>
+        <p:nvSpPr>
+          <p:cNvPr id="2" name="標題 1">
+            <a:extLst>
+              <a:ext uri="{FF2B5EF4-FFF2-40B4-BE49-F238E27FC236}">
+                <a16:creationId xmlns:a16="http://schemas.microsoft.com/office/drawing/2014/main" id="{F1CF88BB-B563-4AB7-91DA-6E9973D3A0A0}"/>
+              </a:ext>
+            </a:extLst>
+          </p:cNvPr>
+          <p:cNvSpPr>
+            <a:spLocks noGrp="1"/>
+          </p:cNvSpPr>
+          <p:nvPr>
+            <p:ph type="title"/>
+          </p:nvPr>
+        </p:nvSpPr>
+        <p:spPr/>
+        <p:txBody>
+          <a:bodyPr/>
+          <a:lstStyle/>
+          <a:p>
+            <a:r>
+              <a:rPr lang="en-US" altLang="zh-TW" dirty="0" err="1"/>
+              <a:t>ing</a:t>
+            </a:r>
+            <a:endParaRPr lang="zh-TW" altLang="en-US" dirty="0"/>
+          </a:p>
+        </p:txBody>
+      </p:sp>
+      <p:sp>
+        <p:nvSpPr>
+          <p:cNvPr id="3" name="內容版面配置區 2">
+            <a:extLst>
+              <a:ext uri="{FF2B5EF4-FFF2-40B4-BE49-F238E27FC236}">
+                <a16:creationId xmlns:a16="http://schemas.microsoft.com/office/drawing/2014/main" id="{80229FC3-6305-411F-8D8C-FC4B5CFD750E}"/>
+              </a:ext>
+            </a:extLst>
+          </p:cNvPr>
+          <p:cNvSpPr>
+            <a:spLocks noGrp="1"/>
+          </p:cNvSpPr>
+          <p:nvPr>
+            <p:ph idx="1"/>
+          </p:nvPr>
+        </p:nvSpPr>
+        <p:spPr/>
+        <p:txBody>
+          <a:bodyPr/>
+          <a:lstStyle/>
+          <a:p>
+            <a:r>
+              <a:rPr lang="zh-TW" altLang="en-US" dirty="0"/>
+              <a:t>雙</a:t>
+            </a:r>
+            <a:r>
+              <a:rPr lang="en-US" altLang="zh-TW" dirty="0"/>
+              <a:t>for</a:t>
+            </a:r>
+          </a:p>
+          <a:p>
+            <a:r>
+              <a:rPr lang="zh-TW" altLang="en-US" dirty="0"/>
+              <a:t>作業</a:t>
+            </a:r>
+          </a:p>
+        </p:txBody>
+      </p:sp>
+    </p:spTree>
+    <p:extLst>
+      <p:ext uri="{BB962C8B-B14F-4D97-AF65-F5344CB8AC3E}">
+        <p14:creationId xmlns:p14="http://schemas.microsoft.com/office/powerpoint/2010/main" val="4254108089"/>
       </p:ext>
     </p:extLst>
   </p:cSld>

--- a/class_ppt/程一實習0303.pptx
+++ b/class_ppt/程一實習0303.pptx
@@ -5,18 +5,20 @@
     <p:sldMasterId id="2147483648" r:id="rId1"/>
   </p:sldMasterIdLst>
   <p:notesMasterIdLst>
-    <p:notesMasterId r:id="rId11"/>
+    <p:notesMasterId r:id="rId13"/>
   </p:notesMasterIdLst>
   <p:sldIdLst>
     <p:sldId id="256" r:id="rId2"/>
-    <p:sldId id="257" r:id="rId3"/>
-    <p:sldId id="258" r:id="rId4"/>
-    <p:sldId id="259" r:id="rId5"/>
-    <p:sldId id="261" r:id="rId6"/>
-    <p:sldId id="260" r:id="rId7"/>
-    <p:sldId id="262" r:id="rId8"/>
-    <p:sldId id="264" r:id="rId9"/>
-    <p:sldId id="263" r:id="rId10"/>
+    <p:sldId id="265" r:id="rId3"/>
+    <p:sldId id="267" r:id="rId4"/>
+    <p:sldId id="257" r:id="rId5"/>
+    <p:sldId id="258" r:id="rId6"/>
+    <p:sldId id="259" r:id="rId7"/>
+    <p:sldId id="261" r:id="rId8"/>
+    <p:sldId id="260" r:id="rId9"/>
+    <p:sldId id="262" r:id="rId10"/>
+    <p:sldId id="264" r:id="rId11"/>
+    <p:sldId id="263" r:id="rId12"/>
   </p:sldIdLst>
   <p:sldSz cx="12192000" cy="6858000"/>
   <p:notesSz cx="6858000" cy="9144000"/>
@@ -541,7 +543,7 @@
           <a:p>
             <a:fld id="{92CD3976-0A53-43C7-A43E-A2410759C6DA}" type="slidenum">
               <a:rPr lang="zh-TW" altLang="en-US" smtClean="0"/>
-              <a:t>2</a:t>
+              <a:t>4</a:t>
             </a:fld>
             <a:endParaRPr lang="zh-TW" altLang="en-US"/>
           </a:p>
@@ -3878,6 +3880,193 @@
 </p:sld>
 </file>
 
+<file path=ppt/slides/slide10.xml><?xml version="1.0" encoding="utf-8"?>
+<p:sld xmlns:a="http://schemas.openxmlformats.org/drawingml/2006/main" xmlns:r="http://schemas.openxmlformats.org/officeDocument/2006/relationships" xmlns:p="http://schemas.openxmlformats.org/presentationml/2006/main">
+  <p:cSld>
+    <p:spTree>
+      <p:nvGrpSpPr>
+        <p:cNvPr id="1" name=""/>
+        <p:cNvGrpSpPr/>
+        <p:nvPr/>
+      </p:nvGrpSpPr>
+      <p:grpSpPr>
+        <a:xfrm>
+          <a:off x="0" y="0"/>
+          <a:ext cx="0" cy="0"/>
+          <a:chOff x="0" y="0"/>
+          <a:chExt cx="0" cy="0"/>
+        </a:xfrm>
+      </p:grpSpPr>
+      <p:sp>
+        <p:nvSpPr>
+          <p:cNvPr id="2" name="標題 1">
+            <a:extLst>
+              <a:ext uri="{FF2B5EF4-FFF2-40B4-BE49-F238E27FC236}">
+                <a16:creationId xmlns:a16="http://schemas.microsoft.com/office/drawing/2014/main" id="{B790A085-2924-409A-BA2C-20FD5B2B5B30}"/>
+              </a:ext>
+            </a:extLst>
+          </p:cNvPr>
+          <p:cNvSpPr>
+            <a:spLocks noGrp="1"/>
+          </p:cNvSpPr>
+          <p:nvPr>
+            <p:ph type="title"/>
+          </p:nvPr>
+        </p:nvSpPr>
+        <p:spPr/>
+        <p:txBody>
+          <a:bodyPr/>
+          <a:lstStyle/>
+          <a:p>
+            <a:endParaRPr lang="zh-TW" altLang="en-US"/>
+          </a:p>
+        </p:txBody>
+      </p:sp>
+      <p:pic>
+        <p:nvPicPr>
+          <p:cNvPr id="5" name="內容版面配置區 4">
+            <a:extLst>
+              <a:ext uri="{FF2B5EF4-FFF2-40B4-BE49-F238E27FC236}">
+                <a16:creationId xmlns:a16="http://schemas.microsoft.com/office/drawing/2014/main" id="{3012BB94-1128-471B-9D71-B159B61DE2E3}"/>
+              </a:ext>
+            </a:extLst>
+          </p:cNvPr>
+          <p:cNvPicPr>
+            <a:picLocks noGrp="1" noChangeAspect="1"/>
+          </p:cNvPicPr>
+          <p:nvPr>
+            <p:ph idx="1"/>
+          </p:nvPr>
+        </p:nvPicPr>
+        <p:blipFill>
+          <a:blip r:embed="rId2">
+            <a:extLst>
+              <a:ext uri="{28A0092B-C50C-407E-A947-70E740481C1C}">
+                <a14:useLocalDpi xmlns:a14="http://schemas.microsoft.com/office/drawing/2010/main" val="0"/>
+              </a:ext>
+            </a:extLst>
+          </a:blip>
+          <a:stretch>
+            <a:fillRect/>
+          </a:stretch>
+        </p:blipFill>
+        <p:spPr>
+          <a:xfrm>
+            <a:off x="317128" y="809244"/>
+            <a:ext cx="11557744" cy="5239511"/>
+          </a:xfrm>
+        </p:spPr>
+      </p:pic>
+    </p:spTree>
+    <p:extLst>
+      <p:ext uri="{BB962C8B-B14F-4D97-AF65-F5344CB8AC3E}">
+        <p14:creationId xmlns:p14="http://schemas.microsoft.com/office/powerpoint/2010/main" val="2141050869"/>
+      </p:ext>
+    </p:extLst>
+  </p:cSld>
+  <p:clrMapOvr>
+    <a:masterClrMapping/>
+  </p:clrMapOvr>
+</p:sld>
+</file>
+
+<file path=ppt/slides/slide11.xml><?xml version="1.0" encoding="utf-8"?>
+<p:sld xmlns:a="http://schemas.openxmlformats.org/drawingml/2006/main" xmlns:r="http://schemas.openxmlformats.org/officeDocument/2006/relationships" xmlns:p="http://schemas.openxmlformats.org/presentationml/2006/main">
+  <p:cSld>
+    <p:spTree>
+      <p:nvGrpSpPr>
+        <p:cNvPr id="1" name=""/>
+        <p:cNvGrpSpPr/>
+        <p:nvPr/>
+      </p:nvGrpSpPr>
+      <p:grpSpPr>
+        <a:xfrm>
+          <a:off x="0" y="0"/>
+          <a:ext cx="0" cy="0"/>
+          <a:chOff x="0" y="0"/>
+          <a:chExt cx="0" cy="0"/>
+        </a:xfrm>
+      </p:grpSpPr>
+      <p:sp>
+        <p:nvSpPr>
+          <p:cNvPr id="2" name="標題 1">
+            <a:extLst>
+              <a:ext uri="{FF2B5EF4-FFF2-40B4-BE49-F238E27FC236}">
+                <a16:creationId xmlns:a16="http://schemas.microsoft.com/office/drawing/2014/main" id="{F1CF88BB-B563-4AB7-91DA-6E9973D3A0A0}"/>
+              </a:ext>
+            </a:extLst>
+          </p:cNvPr>
+          <p:cNvSpPr>
+            <a:spLocks noGrp="1"/>
+          </p:cNvSpPr>
+          <p:nvPr>
+            <p:ph type="title"/>
+          </p:nvPr>
+        </p:nvSpPr>
+        <p:spPr/>
+        <p:txBody>
+          <a:bodyPr/>
+          <a:lstStyle/>
+          <a:p>
+            <a:r>
+              <a:rPr lang="en-US" altLang="zh-TW" dirty="0" err="1"/>
+              <a:t>ing</a:t>
+            </a:r>
+            <a:endParaRPr lang="zh-TW" altLang="en-US" dirty="0"/>
+          </a:p>
+        </p:txBody>
+      </p:sp>
+      <p:sp>
+        <p:nvSpPr>
+          <p:cNvPr id="3" name="內容版面配置區 2">
+            <a:extLst>
+              <a:ext uri="{FF2B5EF4-FFF2-40B4-BE49-F238E27FC236}">
+                <a16:creationId xmlns:a16="http://schemas.microsoft.com/office/drawing/2014/main" id="{80229FC3-6305-411F-8D8C-FC4B5CFD750E}"/>
+              </a:ext>
+            </a:extLst>
+          </p:cNvPr>
+          <p:cNvSpPr>
+            <a:spLocks noGrp="1"/>
+          </p:cNvSpPr>
+          <p:nvPr>
+            <p:ph idx="1"/>
+          </p:nvPr>
+        </p:nvSpPr>
+        <p:spPr/>
+        <p:txBody>
+          <a:bodyPr/>
+          <a:lstStyle/>
+          <a:p>
+            <a:r>
+              <a:rPr lang="zh-TW" altLang="en-US" dirty="0"/>
+              <a:t>雙</a:t>
+            </a:r>
+            <a:r>
+              <a:rPr lang="en-US" altLang="zh-TW" dirty="0"/>
+              <a:t>for</a:t>
+            </a:r>
+          </a:p>
+          <a:p>
+            <a:r>
+              <a:rPr lang="zh-TW" altLang="en-US" dirty="0"/>
+              <a:t>作業</a:t>
+            </a:r>
+          </a:p>
+        </p:txBody>
+      </p:sp>
+    </p:spTree>
+    <p:extLst>
+      <p:ext uri="{BB962C8B-B14F-4D97-AF65-F5344CB8AC3E}">
+        <p14:creationId xmlns:p14="http://schemas.microsoft.com/office/powerpoint/2010/main" val="4254108089"/>
+      </p:ext>
+    </p:extLst>
+  </p:cSld>
+  <p:clrMapOvr>
+    <a:masterClrMapping/>
+  </p:clrMapOvr>
+</p:sld>
+</file>
+
 <file path=ppt/slides/slide2.xml><?xml version="1.0" encoding="utf-8"?>
 <p:sld xmlns:a="http://schemas.openxmlformats.org/drawingml/2006/main" xmlns:r="http://schemas.openxmlformats.org/officeDocument/2006/relationships" xmlns:p="http://schemas.openxmlformats.org/presentationml/2006/main">
   <p:cSld>
@@ -3900,7 +4089,7 @@
           <p:cNvPr id="2" name="標題 1">
             <a:extLst>
               <a:ext uri="{FF2B5EF4-FFF2-40B4-BE49-F238E27FC236}">
-                <a16:creationId xmlns:a16="http://schemas.microsoft.com/office/drawing/2014/main" id="{F9C898E0-B176-4A43-BEF2-AA2E181BCA6D}"/>
+                <a16:creationId xmlns:a16="http://schemas.microsoft.com/office/drawing/2014/main" id="{0B845E76-B1EF-42B5-B001-FE9F0F869CD5}"/>
               </a:ext>
             </a:extLst>
           </p:cNvPr>
@@ -3909,48 +4098,6 @@
           </p:cNvSpPr>
           <p:nvPr>
             <p:ph type="title"/>
-          </p:nvPr>
-        </p:nvSpPr>
-        <p:spPr/>
-        <p:txBody>
-          <a:bodyPr/>
-          <a:lstStyle/>
-          <a:p>
-            <a:pPr algn="ctr"/>
-            <a:r>
-              <a:rPr lang="zh-TW" altLang="en-US" dirty="0"/>
-              <a:t>跳脫字元 </a:t>
-            </a:r>
-            <a:r>
-              <a:rPr lang="en-US" altLang="zh-TW" dirty="0"/>
-              <a:t>(</a:t>
-            </a:r>
-            <a:r>
-              <a:rPr lang="zh-TW" altLang="en-US" dirty="0"/>
-              <a:t>算一個</a:t>
-            </a:r>
-            <a:r>
-              <a:rPr lang="en-US" altLang="zh-TW" dirty="0"/>
-              <a:t>char)</a:t>
-            </a:r>
-            <a:endParaRPr lang="zh-TW" altLang="en-US" dirty="0"/>
-          </a:p>
-        </p:txBody>
-      </p:sp>
-      <p:sp>
-        <p:nvSpPr>
-          <p:cNvPr id="3" name="內容版面配置區 2">
-            <a:extLst>
-              <a:ext uri="{FF2B5EF4-FFF2-40B4-BE49-F238E27FC236}">
-                <a16:creationId xmlns:a16="http://schemas.microsoft.com/office/drawing/2014/main" id="{306427BB-C079-4768-908B-3007D2DE5B69}"/>
-              </a:ext>
-            </a:extLst>
-          </p:cNvPr>
-          <p:cNvSpPr>
-            <a:spLocks noGrp="1"/>
-          </p:cNvSpPr>
-          <p:nvPr>
-            <p:ph idx="1"/>
           </p:nvPr>
         </p:nvSpPr>
         <p:spPr/>
@@ -3960,119 +4107,165 @@
           </a:bodyPr>
           <a:lstStyle/>
           <a:p>
+            <a:pPr algn="ctr"/>
+            <a:r>
+              <a:rPr lang="zh-TW" altLang="en-US" sz="6600" dirty="0"/>
+              <a:t>溢位</a:t>
+            </a:r>
+          </a:p>
+        </p:txBody>
+      </p:sp>
+      <p:sp>
+        <p:nvSpPr>
+          <p:cNvPr id="3" name="內容版面配置區 2">
+            <a:extLst>
+              <a:ext uri="{FF2B5EF4-FFF2-40B4-BE49-F238E27FC236}">
+                <a16:creationId xmlns:a16="http://schemas.microsoft.com/office/drawing/2014/main" id="{97C454DC-2FCD-41D7-9FB6-576740985FD4}"/>
+              </a:ext>
+            </a:extLst>
+          </p:cNvPr>
+          <p:cNvSpPr>
+            <a:spLocks noGrp="1"/>
+          </p:cNvSpPr>
+          <p:nvPr>
+            <p:ph idx="1"/>
+          </p:nvPr>
+        </p:nvSpPr>
+        <p:spPr/>
+        <p:txBody>
+          <a:bodyPr>
+            <a:normAutofit fontScale="70000" lnSpcReduction="20000"/>
+          </a:bodyPr>
+          <a:lstStyle/>
+          <a:p>
+            <a:r>
+              <a:rPr lang="en-US" altLang="zh-TW" sz="6400" dirty="0"/>
+              <a:t>(2^4) </a:t>
+            </a:r>
+            <a:r>
+              <a:rPr lang="zh-TW" altLang="en-US" sz="6400" dirty="0"/>
+              <a:t>* </a:t>
+            </a:r>
+            <a:r>
+              <a:rPr lang="en-US" altLang="zh-TW" sz="6400" dirty="0"/>
+              <a:t>(2^8) = 4294967296</a:t>
+            </a:r>
+          </a:p>
+          <a:p>
             <a:pPr marL="0" indent="0">
               <a:buNone/>
             </a:pPr>
             <a:r>
-              <a:rPr lang="en-US" altLang="zh-TW" sz="5400" dirty="0"/>
-              <a:t>\\ :</a:t>
-            </a:r>
-            <a:r>
-              <a:rPr lang="zh-TW" altLang="en-US" sz="5400" dirty="0"/>
-              <a:t> 輸出</a:t>
-            </a:r>
-            <a:r>
-              <a:rPr lang="en-US" altLang="zh-TW" sz="5400" dirty="0"/>
-              <a:t>\</a:t>
-            </a:r>
+              <a:rPr lang="en-US" altLang="zh-TW" sz="6400" dirty="0"/>
+              <a:t>   Int	   byte</a:t>
+            </a:r>
+          </a:p>
+          <a:p>
+            <a:endParaRPr lang="en-US" altLang="zh-TW" sz="6400" dirty="0"/>
+          </a:p>
+          <a:p>
+            <a:endParaRPr lang="en-US" altLang="zh-TW" sz="6400" dirty="0"/>
+          </a:p>
+          <a:p>
+            <a:r>
+              <a:rPr lang="zh-TW" altLang="en-US" sz="6400" dirty="0"/>
+              <a:t>有號整數</a:t>
+            </a:r>
+            <a:r>
+              <a:rPr lang="en-US" altLang="zh-TW" sz="6400" dirty="0"/>
+              <a:t>(</a:t>
+            </a:r>
+            <a:r>
+              <a:rPr lang="en-US" altLang="zh-TW" sz="6400" dirty="0">
+                <a:solidFill>
+                  <a:schemeClr val="accent1">
+                    <a:lumMod val="60000"/>
+                    <a:lumOff val="40000"/>
+                  </a:schemeClr>
+                </a:solidFill>
+              </a:rPr>
+              <a:t>int</a:t>
+            </a:r>
+            <a:r>
+              <a:rPr lang="en-US" altLang="zh-TW" sz="6400" dirty="0"/>
+              <a:t>)</a:t>
+            </a:r>
+            <a:r>
+              <a:rPr lang="zh-TW" altLang="en-US" sz="6400" dirty="0"/>
+              <a:t> </a:t>
+            </a:r>
+            <a:r>
+              <a:rPr lang="en-US" altLang="zh-TW" sz="6400" dirty="0"/>
+              <a:t>-2147483648 ~</a:t>
+            </a:r>
+            <a:r>
+              <a:rPr lang="zh-TW" altLang="en-US" sz="6400" dirty="0"/>
+              <a:t> </a:t>
+            </a:r>
+            <a:r>
+              <a:rPr lang="en-US" altLang="zh-TW" sz="6400" dirty="0"/>
+              <a:t>2147483647</a:t>
+            </a:r>
+          </a:p>
+          <a:p>
+            <a:endParaRPr lang="en-US" altLang="zh-TW" sz="6400" dirty="0"/>
+          </a:p>
+          <a:p>
+            <a:r>
+              <a:rPr lang="zh-TW" altLang="en-US" sz="6400" dirty="0"/>
+              <a:t>無號整數</a:t>
+            </a:r>
+            <a:r>
+              <a:rPr lang="en-US" altLang="zh-TW" sz="6400" dirty="0"/>
+              <a:t>(</a:t>
+            </a:r>
+            <a:r>
+              <a:rPr lang="en-US" altLang="zh-TW" sz="6400" dirty="0">
+                <a:solidFill>
+                  <a:schemeClr val="accent1">
+                    <a:lumMod val="60000"/>
+                    <a:lumOff val="40000"/>
+                  </a:schemeClr>
+                </a:solidFill>
+              </a:rPr>
+              <a:t>unsinged int</a:t>
+            </a:r>
+            <a:r>
+              <a:rPr lang="en-US" altLang="zh-TW" sz="6400" dirty="0"/>
+              <a:t>)</a:t>
+            </a:r>
+            <a:r>
+              <a:rPr lang="zh-TW" altLang="en-US" sz="6400" dirty="0"/>
+              <a:t> </a:t>
+            </a:r>
+            <a:r>
+              <a:rPr lang="en-US" altLang="zh-TW" sz="6400" dirty="0"/>
+              <a:t>0 ~</a:t>
+            </a:r>
+            <a:r>
+              <a:rPr lang="en-US" altLang="zh-TW" sz="4800" dirty="0"/>
+              <a:t> </a:t>
+            </a:r>
+            <a:r>
+              <a:rPr lang="en-US" altLang="zh-TW" sz="6300" dirty="0"/>
+              <a:t>4294967295</a:t>
+            </a:r>
+          </a:p>
+          <a:p>
+            <a:endParaRPr lang="en-US" altLang="zh-TW" sz="4800" dirty="0"/>
           </a:p>
           <a:p>
             <a:pPr marL="0" indent="0">
               <a:buNone/>
             </a:pPr>
-            <a:r>
-              <a:rPr lang="en-US" altLang="zh-TW" sz="5400" dirty="0"/>
-              <a:t>\’ : </a:t>
-            </a:r>
-            <a:r>
-              <a:rPr lang="zh-TW" altLang="en-US" sz="5400" dirty="0"/>
-              <a:t>輸出</a:t>
-            </a:r>
-            <a:r>
-              <a:rPr lang="en-US" altLang="zh-TW" sz="5400" dirty="0"/>
-              <a:t>‘</a:t>
-            </a:r>
-          </a:p>
-          <a:p>
-            <a:pPr marL="0" indent="0">
-              <a:buNone/>
-            </a:pPr>
-            <a:r>
-              <a:rPr lang="en-US" altLang="zh-TW" sz="5400" dirty="0"/>
-              <a:t>\” : </a:t>
-            </a:r>
-            <a:r>
-              <a:rPr lang="zh-TW" altLang="en-US" sz="5400" dirty="0"/>
-              <a:t>輸出</a:t>
-            </a:r>
-            <a:r>
-              <a:rPr lang="en-US" altLang="zh-TW" sz="5400" dirty="0"/>
-              <a:t>”</a:t>
-            </a:r>
-          </a:p>
-          <a:p>
-            <a:pPr marL="0" indent="0">
-              <a:buNone/>
-            </a:pPr>
-            <a:r>
-              <a:rPr lang="en-US" altLang="zh-TW" sz="5400" dirty="0"/>
-              <a:t>\a</a:t>
-            </a:r>
-            <a:r>
-              <a:rPr lang="zh-TW" altLang="en-US" sz="5400" dirty="0"/>
-              <a:t> </a:t>
-            </a:r>
-            <a:r>
-              <a:rPr lang="en-US" altLang="zh-TW" sz="5400" dirty="0"/>
-              <a:t>:</a:t>
-            </a:r>
-            <a:r>
-              <a:rPr lang="zh-TW" altLang="en-US" sz="5400" dirty="0"/>
-              <a:t> 發出一聲</a:t>
-            </a:r>
-            <a:r>
-              <a:rPr lang="en-US" altLang="zh-TW" sz="5400" dirty="0"/>
-              <a:t> </a:t>
-            </a:r>
-          </a:p>
-          <a:p>
-            <a:pPr marL="0" indent="0">
-              <a:buNone/>
-            </a:pPr>
-            <a:r>
-              <a:rPr lang="zh-TW" altLang="en-US" sz="5400" dirty="0"/>
-              <a:t> </a:t>
-            </a:r>
-            <a:r>
-              <a:rPr lang="en-US" altLang="zh-TW" sz="5400" dirty="0"/>
-              <a:t>\b</a:t>
-            </a:r>
-            <a:r>
-              <a:rPr lang="zh-TW" altLang="en-US" sz="5400" dirty="0"/>
-              <a:t> </a:t>
-            </a:r>
-            <a:r>
-              <a:rPr lang="en-US" altLang="zh-TW" sz="5400" dirty="0"/>
-              <a:t>:</a:t>
-            </a:r>
-            <a:r>
-              <a:rPr lang="zh-TW" altLang="en-US" sz="5400" dirty="0"/>
-              <a:t> 倒退一格</a:t>
-            </a:r>
-            <a:endParaRPr lang="en-US" altLang="zh-TW" sz="5400" dirty="0"/>
-          </a:p>
-          <a:p>
-            <a:pPr marL="0" indent="0">
-              <a:buNone/>
-            </a:pPr>
-            <a:endParaRPr lang="zh-TW" altLang="en-US" sz="4400" dirty="0"/>
+            <a:endParaRPr lang="zh-TW" altLang="en-US" sz="4800" dirty="0"/>
           </a:p>
         </p:txBody>
       </p:sp>
     </p:spTree>
     <p:extLst>
       <p:ext uri="{BB962C8B-B14F-4D97-AF65-F5344CB8AC3E}">
-        <p14:creationId xmlns:p14="http://schemas.microsoft.com/office/powerpoint/2010/main" val="2653203427"/>
+        <p14:creationId xmlns:p14="http://schemas.microsoft.com/office/powerpoint/2010/main" val="3973931120"/>
       </p:ext>
     </p:extLst>
   </p:cSld>
@@ -4104,7 +4297,7 @@
           <p:cNvPr id="2" name="標題 1">
             <a:extLst>
               <a:ext uri="{FF2B5EF4-FFF2-40B4-BE49-F238E27FC236}">
-                <a16:creationId xmlns:a16="http://schemas.microsoft.com/office/drawing/2014/main" id="{BBDC850C-14B7-485D-9388-4FF40363D8F5}"/>
+                <a16:creationId xmlns:a16="http://schemas.microsoft.com/office/drawing/2014/main" id="{6180D867-27B5-4A7A-BFB5-F9AC2F9AF707}"/>
               </a:ext>
             </a:extLst>
           </p:cNvPr>
@@ -4120,90 +4313,85 @@
           <a:bodyPr/>
           <a:lstStyle/>
           <a:p>
-            <a:pPr algn="ctr"/>
-            <a:r>
-              <a:rPr lang="zh-TW" altLang="en-US" dirty="0"/>
-              <a:t>練習</a:t>
-            </a:r>
-            <a:r>
-              <a:rPr lang="en-US" altLang="zh-TW" dirty="0"/>
-              <a:t>1 </a:t>
-            </a:r>
-            <a:endParaRPr lang="zh-TW" altLang="en-US" dirty="0"/>
-          </a:p>
-        </p:txBody>
-      </p:sp>
-      <p:sp>
-        <p:nvSpPr>
-          <p:cNvPr id="3" name="內容版面配置區 2">
-            <a:extLst>
-              <a:ext uri="{FF2B5EF4-FFF2-40B4-BE49-F238E27FC236}">
-                <a16:creationId xmlns:a16="http://schemas.microsoft.com/office/drawing/2014/main" id="{13D69E0B-307A-4413-920F-259C70B1B856}"/>
-              </a:ext>
-            </a:extLst>
-          </p:cNvPr>
-          <p:cNvSpPr>
-            <a:spLocks noGrp="1"/>
-          </p:cNvSpPr>
+            <a:endParaRPr lang="zh-TW" altLang="en-US"/>
+          </a:p>
+        </p:txBody>
+      </p:sp>
+      <p:pic>
+        <p:nvPicPr>
+          <p:cNvPr id="11" name="圖片 10">
+            <a:extLst>
+              <a:ext uri="{FF2B5EF4-FFF2-40B4-BE49-F238E27FC236}">
+                <a16:creationId xmlns:a16="http://schemas.microsoft.com/office/drawing/2014/main" id="{85B80823-D832-4632-8C0C-8CE35FB0DE38}"/>
+              </a:ext>
+            </a:extLst>
+          </p:cNvPr>
+          <p:cNvPicPr>
+            <a:picLocks noChangeAspect="1"/>
+          </p:cNvPicPr>
+          <p:nvPr/>
+        </p:nvPicPr>
+        <p:blipFill>
+          <a:blip r:embed="rId2">
+            <a:extLst>
+              <a:ext uri="{28A0092B-C50C-407E-A947-70E740481C1C}">
+                <a14:useLocalDpi xmlns:a14="http://schemas.microsoft.com/office/drawing/2010/main" val="0"/>
+              </a:ext>
+            </a:extLst>
+          </a:blip>
+          <a:stretch>
+            <a:fillRect/>
+          </a:stretch>
+        </p:blipFill>
+        <p:spPr>
+          <a:xfrm>
+            <a:off x="0" y="0"/>
+            <a:ext cx="7038975" cy="5229225"/>
+          </a:xfrm>
+          <a:prstGeom prst="rect">
+            <a:avLst/>
+          </a:prstGeom>
+        </p:spPr>
+      </p:pic>
+      <p:pic>
+        <p:nvPicPr>
+          <p:cNvPr id="9" name="內容版面配置區 8">
+            <a:extLst>
+              <a:ext uri="{FF2B5EF4-FFF2-40B4-BE49-F238E27FC236}">
+                <a16:creationId xmlns:a16="http://schemas.microsoft.com/office/drawing/2014/main" id="{D866F45E-4967-4430-A605-08B7918A031E}"/>
+              </a:ext>
+            </a:extLst>
+          </p:cNvPr>
+          <p:cNvPicPr>
+            <a:picLocks noGrp="1" noChangeAspect="1"/>
+          </p:cNvPicPr>
           <p:nvPr>
             <p:ph idx="1"/>
           </p:nvPr>
-        </p:nvSpPr>
-        <p:spPr/>
-        <p:txBody>
-          <a:bodyPr>
-            <a:normAutofit fontScale="92500"/>
-          </a:bodyPr>
-          <a:lstStyle/>
-          <a:p>
-            <a:r>
-              <a:rPr lang="zh-TW" altLang="en-US" sz="5400" dirty="0"/>
-              <a:t> 每隔一秒發出一聲，並將次數輸出</a:t>
-            </a:r>
-            <a:endParaRPr lang="en-US" altLang="zh-TW" sz="5400" dirty="0"/>
-          </a:p>
-          <a:p>
-            <a:endParaRPr lang="en-US" altLang="zh-TW" sz="5400" dirty="0"/>
-          </a:p>
-          <a:p>
-            <a:r>
-              <a:rPr lang="en-US" altLang="zh-TW" sz="5400" dirty="0"/>
-              <a:t>Hint: </a:t>
-            </a:r>
-          </a:p>
-          <a:p>
-            <a:pPr marL="0" indent="0">
-              <a:buNone/>
-            </a:pPr>
-            <a:r>
-              <a:rPr lang="en-US" altLang="zh-TW" sz="5400" dirty="0"/>
-              <a:t>		\a </a:t>
-            </a:r>
-          </a:p>
-          <a:p>
-            <a:pPr marL="0" indent="0">
-              <a:buNone/>
-            </a:pPr>
-            <a:r>
-              <a:rPr lang="en-US" altLang="zh-TW" sz="4400" dirty="0"/>
-              <a:t>		Sleep() 		// #include &lt;</a:t>
-            </a:r>
-            <a:r>
-              <a:rPr lang="en-US" altLang="zh-TW" sz="4400" dirty="0" err="1"/>
-              <a:t>windows.h</a:t>
-            </a:r>
-            <a:r>
-              <a:rPr lang="en-US" altLang="zh-TW" sz="4400" dirty="0"/>
-              <a:t>&gt;</a:t>
-            </a:r>
-            <a:endParaRPr lang="zh-TW" altLang="en-US" sz="4400" dirty="0"/>
-          </a:p>
-        </p:txBody>
-      </p:sp>
+        </p:nvPicPr>
+        <p:blipFill>
+          <a:blip r:embed="rId3">
+            <a:extLst>
+              <a:ext uri="{28A0092B-C50C-407E-A947-70E740481C1C}">
+                <a14:useLocalDpi xmlns:a14="http://schemas.microsoft.com/office/drawing/2010/main" val="0"/>
+              </a:ext>
+            </a:extLst>
+          </a:blip>
+          <a:stretch>
+            <a:fillRect/>
+          </a:stretch>
+        </p:blipFill>
+        <p:spPr>
+          <a:xfrm>
+            <a:off x="5814332" y="4738110"/>
+            <a:ext cx="6306134" cy="2119890"/>
+          </a:xfrm>
+        </p:spPr>
+      </p:pic>
     </p:spTree>
     <p:extLst>
       <p:ext uri="{BB962C8B-B14F-4D97-AF65-F5344CB8AC3E}">
-        <p14:creationId xmlns:p14="http://schemas.microsoft.com/office/powerpoint/2010/main" val="1126798484"/>
+        <p14:creationId xmlns:p14="http://schemas.microsoft.com/office/powerpoint/2010/main" val="3151768780"/>
       </p:ext>
     </p:extLst>
   </p:cSld>
@@ -4235,6 +4423,341 @@
           <p:cNvPr id="2" name="標題 1">
             <a:extLst>
               <a:ext uri="{FF2B5EF4-FFF2-40B4-BE49-F238E27FC236}">
+                <a16:creationId xmlns:a16="http://schemas.microsoft.com/office/drawing/2014/main" id="{F9C898E0-B176-4A43-BEF2-AA2E181BCA6D}"/>
+              </a:ext>
+            </a:extLst>
+          </p:cNvPr>
+          <p:cNvSpPr>
+            <a:spLocks noGrp="1"/>
+          </p:cNvSpPr>
+          <p:nvPr>
+            <p:ph type="title"/>
+          </p:nvPr>
+        </p:nvSpPr>
+        <p:spPr/>
+        <p:txBody>
+          <a:bodyPr/>
+          <a:lstStyle/>
+          <a:p>
+            <a:pPr algn="ctr"/>
+            <a:r>
+              <a:rPr lang="zh-TW" altLang="en-US" dirty="0"/>
+              <a:t>跳脫字元 </a:t>
+            </a:r>
+            <a:r>
+              <a:rPr lang="en-US" altLang="zh-TW" dirty="0"/>
+              <a:t>(</a:t>
+            </a:r>
+            <a:r>
+              <a:rPr lang="zh-TW" altLang="en-US" dirty="0"/>
+              <a:t>算一個</a:t>
+            </a:r>
+            <a:r>
+              <a:rPr lang="en-US" altLang="zh-TW" dirty="0"/>
+              <a:t>char)</a:t>
+            </a:r>
+            <a:endParaRPr lang="zh-TW" altLang="en-US" dirty="0"/>
+          </a:p>
+        </p:txBody>
+      </p:sp>
+      <p:sp>
+        <p:nvSpPr>
+          <p:cNvPr id="3" name="內容版面配置區 2">
+            <a:extLst>
+              <a:ext uri="{FF2B5EF4-FFF2-40B4-BE49-F238E27FC236}">
+                <a16:creationId xmlns:a16="http://schemas.microsoft.com/office/drawing/2014/main" id="{306427BB-C079-4768-908B-3007D2DE5B69}"/>
+              </a:ext>
+            </a:extLst>
+          </p:cNvPr>
+          <p:cNvSpPr>
+            <a:spLocks noGrp="1"/>
+          </p:cNvSpPr>
+          <p:nvPr>
+            <p:ph idx="1"/>
+          </p:nvPr>
+        </p:nvSpPr>
+        <p:spPr/>
+        <p:txBody>
+          <a:bodyPr>
+            <a:normAutofit/>
+          </a:bodyPr>
+          <a:lstStyle/>
+          <a:p>
+            <a:pPr marL="0" indent="0">
+              <a:buNone/>
+            </a:pPr>
+            <a:r>
+              <a:rPr lang="en-US" altLang="zh-TW" sz="5400" dirty="0"/>
+              <a:t>\\ :</a:t>
+            </a:r>
+            <a:r>
+              <a:rPr lang="zh-TW" altLang="en-US" sz="5400" dirty="0"/>
+              <a:t> 輸出</a:t>
+            </a:r>
+            <a:r>
+              <a:rPr lang="en-US" altLang="zh-TW" sz="5400" dirty="0"/>
+              <a:t>\</a:t>
+            </a:r>
+          </a:p>
+          <a:p>
+            <a:pPr marL="0" indent="0">
+              <a:buNone/>
+            </a:pPr>
+            <a:r>
+              <a:rPr lang="en-US" altLang="zh-TW" sz="5400" dirty="0"/>
+              <a:t>\’ : </a:t>
+            </a:r>
+            <a:r>
+              <a:rPr lang="zh-TW" altLang="en-US" sz="5400" dirty="0"/>
+              <a:t>輸出</a:t>
+            </a:r>
+            <a:r>
+              <a:rPr lang="en-US" altLang="zh-TW" sz="5400" dirty="0"/>
+              <a:t>‘</a:t>
+            </a:r>
+          </a:p>
+          <a:p>
+            <a:pPr marL="0" indent="0">
+              <a:buNone/>
+            </a:pPr>
+            <a:r>
+              <a:rPr lang="en-US" altLang="zh-TW" sz="5400" dirty="0"/>
+              <a:t>\” : </a:t>
+            </a:r>
+            <a:r>
+              <a:rPr lang="zh-TW" altLang="en-US" sz="5400" dirty="0"/>
+              <a:t>輸出</a:t>
+            </a:r>
+            <a:r>
+              <a:rPr lang="en-US" altLang="zh-TW" sz="5400" dirty="0"/>
+              <a:t>”</a:t>
+            </a:r>
+          </a:p>
+          <a:p>
+            <a:pPr marL="0" indent="0">
+              <a:buNone/>
+            </a:pPr>
+            <a:r>
+              <a:rPr lang="en-US" altLang="zh-TW" sz="5400" dirty="0"/>
+              <a:t>\a</a:t>
+            </a:r>
+            <a:r>
+              <a:rPr lang="zh-TW" altLang="en-US" sz="5400" dirty="0"/>
+              <a:t> </a:t>
+            </a:r>
+            <a:r>
+              <a:rPr lang="en-US" altLang="zh-TW" sz="5400" dirty="0"/>
+              <a:t>:</a:t>
+            </a:r>
+            <a:r>
+              <a:rPr lang="zh-TW" altLang="en-US" sz="5400" dirty="0"/>
+              <a:t> 發出一聲</a:t>
+            </a:r>
+            <a:r>
+              <a:rPr lang="en-US" altLang="zh-TW" sz="5400" dirty="0"/>
+              <a:t> </a:t>
+            </a:r>
+          </a:p>
+          <a:p>
+            <a:pPr marL="0" indent="0">
+              <a:buNone/>
+            </a:pPr>
+            <a:r>
+              <a:rPr lang="zh-TW" altLang="en-US" sz="5400" dirty="0"/>
+              <a:t> </a:t>
+            </a:r>
+            <a:r>
+              <a:rPr lang="en-US" altLang="zh-TW" sz="5400" dirty="0"/>
+              <a:t>\b</a:t>
+            </a:r>
+            <a:r>
+              <a:rPr lang="zh-TW" altLang="en-US" sz="5400" dirty="0"/>
+              <a:t> </a:t>
+            </a:r>
+            <a:r>
+              <a:rPr lang="en-US" altLang="zh-TW" sz="5400" dirty="0"/>
+              <a:t>:</a:t>
+            </a:r>
+            <a:r>
+              <a:rPr lang="zh-TW" altLang="en-US" sz="5400" dirty="0"/>
+              <a:t> 倒退一格</a:t>
+            </a:r>
+            <a:endParaRPr lang="en-US" altLang="zh-TW" sz="5400" dirty="0"/>
+          </a:p>
+          <a:p>
+            <a:pPr marL="0" indent="0">
+              <a:buNone/>
+            </a:pPr>
+            <a:endParaRPr lang="zh-TW" altLang="en-US" sz="4400" dirty="0"/>
+          </a:p>
+        </p:txBody>
+      </p:sp>
+    </p:spTree>
+    <p:extLst>
+      <p:ext uri="{BB962C8B-B14F-4D97-AF65-F5344CB8AC3E}">
+        <p14:creationId xmlns:p14="http://schemas.microsoft.com/office/powerpoint/2010/main" val="2653203427"/>
+      </p:ext>
+    </p:extLst>
+  </p:cSld>
+  <p:clrMapOvr>
+    <a:masterClrMapping/>
+  </p:clrMapOvr>
+</p:sld>
+</file>
+
+<file path=ppt/slides/slide5.xml><?xml version="1.0" encoding="utf-8"?>
+<p:sld xmlns:a="http://schemas.openxmlformats.org/drawingml/2006/main" xmlns:r="http://schemas.openxmlformats.org/officeDocument/2006/relationships" xmlns:p="http://schemas.openxmlformats.org/presentationml/2006/main">
+  <p:cSld>
+    <p:spTree>
+      <p:nvGrpSpPr>
+        <p:cNvPr id="1" name=""/>
+        <p:cNvGrpSpPr/>
+        <p:nvPr/>
+      </p:nvGrpSpPr>
+      <p:grpSpPr>
+        <a:xfrm>
+          <a:off x="0" y="0"/>
+          <a:ext cx="0" cy="0"/>
+          <a:chOff x="0" y="0"/>
+          <a:chExt cx="0" cy="0"/>
+        </a:xfrm>
+      </p:grpSpPr>
+      <p:sp>
+        <p:nvSpPr>
+          <p:cNvPr id="2" name="標題 1">
+            <a:extLst>
+              <a:ext uri="{FF2B5EF4-FFF2-40B4-BE49-F238E27FC236}">
+                <a16:creationId xmlns:a16="http://schemas.microsoft.com/office/drawing/2014/main" id="{BBDC850C-14B7-485D-9388-4FF40363D8F5}"/>
+              </a:ext>
+            </a:extLst>
+          </p:cNvPr>
+          <p:cNvSpPr>
+            <a:spLocks noGrp="1"/>
+          </p:cNvSpPr>
+          <p:nvPr>
+            <p:ph type="title"/>
+          </p:nvPr>
+        </p:nvSpPr>
+        <p:spPr/>
+        <p:txBody>
+          <a:bodyPr/>
+          <a:lstStyle/>
+          <a:p>
+            <a:pPr algn="ctr"/>
+            <a:r>
+              <a:rPr lang="zh-TW" altLang="en-US" dirty="0"/>
+              <a:t>練習</a:t>
+            </a:r>
+            <a:r>
+              <a:rPr lang="en-US" altLang="zh-TW" dirty="0"/>
+              <a:t>1 </a:t>
+            </a:r>
+            <a:endParaRPr lang="zh-TW" altLang="en-US" dirty="0"/>
+          </a:p>
+        </p:txBody>
+      </p:sp>
+      <p:sp>
+        <p:nvSpPr>
+          <p:cNvPr id="3" name="內容版面配置區 2">
+            <a:extLst>
+              <a:ext uri="{FF2B5EF4-FFF2-40B4-BE49-F238E27FC236}">
+                <a16:creationId xmlns:a16="http://schemas.microsoft.com/office/drawing/2014/main" id="{13D69E0B-307A-4413-920F-259C70B1B856}"/>
+              </a:ext>
+            </a:extLst>
+          </p:cNvPr>
+          <p:cNvSpPr>
+            <a:spLocks noGrp="1"/>
+          </p:cNvSpPr>
+          <p:nvPr>
+            <p:ph idx="1"/>
+          </p:nvPr>
+        </p:nvSpPr>
+        <p:spPr/>
+        <p:txBody>
+          <a:bodyPr>
+            <a:normAutofit fontScale="92500"/>
+          </a:bodyPr>
+          <a:lstStyle/>
+          <a:p>
+            <a:r>
+              <a:rPr lang="zh-TW" altLang="en-US" sz="5400" dirty="0"/>
+              <a:t> 每隔一秒發出一聲，並將次數輸出</a:t>
+            </a:r>
+            <a:endParaRPr lang="en-US" altLang="zh-TW" sz="5400" dirty="0"/>
+          </a:p>
+          <a:p>
+            <a:endParaRPr lang="en-US" altLang="zh-TW" sz="5400" dirty="0"/>
+          </a:p>
+          <a:p>
+            <a:r>
+              <a:rPr lang="en-US" altLang="zh-TW" sz="5400" dirty="0"/>
+              <a:t>Hint: </a:t>
+            </a:r>
+          </a:p>
+          <a:p>
+            <a:pPr marL="0" indent="0">
+              <a:buNone/>
+            </a:pPr>
+            <a:r>
+              <a:rPr lang="en-US" altLang="zh-TW" sz="5400" dirty="0"/>
+              <a:t>		\a </a:t>
+            </a:r>
+          </a:p>
+          <a:p>
+            <a:pPr marL="0" indent="0">
+              <a:buNone/>
+            </a:pPr>
+            <a:r>
+              <a:rPr lang="en-US" altLang="zh-TW" sz="4400" dirty="0"/>
+              <a:t>		Sleep() 		// #include &lt;</a:t>
+            </a:r>
+            <a:r>
+              <a:rPr lang="en-US" altLang="zh-TW" sz="4400" dirty="0" err="1"/>
+              <a:t>windows.h</a:t>
+            </a:r>
+            <a:r>
+              <a:rPr lang="en-US" altLang="zh-TW" sz="4400" dirty="0"/>
+              <a:t>&gt;</a:t>
+            </a:r>
+            <a:endParaRPr lang="zh-TW" altLang="en-US" sz="4400" dirty="0"/>
+          </a:p>
+        </p:txBody>
+      </p:sp>
+    </p:spTree>
+    <p:extLst>
+      <p:ext uri="{BB962C8B-B14F-4D97-AF65-F5344CB8AC3E}">
+        <p14:creationId xmlns:p14="http://schemas.microsoft.com/office/powerpoint/2010/main" val="1126798484"/>
+      </p:ext>
+    </p:extLst>
+  </p:cSld>
+  <p:clrMapOvr>
+    <a:masterClrMapping/>
+  </p:clrMapOvr>
+</p:sld>
+</file>
+
+<file path=ppt/slides/slide6.xml><?xml version="1.0" encoding="utf-8"?>
+<p:sld xmlns:a="http://schemas.openxmlformats.org/drawingml/2006/main" xmlns:r="http://schemas.openxmlformats.org/officeDocument/2006/relationships" xmlns:p="http://schemas.openxmlformats.org/presentationml/2006/main">
+  <p:cSld>
+    <p:spTree>
+      <p:nvGrpSpPr>
+        <p:cNvPr id="1" name=""/>
+        <p:cNvGrpSpPr/>
+        <p:nvPr/>
+      </p:nvGrpSpPr>
+      <p:grpSpPr>
+        <a:xfrm>
+          <a:off x="0" y="0"/>
+          <a:ext cx="0" cy="0"/>
+          <a:chOff x="0" y="0"/>
+          <a:chExt cx="0" cy="0"/>
+        </a:xfrm>
+      </p:grpSpPr>
+      <p:sp>
+        <p:nvSpPr>
+          <p:cNvPr id="2" name="標題 1">
+            <a:extLst>
+              <a:ext uri="{FF2B5EF4-FFF2-40B4-BE49-F238E27FC236}">
                 <a16:creationId xmlns:a16="http://schemas.microsoft.com/office/drawing/2014/main" id="{290D711A-62CB-47E2-9B28-020734B8DC0D}"/>
               </a:ext>
             </a:extLst>
@@ -4303,7 +4826,7 @@
 </p:sld>
 </file>
 
-<file path=ppt/slides/slide5.xml><?xml version="1.0" encoding="utf-8"?>
+<file path=ppt/slides/slide7.xml><?xml version="1.0" encoding="utf-8"?>
 <p:sld xmlns:a="http://schemas.openxmlformats.org/drawingml/2006/main" xmlns:r="http://schemas.openxmlformats.org/officeDocument/2006/relationships" xmlns:p="http://schemas.openxmlformats.org/presentationml/2006/main">
   <p:cSld>
     <p:spTree>
@@ -4483,7 +5006,7 @@
 </p:sld>
 </file>
 
-<file path=ppt/slides/slide6.xml><?xml version="1.0" encoding="utf-8"?>
+<file path=ppt/slides/slide8.xml><?xml version="1.0" encoding="utf-8"?>
 <p:sld xmlns:a="http://schemas.openxmlformats.org/drawingml/2006/main" xmlns:r="http://schemas.openxmlformats.org/officeDocument/2006/relationships" xmlns:p="http://schemas.openxmlformats.org/presentationml/2006/main">
   <p:cSld>
     <p:spTree>
@@ -4961,7 +5484,7 @@
 </p:sld>
 </file>
 
-<file path=ppt/slides/slide7.xml><?xml version="1.0" encoding="utf-8"?>
+<file path=ppt/slides/slide9.xml><?xml version="1.0" encoding="utf-8"?>
 <p:sld xmlns:a="http://schemas.openxmlformats.org/drawingml/2006/main" xmlns:r="http://schemas.openxmlformats.org/officeDocument/2006/relationships" xmlns:p="http://schemas.openxmlformats.org/presentationml/2006/main">
   <p:cSld>
     <p:spTree>
@@ -5147,193 +5670,6 @@
     <p:extLst>
       <p:ext uri="{BB962C8B-B14F-4D97-AF65-F5344CB8AC3E}">
         <p14:creationId xmlns:p14="http://schemas.microsoft.com/office/powerpoint/2010/main" val="2361564690"/>
-      </p:ext>
-    </p:extLst>
-  </p:cSld>
-  <p:clrMapOvr>
-    <a:masterClrMapping/>
-  </p:clrMapOvr>
-</p:sld>
-</file>
-
-<file path=ppt/slides/slide8.xml><?xml version="1.0" encoding="utf-8"?>
-<p:sld xmlns:a="http://schemas.openxmlformats.org/drawingml/2006/main" xmlns:r="http://schemas.openxmlformats.org/officeDocument/2006/relationships" xmlns:p="http://schemas.openxmlformats.org/presentationml/2006/main">
-  <p:cSld>
-    <p:spTree>
-      <p:nvGrpSpPr>
-        <p:cNvPr id="1" name=""/>
-        <p:cNvGrpSpPr/>
-        <p:nvPr/>
-      </p:nvGrpSpPr>
-      <p:grpSpPr>
-        <a:xfrm>
-          <a:off x="0" y="0"/>
-          <a:ext cx="0" cy="0"/>
-          <a:chOff x="0" y="0"/>
-          <a:chExt cx="0" cy="0"/>
-        </a:xfrm>
-      </p:grpSpPr>
-      <p:sp>
-        <p:nvSpPr>
-          <p:cNvPr id="2" name="標題 1">
-            <a:extLst>
-              <a:ext uri="{FF2B5EF4-FFF2-40B4-BE49-F238E27FC236}">
-                <a16:creationId xmlns:a16="http://schemas.microsoft.com/office/drawing/2014/main" id="{B790A085-2924-409A-BA2C-20FD5B2B5B30}"/>
-              </a:ext>
-            </a:extLst>
-          </p:cNvPr>
-          <p:cNvSpPr>
-            <a:spLocks noGrp="1"/>
-          </p:cNvSpPr>
-          <p:nvPr>
-            <p:ph type="title"/>
-          </p:nvPr>
-        </p:nvSpPr>
-        <p:spPr/>
-        <p:txBody>
-          <a:bodyPr/>
-          <a:lstStyle/>
-          <a:p>
-            <a:endParaRPr lang="zh-TW" altLang="en-US"/>
-          </a:p>
-        </p:txBody>
-      </p:sp>
-      <p:pic>
-        <p:nvPicPr>
-          <p:cNvPr id="5" name="內容版面配置區 4">
-            <a:extLst>
-              <a:ext uri="{FF2B5EF4-FFF2-40B4-BE49-F238E27FC236}">
-                <a16:creationId xmlns:a16="http://schemas.microsoft.com/office/drawing/2014/main" id="{3012BB94-1128-471B-9D71-B159B61DE2E3}"/>
-              </a:ext>
-            </a:extLst>
-          </p:cNvPr>
-          <p:cNvPicPr>
-            <a:picLocks noGrp="1" noChangeAspect="1"/>
-          </p:cNvPicPr>
-          <p:nvPr>
-            <p:ph idx="1"/>
-          </p:nvPr>
-        </p:nvPicPr>
-        <p:blipFill>
-          <a:blip r:embed="rId2">
-            <a:extLst>
-              <a:ext uri="{28A0092B-C50C-407E-A947-70E740481C1C}">
-                <a14:useLocalDpi xmlns:a14="http://schemas.microsoft.com/office/drawing/2010/main" val="0"/>
-              </a:ext>
-            </a:extLst>
-          </a:blip>
-          <a:stretch>
-            <a:fillRect/>
-          </a:stretch>
-        </p:blipFill>
-        <p:spPr>
-          <a:xfrm>
-            <a:off x="317128" y="809244"/>
-            <a:ext cx="11557744" cy="5239511"/>
-          </a:xfrm>
-        </p:spPr>
-      </p:pic>
-    </p:spTree>
-    <p:extLst>
-      <p:ext uri="{BB962C8B-B14F-4D97-AF65-F5344CB8AC3E}">
-        <p14:creationId xmlns:p14="http://schemas.microsoft.com/office/powerpoint/2010/main" val="2141050869"/>
-      </p:ext>
-    </p:extLst>
-  </p:cSld>
-  <p:clrMapOvr>
-    <a:masterClrMapping/>
-  </p:clrMapOvr>
-</p:sld>
-</file>
-
-<file path=ppt/slides/slide9.xml><?xml version="1.0" encoding="utf-8"?>
-<p:sld xmlns:a="http://schemas.openxmlformats.org/drawingml/2006/main" xmlns:r="http://schemas.openxmlformats.org/officeDocument/2006/relationships" xmlns:p="http://schemas.openxmlformats.org/presentationml/2006/main">
-  <p:cSld>
-    <p:spTree>
-      <p:nvGrpSpPr>
-        <p:cNvPr id="1" name=""/>
-        <p:cNvGrpSpPr/>
-        <p:nvPr/>
-      </p:nvGrpSpPr>
-      <p:grpSpPr>
-        <a:xfrm>
-          <a:off x="0" y="0"/>
-          <a:ext cx="0" cy="0"/>
-          <a:chOff x="0" y="0"/>
-          <a:chExt cx="0" cy="0"/>
-        </a:xfrm>
-      </p:grpSpPr>
-      <p:sp>
-        <p:nvSpPr>
-          <p:cNvPr id="2" name="標題 1">
-            <a:extLst>
-              <a:ext uri="{FF2B5EF4-FFF2-40B4-BE49-F238E27FC236}">
-                <a16:creationId xmlns:a16="http://schemas.microsoft.com/office/drawing/2014/main" id="{F1CF88BB-B563-4AB7-91DA-6E9973D3A0A0}"/>
-              </a:ext>
-            </a:extLst>
-          </p:cNvPr>
-          <p:cNvSpPr>
-            <a:spLocks noGrp="1"/>
-          </p:cNvSpPr>
-          <p:nvPr>
-            <p:ph type="title"/>
-          </p:nvPr>
-        </p:nvSpPr>
-        <p:spPr/>
-        <p:txBody>
-          <a:bodyPr/>
-          <a:lstStyle/>
-          <a:p>
-            <a:r>
-              <a:rPr lang="en-US" altLang="zh-TW" dirty="0" err="1"/>
-              <a:t>ing</a:t>
-            </a:r>
-            <a:endParaRPr lang="zh-TW" altLang="en-US" dirty="0"/>
-          </a:p>
-        </p:txBody>
-      </p:sp>
-      <p:sp>
-        <p:nvSpPr>
-          <p:cNvPr id="3" name="內容版面配置區 2">
-            <a:extLst>
-              <a:ext uri="{FF2B5EF4-FFF2-40B4-BE49-F238E27FC236}">
-                <a16:creationId xmlns:a16="http://schemas.microsoft.com/office/drawing/2014/main" id="{80229FC3-6305-411F-8D8C-FC4B5CFD750E}"/>
-              </a:ext>
-            </a:extLst>
-          </p:cNvPr>
-          <p:cNvSpPr>
-            <a:spLocks noGrp="1"/>
-          </p:cNvSpPr>
-          <p:nvPr>
-            <p:ph idx="1"/>
-          </p:nvPr>
-        </p:nvSpPr>
-        <p:spPr/>
-        <p:txBody>
-          <a:bodyPr/>
-          <a:lstStyle/>
-          <a:p>
-            <a:r>
-              <a:rPr lang="zh-TW" altLang="en-US" dirty="0"/>
-              <a:t>雙</a:t>
-            </a:r>
-            <a:r>
-              <a:rPr lang="en-US" altLang="zh-TW" dirty="0"/>
-              <a:t>for</a:t>
-            </a:r>
-          </a:p>
-          <a:p>
-            <a:r>
-              <a:rPr lang="zh-TW" altLang="en-US" dirty="0"/>
-              <a:t>作業</a:t>
-            </a:r>
-          </a:p>
-        </p:txBody>
-      </p:sp>
-    </p:spTree>
-    <p:extLst>
-      <p:ext uri="{BB962C8B-B14F-4D97-AF65-F5344CB8AC3E}">
-        <p14:creationId xmlns:p14="http://schemas.microsoft.com/office/powerpoint/2010/main" val="4254108089"/>
       </p:ext>
     </p:extLst>
   </p:cSld>

--- a/class_ppt/程一實習0303.pptx
+++ b/class_ppt/程一實習0303.pptx
@@ -5,20 +5,21 @@
     <p:sldMasterId id="2147483648" r:id="rId1"/>
   </p:sldMasterIdLst>
   <p:notesMasterIdLst>
-    <p:notesMasterId r:id="rId13"/>
+    <p:notesMasterId r:id="rId14"/>
   </p:notesMasterIdLst>
   <p:sldIdLst>
     <p:sldId id="256" r:id="rId2"/>
     <p:sldId id="265" r:id="rId3"/>
-    <p:sldId id="267" r:id="rId4"/>
-    <p:sldId id="257" r:id="rId5"/>
-    <p:sldId id="258" r:id="rId6"/>
-    <p:sldId id="259" r:id="rId7"/>
-    <p:sldId id="261" r:id="rId8"/>
-    <p:sldId id="260" r:id="rId9"/>
-    <p:sldId id="262" r:id="rId10"/>
-    <p:sldId id="264" r:id="rId11"/>
-    <p:sldId id="263" r:id="rId12"/>
+    <p:sldId id="268" r:id="rId4"/>
+    <p:sldId id="267" r:id="rId5"/>
+    <p:sldId id="257" r:id="rId6"/>
+    <p:sldId id="258" r:id="rId7"/>
+    <p:sldId id="259" r:id="rId8"/>
+    <p:sldId id="261" r:id="rId9"/>
+    <p:sldId id="260" r:id="rId10"/>
+    <p:sldId id="262" r:id="rId11"/>
+    <p:sldId id="264" r:id="rId12"/>
+    <p:sldId id="263" r:id="rId13"/>
   </p:sldIdLst>
   <p:sldSz cx="12192000" cy="6858000"/>
   <p:notesSz cx="6858000" cy="9144000"/>
@@ -543,7 +544,7 @@
           <a:p>
             <a:fld id="{92CD3976-0A53-43C7-A43E-A2410759C6DA}" type="slidenum">
               <a:rPr lang="zh-TW" altLang="en-US" smtClean="0"/>
-              <a:t>4</a:t>
+              <a:t>5</a:t>
             </a:fld>
             <a:endParaRPr lang="zh-TW" altLang="en-US"/>
           </a:p>
@@ -3899,6 +3900,201 @@
       </p:grpSpPr>
       <p:sp>
         <p:nvSpPr>
+          <p:cNvPr id="6" name="矩形 5">
+            <a:extLst>
+              <a:ext uri="{FF2B5EF4-FFF2-40B4-BE49-F238E27FC236}">
+                <a16:creationId xmlns:a16="http://schemas.microsoft.com/office/drawing/2014/main" id="{AC2BB906-024B-4DDA-879E-E9A840FE6BFD}"/>
+              </a:ext>
+            </a:extLst>
+          </p:cNvPr>
+          <p:cNvSpPr/>
+          <p:nvPr/>
+        </p:nvSpPr>
+        <p:spPr>
+          <a:xfrm>
+            <a:off x="0" y="3331027"/>
+            <a:ext cx="12192000" cy="3247151"/>
+          </a:xfrm>
+          <a:prstGeom prst="rect">
+            <a:avLst/>
+          </a:prstGeom>
+        </p:spPr>
+        <p:style>
+          <a:lnRef idx="2">
+            <a:schemeClr val="accent1">
+              <a:shade val="50000"/>
+            </a:schemeClr>
+          </a:lnRef>
+          <a:fillRef idx="1">
+            <a:schemeClr val="accent1"/>
+          </a:fillRef>
+          <a:effectRef idx="0">
+            <a:schemeClr val="accent1"/>
+          </a:effectRef>
+          <a:fontRef idx="minor">
+            <a:schemeClr val="lt1"/>
+          </a:fontRef>
+        </p:style>
+        <p:txBody>
+          <a:bodyPr rtlCol="0" anchor="ctr"/>
+          <a:lstStyle/>
+          <a:p>
+            <a:pPr algn="ctr"/>
+            <a:endParaRPr lang="zh-TW" altLang="en-US"/>
+          </a:p>
+        </p:txBody>
+      </p:sp>
+      <p:sp>
+        <p:nvSpPr>
+          <p:cNvPr id="2" name="標題 1">
+            <a:extLst>
+              <a:ext uri="{FF2B5EF4-FFF2-40B4-BE49-F238E27FC236}">
+                <a16:creationId xmlns:a16="http://schemas.microsoft.com/office/drawing/2014/main" id="{A8FFCE8C-B089-4656-B078-6ADF70056D7B}"/>
+              </a:ext>
+            </a:extLst>
+          </p:cNvPr>
+          <p:cNvSpPr>
+            <a:spLocks noGrp="1"/>
+          </p:cNvSpPr>
+          <p:nvPr>
+            <p:ph type="title"/>
+          </p:nvPr>
+        </p:nvSpPr>
+        <p:spPr/>
+        <p:txBody>
+          <a:bodyPr/>
+          <a:lstStyle/>
+          <a:p>
+            <a:pPr algn="ctr"/>
+            <a:r>
+              <a:rPr lang="zh-TW" altLang="en-US" dirty="0"/>
+              <a:t>練習</a:t>
+            </a:r>
+            <a:r>
+              <a:rPr lang="en-US" altLang="zh-TW" dirty="0"/>
+              <a:t>3</a:t>
+            </a:r>
+            <a:endParaRPr lang="zh-TW" altLang="en-US" dirty="0"/>
+          </a:p>
+        </p:txBody>
+      </p:sp>
+      <p:sp>
+        <p:nvSpPr>
+          <p:cNvPr id="3" name="內容版面配置區 2">
+            <a:extLst>
+              <a:ext uri="{FF2B5EF4-FFF2-40B4-BE49-F238E27FC236}">
+                <a16:creationId xmlns:a16="http://schemas.microsoft.com/office/drawing/2014/main" id="{FC99FA85-CAB0-4670-AC37-D7648D169FD6}"/>
+              </a:ext>
+            </a:extLst>
+          </p:cNvPr>
+          <p:cNvSpPr>
+            <a:spLocks noGrp="1"/>
+          </p:cNvSpPr>
+          <p:nvPr>
+            <p:ph idx="1"/>
+          </p:nvPr>
+        </p:nvSpPr>
+        <p:spPr/>
+        <p:txBody>
+          <a:bodyPr>
+            <a:normAutofit/>
+          </a:bodyPr>
+          <a:lstStyle/>
+          <a:p>
+            <a:r>
+              <a:rPr lang="zh-TW" altLang="en-US" sz="4400" dirty="0"/>
+              <a:t>輸出九九乘法表 </a:t>
+            </a:r>
+            <a:r>
+              <a:rPr lang="en-US" altLang="zh-TW" sz="4400" dirty="0"/>
+              <a:t>(</a:t>
+            </a:r>
+            <a:r>
+              <a:rPr lang="zh-TW" altLang="en-US" sz="4400" dirty="0"/>
+              <a:t>要整齊</a:t>
+            </a:r>
+            <a:r>
+              <a:rPr lang="en-US" altLang="zh-TW" sz="4400" dirty="0"/>
+              <a:t>)</a:t>
+            </a:r>
+          </a:p>
+          <a:p>
+            <a:r>
+              <a:rPr lang="en-US" altLang="zh-TW" sz="4400" dirty="0"/>
+              <a:t>Hint: \t</a:t>
+            </a:r>
+            <a:endParaRPr lang="zh-TW" altLang="en-US" sz="4400" dirty="0"/>
+          </a:p>
+        </p:txBody>
+      </p:sp>
+      <p:pic>
+        <p:nvPicPr>
+          <p:cNvPr id="5" name="圖片 4">
+            <a:extLst>
+              <a:ext uri="{FF2B5EF4-FFF2-40B4-BE49-F238E27FC236}">
+                <a16:creationId xmlns:a16="http://schemas.microsoft.com/office/drawing/2014/main" id="{DE1C86E2-48C2-4006-8674-6B4515ED1DEC}"/>
+              </a:ext>
+            </a:extLst>
+          </p:cNvPr>
+          <p:cNvPicPr>
+            <a:picLocks noChangeAspect="1"/>
+          </p:cNvPicPr>
+          <p:nvPr/>
+        </p:nvPicPr>
+        <p:blipFill>
+          <a:blip r:embed="rId2">
+            <a:extLst>
+              <a:ext uri="{28A0092B-C50C-407E-A947-70E740481C1C}">
+                <a14:useLocalDpi xmlns:a14="http://schemas.microsoft.com/office/drawing/2010/main" val="0"/>
+              </a:ext>
+            </a:extLst>
+          </a:blip>
+          <a:stretch>
+            <a:fillRect/>
+          </a:stretch>
+        </p:blipFill>
+        <p:spPr>
+          <a:xfrm>
+            <a:off x="0" y="3456972"/>
+            <a:ext cx="12192000" cy="3065220"/>
+          </a:xfrm>
+          <a:prstGeom prst="rect">
+            <a:avLst/>
+          </a:prstGeom>
+        </p:spPr>
+      </p:pic>
+    </p:spTree>
+    <p:extLst>
+      <p:ext uri="{BB962C8B-B14F-4D97-AF65-F5344CB8AC3E}">
+        <p14:creationId xmlns:p14="http://schemas.microsoft.com/office/powerpoint/2010/main" val="2361564690"/>
+      </p:ext>
+    </p:extLst>
+  </p:cSld>
+  <p:clrMapOvr>
+    <a:masterClrMapping/>
+  </p:clrMapOvr>
+</p:sld>
+</file>
+
+<file path=ppt/slides/slide11.xml><?xml version="1.0" encoding="utf-8"?>
+<p:sld xmlns:a="http://schemas.openxmlformats.org/drawingml/2006/main" xmlns:r="http://schemas.openxmlformats.org/officeDocument/2006/relationships" xmlns:p="http://schemas.openxmlformats.org/presentationml/2006/main">
+  <p:cSld>
+    <p:spTree>
+      <p:nvGrpSpPr>
+        <p:cNvPr id="1" name=""/>
+        <p:cNvGrpSpPr/>
+        <p:nvPr/>
+      </p:nvGrpSpPr>
+      <p:grpSpPr>
+        <a:xfrm>
+          <a:off x="0" y="0"/>
+          <a:ext cx="0" cy="0"/>
+          <a:chOff x="0" y="0"/>
+          <a:chExt cx="0" cy="0"/>
+        </a:xfrm>
+      </p:grpSpPr>
+      <p:sp>
+        <p:nvSpPr>
           <p:cNvPr id="2" name="標題 1">
             <a:extLst>
               <a:ext uri="{FF2B5EF4-FFF2-40B4-BE49-F238E27FC236}">
@@ -3970,7 +4166,7 @@
 </p:sld>
 </file>
 
-<file path=ppt/slides/slide11.xml><?xml version="1.0" encoding="utf-8"?>
+<file path=ppt/slides/slide12.xml><?xml version="1.0" encoding="utf-8"?>
 <p:sld xmlns:a="http://schemas.openxmlformats.org/drawingml/2006/main" xmlns:r="http://schemas.openxmlformats.org/officeDocument/2006/relationships" xmlns:p="http://schemas.openxmlformats.org/presentationml/2006/main">
   <p:cSld>
     <p:spTree>
@@ -4297,7 +4493,7 @@
           <p:cNvPr id="2" name="標題 1">
             <a:extLst>
               <a:ext uri="{FF2B5EF4-FFF2-40B4-BE49-F238E27FC236}">
-                <a16:creationId xmlns:a16="http://schemas.microsoft.com/office/drawing/2014/main" id="{6180D867-27B5-4A7A-BFB5-F9AC2F9AF707}"/>
+                <a16:creationId xmlns:a16="http://schemas.microsoft.com/office/drawing/2014/main" id="{9036F4CD-BFD1-4563-AD3D-0BE79BFB5D94}"/>
               </a:ext>
             </a:extLst>
           </p:cNvPr>
@@ -4319,17 +4515,19 @@
       </p:sp>
       <p:pic>
         <p:nvPicPr>
-          <p:cNvPr id="11" name="圖片 10">
-            <a:extLst>
-              <a:ext uri="{FF2B5EF4-FFF2-40B4-BE49-F238E27FC236}">
-                <a16:creationId xmlns:a16="http://schemas.microsoft.com/office/drawing/2014/main" id="{85B80823-D832-4632-8C0C-8CE35FB0DE38}"/>
+          <p:cNvPr id="5" name="內容版面配置區 4">
+            <a:extLst>
+              <a:ext uri="{FF2B5EF4-FFF2-40B4-BE49-F238E27FC236}">
+                <a16:creationId xmlns:a16="http://schemas.microsoft.com/office/drawing/2014/main" id="{E5C8BC13-DC50-4CBB-8C8B-5AD9A6E18054}"/>
               </a:ext>
             </a:extLst>
           </p:cNvPr>
           <p:cNvPicPr>
-            <a:picLocks noChangeAspect="1"/>
+            <a:picLocks noGrp="1" noChangeAspect="1"/>
           </p:cNvPicPr>
-          <p:nvPr/>
+          <p:nvPr>
+            <p:ph idx="1"/>
+          </p:nvPr>
         </p:nvPicPr>
         <p:blipFill>
           <a:blip r:embed="rId2">
@@ -4345,53 +4543,55 @@
         </p:blipFill>
         <p:spPr>
           <a:xfrm>
-            <a:off x="0" y="0"/>
-            <a:ext cx="7038975" cy="5229225"/>
+            <a:off x="9331" y="587829"/>
+            <a:ext cx="12163748" cy="5253135"/>
+          </a:xfrm>
+        </p:spPr>
+      </p:pic>
+      <p:sp>
+        <p:nvSpPr>
+          <p:cNvPr id="6" name="文字方塊 5">
+            <a:extLst>
+              <a:ext uri="{FF2B5EF4-FFF2-40B4-BE49-F238E27FC236}">
+                <a16:creationId xmlns:a16="http://schemas.microsoft.com/office/drawing/2014/main" id="{992EB8F3-1105-4A06-909F-B8FADCA1FFD6}"/>
+              </a:ext>
+            </a:extLst>
+          </p:cNvPr>
+          <p:cNvSpPr txBox="1"/>
+          <p:nvPr/>
+        </p:nvSpPr>
+        <p:spPr>
+          <a:xfrm>
+            <a:off x="139960" y="6308209"/>
+            <a:ext cx="4081245" cy="369332"/>
           </a:xfrm>
           <a:prstGeom prst="rect">
             <a:avLst/>
           </a:prstGeom>
+          <a:noFill/>
         </p:spPr>
-      </p:pic>
-      <p:pic>
-        <p:nvPicPr>
-          <p:cNvPr id="9" name="內容版面配置區 8">
-            <a:extLst>
-              <a:ext uri="{FF2B5EF4-FFF2-40B4-BE49-F238E27FC236}">
-                <a16:creationId xmlns:a16="http://schemas.microsoft.com/office/drawing/2014/main" id="{D866F45E-4967-4430-A605-08B7918A031E}"/>
-              </a:ext>
-            </a:extLst>
-          </p:cNvPr>
-          <p:cNvPicPr>
-            <a:picLocks noGrp="1" noChangeAspect="1"/>
-          </p:cNvPicPr>
-          <p:nvPr>
-            <p:ph idx="1"/>
-          </p:nvPr>
-        </p:nvPicPr>
-        <p:blipFill>
-          <a:blip r:embed="rId3">
-            <a:extLst>
-              <a:ext uri="{28A0092B-C50C-407E-A947-70E740481C1C}">
-                <a14:useLocalDpi xmlns:a14="http://schemas.microsoft.com/office/drawing/2010/main" val="0"/>
-              </a:ext>
-            </a:extLst>
-          </a:blip>
-          <a:stretch>
-            <a:fillRect/>
-          </a:stretch>
-        </p:blipFill>
-        <p:spPr>
-          <a:xfrm>
-            <a:off x="5814332" y="4738110"/>
-            <a:ext cx="6306134" cy="2119890"/>
-          </a:xfrm>
-        </p:spPr>
-      </p:pic>
+        <p:txBody>
+          <a:bodyPr wrap="none" rtlCol="0">
+            <a:spAutoFit/>
+          </a:bodyPr>
+          <a:lstStyle/>
+          <a:p>
+            <a:r>
+              <a:rPr lang="zh-TW" altLang="en-US" dirty="0"/>
+              <a:t>圖片引用自 </a:t>
+            </a:r>
+            <a:r>
+              <a:rPr lang="en-US" altLang="zh-TW" dirty="0"/>
+              <a:t>https://java.4-x.tw/java-03-2</a:t>
+            </a:r>
+            <a:endParaRPr lang="zh-TW" altLang="en-US" dirty="0"/>
+          </a:p>
+        </p:txBody>
+      </p:sp>
     </p:spTree>
     <p:extLst>
       <p:ext uri="{BB962C8B-B14F-4D97-AF65-F5344CB8AC3E}">
-        <p14:creationId xmlns:p14="http://schemas.microsoft.com/office/powerpoint/2010/main" val="3151768780"/>
+        <p14:creationId xmlns:p14="http://schemas.microsoft.com/office/powerpoint/2010/main" val="2908612701"/>
       </p:ext>
     </p:extLst>
   </p:cSld>
@@ -4423,7 +4623,7 @@
           <p:cNvPr id="2" name="標題 1">
             <a:extLst>
               <a:ext uri="{FF2B5EF4-FFF2-40B4-BE49-F238E27FC236}">
-                <a16:creationId xmlns:a16="http://schemas.microsoft.com/office/drawing/2014/main" id="{F9C898E0-B176-4A43-BEF2-AA2E181BCA6D}"/>
+                <a16:creationId xmlns:a16="http://schemas.microsoft.com/office/drawing/2014/main" id="{6180D867-27B5-4A7A-BFB5-F9AC2F9AF707}"/>
               </a:ext>
             </a:extLst>
           </p:cNvPr>
@@ -4439,163 +4639,85 @@
           <a:bodyPr/>
           <a:lstStyle/>
           <a:p>
-            <a:pPr algn="ctr"/>
-            <a:r>
-              <a:rPr lang="zh-TW" altLang="en-US" dirty="0"/>
-              <a:t>跳脫字元 </a:t>
-            </a:r>
-            <a:r>
-              <a:rPr lang="en-US" altLang="zh-TW" dirty="0"/>
-              <a:t>(</a:t>
-            </a:r>
-            <a:r>
-              <a:rPr lang="zh-TW" altLang="en-US" dirty="0"/>
-              <a:t>算一個</a:t>
-            </a:r>
-            <a:r>
-              <a:rPr lang="en-US" altLang="zh-TW" dirty="0"/>
-              <a:t>char)</a:t>
-            </a:r>
-            <a:endParaRPr lang="zh-TW" altLang="en-US" dirty="0"/>
-          </a:p>
-        </p:txBody>
-      </p:sp>
-      <p:sp>
-        <p:nvSpPr>
-          <p:cNvPr id="3" name="內容版面配置區 2">
-            <a:extLst>
-              <a:ext uri="{FF2B5EF4-FFF2-40B4-BE49-F238E27FC236}">
-                <a16:creationId xmlns:a16="http://schemas.microsoft.com/office/drawing/2014/main" id="{306427BB-C079-4768-908B-3007D2DE5B69}"/>
-              </a:ext>
-            </a:extLst>
-          </p:cNvPr>
-          <p:cNvSpPr>
-            <a:spLocks noGrp="1"/>
-          </p:cNvSpPr>
+            <a:endParaRPr lang="zh-TW" altLang="en-US"/>
+          </a:p>
+        </p:txBody>
+      </p:sp>
+      <p:pic>
+        <p:nvPicPr>
+          <p:cNvPr id="11" name="圖片 10">
+            <a:extLst>
+              <a:ext uri="{FF2B5EF4-FFF2-40B4-BE49-F238E27FC236}">
+                <a16:creationId xmlns:a16="http://schemas.microsoft.com/office/drawing/2014/main" id="{85B80823-D832-4632-8C0C-8CE35FB0DE38}"/>
+              </a:ext>
+            </a:extLst>
+          </p:cNvPr>
+          <p:cNvPicPr>
+            <a:picLocks noChangeAspect="1"/>
+          </p:cNvPicPr>
+          <p:nvPr/>
+        </p:nvPicPr>
+        <p:blipFill>
+          <a:blip r:embed="rId2">
+            <a:extLst>
+              <a:ext uri="{28A0092B-C50C-407E-A947-70E740481C1C}">
+                <a14:useLocalDpi xmlns:a14="http://schemas.microsoft.com/office/drawing/2010/main" val="0"/>
+              </a:ext>
+            </a:extLst>
+          </a:blip>
+          <a:stretch>
+            <a:fillRect/>
+          </a:stretch>
+        </p:blipFill>
+        <p:spPr>
+          <a:xfrm>
+            <a:off x="0" y="0"/>
+            <a:ext cx="7038975" cy="5229225"/>
+          </a:xfrm>
+          <a:prstGeom prst="rect">
+            <a:avLst/>
+          </a:prstGeom>
+        </p:spPr>
+      </p:pic>
+      <p:pic>
+        <p:nvPicPr>
+          <p:cNvPr id="9" name="內容版面配置區 8">
+            <a:extLst>
+              <a:ext uri="{FF2B5EF4-FFF2-40B4-BE49-F238E27FC236}">
+                <a16:creationId xmlns:a16="http://schemas.microsoft.com/office/drawing/2014/main" id="{D866F45E-4967-4430-A605-08B7918A031E}"/>
+              </a:ext>
+            </a:extLst>
+          </p:cNvPr>
+          <p:cNvPicPr>
+            <a:picLocks noGrp="1" noChangeAspect="1"/>
+          </p:cNvPicPr>
           <p:nvPr>
             <p:ph idx="1"/>
           </p:nvPr>
-        </p:nvSpPr>
-        <p:spPr/>
-        <p:txBody>
-          <a:bodyPr>
-            <a:normAutofit/>
-          </a:bodyPr>
-          <a:lstStyle/>
-          <a:p>
-            <a:pPr marL="0" indent="0">
-              <a:buNone/>
-            </a:pPr>
-            <a:r>
-              <a:rPr lang="en-US" altLang="zh-TW" sz="5400" dirty="0"/>
-              <a:t>\\ :</a:t>
-            </a:r>
-            <a:r>
-              <a:rPr lang="zh-TW" altLang="en-US" sz="5400" dirty="0"/>
-              <a:t> 輸出</a:t>
-            </a:r>
-            <a:r>
-              <a:rPr lang="en-US" altLang="zh-TW" sz="5400" dirty="0"/>
-              <a:t>\</a:t>
-            </a:r>
-          </a:p>
-          <a:p>
-            <a:pPr marL="0" indent="0">
-              <a:buNone/>
-            </a:pPr>
-            <a:r>
-              <a:rPr lang="en-US" altLang="zh-TW" sz="5400" dirty="0"/>
-              <a:t>\’ : </a:t>
-            </a:r>
-            <a:r>
-              <a:rPr lang="zh-TW" altLang="en-US" sz="5400" dirty="0"/>
-              <a:t>輸出</a:t>
-            </a:r>
-            <a:r>
-              <a:rPr lang="en-US" altLang="zh-TW" sz="5400" dirty="0"/>
-              <a:t>‘</a:t>
-            </a:r>
-          </a:p>
-          <a:p>
-            <a:pPr marL="0" indent="0">
-              <a:buNone/>
-            </a:pPr>
-            <a:r>
-              <a:rPr lang="en-US" altLang="zh-TW" sz="5400" dirty="0"/>
-              <a:t>\” : </a:t>
-            </a:r>
-            <a:r>
-              <a:rPr lang="zh-TW" altLang="en-US" sz="5400" dirty="0"/>
-              <a:t>輸出</a:t>
-            </a:r>
-            <a:r>
-              <a:rPr lang="en-US" altLang="zh-TW" sz="5400" dirty="0"/>
-              <a:t>”</a:t>
-            </a:r>
-          </a:p>
-          <a:p>
-            <a:pPr marL="0" indent="0">
-              <a:buNone/>
-            </a:pPr>
-            <a:r>
-              <a:rPr lang="en-US" altLang="zh-TW" sz="5400" dirty="0"/>
-              <a:t>\a</a:t>
-            </a:r>
-            <a:r>
-              <a:rPr lang="zh-TW" altLang="en-US" sz="5400" dirty="0"/>
-              <a:t> </a:t>
-            </a:r>
-            <a:r>
-              <a:rPr lang="en-US" altLang="zh-TW" sz="5400" dirty="0"/>
-              <a:t>:</a:t>
-            </a:r>
-            <a:r>
-              <a:rPr lang="zh-TW" altLang="en-US" sz="5400" dirty="0"/>
-              <a:t> 發出一聲</a:t>
-            </a:r>
-            <a:r>
-              <a:rPr lang="en-US" altLang="zh-TW" sz="5400" dirty="0"/>
-              <a:t> </a:t>
-            </a:r>
-          </a:p>
-          <a:p>
-            <a:pPr marL="0" indent="0">
-              <a:buNone/>
-            </a:pPr>
-            <a:r>
-              <a:rPr lang="zh-TW" altLang="en-US" sz="5400" dirty="0"/>
-              <a:t> </a:t>
-            </a:r>
-            <a:r>
-              <a:rPr lang="en-US" altLang="zh-TW" sz="5400" dirty="0"/>
-              <a:t>\b</a:t>
-            </a:r>
-            <a:r>
-              <a:rPr lang="zh-TW" altLang="en-US" sz="5400" dirty="0"/>
-              <a:t> </a:t>
-            </a:r>
-            <a:r>
-              <a:rPr lang="en-US" altLang="zh-TW" sz="5400" dirty="0"/>
-              <a:t>:</a:t>
-            </a:r>
-            <a:r>
-              <a:rPr lang="zh-TW" altLang="en-US" sz="5400" dirty="0"/>
-              <a:t> 倒退一格</a:t>
-            </a:r>
-            <a:endParaRPr lang="en-US" altLang="zh-TW" sz="5400" dirty="0"/>
-          </a:p>
-          <a:p>
-            <a:pPr marL="0" indent="0">
-              <a:buNone/>
-            </a:pPr>
-            <a:endParaRPr lang="zh-TW" altLang="en-US" sz="4400" dirty="0"/>
-          </a:p>
-        </p:txBody>
-      </p:sp>
+        </p:nvPicPr>
+        <p:blipFill>
+          <a:blip r:embed="rId3">
+            <a:extLst>
+              <a:ext uri="{28A0092B-C50C-407E-A947-70E740481C1C}">
+                <a14:useLocalDpi xmlns:a14="http://schemas.microsoft.com/office/drawing/2010/main" val="0"/>
+              </a:ext>
+            </a:extLst>
+          </a:blip>
+          <a:stretch>
+            <a:fillRect/>
+          </a:stretch>
+        </p:blipFill>
+        <p:spPr>
+          <a:xfrm>
+            <a:off x="5814332" y="4738110"/>
+            <a:ext cx="6306134" cy="2119890"/>
+          </a:xfrm>
+        </p:spPr>
+      </p:pic>
     </p:spTree>
     <p:extLst>
       <p:ext uri="{BB962C8B-B14F-4D97-AF65-F5344CB8AC3E}">
-        <p14:creationId xmlns:p14="http://schemas.microsoft.com/office/powerpoint/2010/main" val="2653203427"/>
+        <p14:creationId xmlns:p14="http://schemas.microsoft.com/office/powerpoint/2010/main" val="3151768780"/>
       </p:ext>
     </p:extLst>
   </p:cSld>
@@ -4627,7 +4749,7 @@
           <p:cNvPr id="2" name="標題 1">
             <a:extLst>
               <a:ext uri="{FF2B5EF4-FFF2-40B4-BE49-F238E27FC236}">
-                <a16:creationId xmlns:a16="http://schemas.microsoft.com/office/drawing/2014/main" id="{BBDC850C-14B7-485D-9388-4FF40363D8F5}"/>
+                <a16:creationId xmlns:a16="http://schemas.microsoft.com/office/drawing/2014/main" id="{F9C898E0-B176-4A43-BEF2-AA2E181BCA6D}"/>
               </a:ext>
             </a:extLst>
           </p:cNvPr>
@@ -4646,11 +4768,19 @@
             <a:pPr algn="ctr"/>
             <a:r>
               <a:rPr lang="zh-TW" altLang="en-US" dirty="0"/>
-              <a:t>練習</a:t>
+              <a:t>跳脫字元 </a:t>
             </a:r>
             <a:r>
               <a:rPr lang="en-US" altLang="zh-TW" dirty="0"/>
-              <a:t>1 </a:t>
+              <a:t>(</a:t>
+            </a:r>
+            <a:r>
+              <a:rPr lang="zh-TW" altLang="en-US" dirty="0"/>
+              <a:t>算一個</a:t>
+            </a:r>
+            <a:r>
+              <a:rPr lang="en-US" altLang="zh-TW" dirty="0"/>
+              <a:t>char)</a:t>
             </a:r>
             <a:endParaRPr lang="zh-TW" altLang="en-US" dirty="0"/>
           </a:p>
@@ -4661,7 +4791,7 @@
           <p:cNvPr id="3" name="內容版面配置區 2">
             <a:extLst>
               <a:ext uri="{FF2B5EF4-FFF2-40B4-BE49-F238E27FC236}">
-                <a16:creationId xmlns:a16="http://schemas.microsoft.com/office/drawing/2014/main" id="{13D69E0B-307A-4413-920F-259C70B1B856}"/>
+                <a16:creationId xmlns:a16="http://schemas.microsoft.com/office/drawing/2014/main" id="{306427BB-C079-4768-908B-3007D2DE5B69}"/>
               </a:ext>
             </a:extLst>
           </p:cNvPr>
@@ -4675,50 +4805,115 @@
         <p:spPr/>
         <p:txBody>
           <a:bodyPr>
-            <a:normAutofit fontScale="92500"/>
+            <a:normAutofit/>
           </a:bodyPr>
           <a:lstStyle/>
           <a:p>
+            <a:pPr marL="0" indent="0">
+              <a:buNone/>
+            </a:pPr>
+            <a:r>
+              <a:rPr lang="en-US" altLang="zh-TW" sz="5400" dirty="0"/>
+              <a:t>\\ :</a:t>
+            </a:r>
             <a:r>
               <a:rPr lang="zh-TW" altLang="en-US" sz="5400" dirty="0"/>
-              <a:t> 每隔一秒發出一聲，並將次數輸出</a:t>
+              <a:t> 輸出</a:t>
+            </a:r>
+            <a:r>
+              <a:rPr lang="en-US" altLang="zh-TW" sz="5400" dirty="0"/>
+              <a:t>\</a:t>
+            </a:r>
+          </a:p>
+          <a:p>
+            <a:pPr marL="0" indent="0">
+              <a:buNone/>
+            </a:pPr>
+            <a:r>
+              <a:rPr lang="en-US" altLang="zh-TW" sz="5400" dirty="0"/>
+              <a:t>\’ : </a:t>
+            </a:r>
+            <a:r>
+              <a:rPr lang="zh-TW" altLang="en-US" sz="5400" dirty="0"/>
+              <a:t>輸出</a:t>
+            </a:r>
+            <a:r>
+              <a:rPr lang="en-US" altLang="zh-TW" sz="5400" dirty="0"/>
+              <a:t>‘</a:t>
+            </a:r>
+          </a:p>
+          <a:p>
+            <a:pPr marL="0" indent="0">
+              <a:buNone/>
+            </a:pPr>
+            <a:r>
+              <a:rPr lang="en-US" altLang="zh-TW" sz="5400" dirty="0"/>
+              <a:t>\” : </a:t>
+            </a:r>
+            <a:r>
+              <a:rPr lang="zh-TW" altLang="en-US" sz="5400" dirty="0"/>
+              <a:t>輸出</a:t>
+            </a:r>
+            <a:r>
+              <a:rPr lang="en-US" altLang="zh-TW" sz="5400" dirty="0"/>
+              <a:t>”</a:t>
+            </a:r>
+          </a:p>
+          <a:p>
+            <a:pPr marL="0" indent="0">
+              <a:buNone/>
+            </a:pPr>
+            <a:r>
+              <a:rPr lang="en-US" altLang="zh-TW" sz="5400" dirty="0"/>
+              <a:t>\a</a:t>
+            </a:r>
+            <a:r>
+              <a:rPr lang="zh-TW" altLang="en-US" sz="5400" dirty="0"/>
+              <a:t> </a:t>
+            </a:r>
+            <a:r>
+              <a:rPr lang="en-US" altLang="zh-TW" sz="5400" dirty="0"/>
+              <a:t>:</a:t>
+            </a:r>
+            <a:r>
+              <a:rPr lang="zh-TW" altLang="en-US" sz="5400" dirty="0"/>
+              <a:t> 發出一聲</a:t>
+            </a:r>
+            <a:r>
+              <a:rPr lang="en-US" altLang="zh-TW" sz="5400" dirty="0"/>
+              <a:t> </a:t>
+            </a:r>
+          </a:p>
+          <a:p>
+            <a:pPr marL="0" indent="0">
+              <a:buNone/>
+            </a:pPr>
+            <a:r>
+              <a:rPr lang="zh-TW" altLang="en-US" sz="5400" dirty="0"/>
+              <a:t> </a:t>
+            </a:r>
+            <a:r>
+              <a:rPr lang="en-US" altLang="zh-TW" sz="5400" dirty="0"/>
+              <a:t>\b</a:t>
+            </a:r>
+            <a:r>
+              <a:rPr lang="zh-TW" altLang="en-US" sz="5400" dirty="0"/>
+              <a:t> </a:t>
+            </a:r>
+            <a:r>
+              <a:rPr lang="en-US" altLang="zh-TW" sz="5400" dirty="0"/>
+              <a:t>:</a:t>
+            </a:r>
+            <a:r>
+              <a:rPr lang="zh-TW" altLang="en-US" sz="5400" dirty="0"/>
+              <a:t> 倒退一格</a:t>
             </a:r>
             <a:endParaRPr lang="en-US" altLang="zh-TW" sz="5400" dirty="0"/>
           </a:p>
           <a:p>
-            <a:endParaRPr lang="en-US" altLang="zh-TW" sz="5400" dirty="0"/>
-          </a:p>
-          <a:p>
-            <a:r>
-              <a:rPr lang="en-US" altLang="zh-TW" sz="5400" dirty="0"/>
-              <a:t>Hint: </a:t>
-            </a:r>
-          </a:p>
-          <a:p>
             <a:pPr marL="0" indent="0">
               <a:buNone/>
             </a:pPr>
-            <a:r>
-              <a:rPr lang="en-US" altLang="zh-TW" sz="5400" dirty="0"/>
-              <a:t>		\a </a:t>
-            </a:r>
-          </a:p>
-          <a:p>
-            <a:pPr marL="0" indent="0">
-              <a:buNone/>
-            </a:pPr>
-            <a:r>
-              <a:rPr lang="en-US" altLang="zh-TW" sz="4400" dirty="0"/>
-              <a:t>		Sleep() 		// #include &lt;</a:t>
-            </a:r>
-            <a:r>
-              <a:rPr lang="en-US" altLang="zh-TW" sz="4400" dirty="0" err="1"/>
-              <a:t>windows.h</a:t>
-            </a:r>
-            <a:r>
-              <a:rPr lang="en-US" altLang="zh-TW" sz="4400" dirty="0"/>
-              <a:t>&gt;</a:t>
-            </a:r>
             <a:endParaRPr lang="zh-TW" altLang="en-US" sz="4400" dirty="0"/>
           </a:p>
         </p:txBody>
@@ -4726,7 +4921,7 @@
     </p:spTree>
     <p:extLst>
       <p:ext uri="{BB962C8B-B14F-4D97-AF65-F5344CB8AC3E}">
-        <p14:creationId xmlns:p14="http://schemas.microsoft.com/office/powerpoint/2010/main" val="1126798484"/>
+        <p14:creationId xmlns:p14="http://schemas.microsoft.com/office/powerpoint/2010/main" val="2653203427"/>
       </p:ext>
     </p:extLst>
   </p:cSld>
@@ -4758,6 +4953,137 @@
           <p:cNvPr id="2" name="標題 1">
             <a:extLst>
               <a:ext uri="{FF2B5EF4-FFF2-40B4-BE49-F238E27FC236}">
+                <a16:creationId xmlns:a16="http://schemas.microsoft.com/office/drawing/2014/main" id="{BBDC850C-14B7-485D-9388-4FF40363D8F5}"/>
+              </a:ext>
+            </a:extLst>
+          </p:cNvPr>
+          <p:cNvSpPr>
+            <a:spLocks noGrp="1"/>
+          </p:cNvSpPr>
+          <p:nvPr>
+            <p:ph type="title"/>
+          </p:nvPr>
+        </p:nvSpPr>
+        <p:spPr/>
+        <p:txBody>
+          <a:bodyPr/>
+          <a:lstStyle/>
+          <a:p>
+            <a:pPr algn="ctr"/>
+            <a:r>
+              <a:rPr lang="zh-TW" altLang="en-US" dirty="0"/>
+              <a:t>練習</a:t>
+            </a:r>
+            <a:r>
+              <a:rPr lang="en-US" altLang="zh-TW" dirty="0"/>
+              <a:t>1 </a:t>
+            </a:r>
+            <a:endParaRPr lang="zh-TW" altLang="en-US" dirty="0"/>
+          </a:p>
+        </p:txBody>
+      </p:sp>
+      <p:sp>
+        <p:nvSpPr>
+          <p:cNvPr id="3" name="內容版面配置區 2">
+            <a:extLst>
+              <a:ext uri="{FF2B5EF4-FFF2-40B4-BE49-F238E27FC236}">
+                <a16:creationId xmlns:a16="http://schemas.microsoft.com/office/drawing/2014/main" id="{13D69E0B-307A-4413-920F-259C70B1B856}"/>
+              </a:ext>
+            </a:extLst>
+          </p:cNvPr>
+          <p:cNvSpPr>
+            <a:spLocks noGrp="1"/>
+          </p:cNvSpPr>
+          <p:nvPr>
+            <p:ph idx="1"/>
+          </p:nvPr>
+        </p:nvSpPr>
+        <p:spPr/>
+        <p:txBody>
+          <a:bodyPr>
+            <a:normAutofit fontScale="92500"/>
+          </a:bodyPr>
+          <a:lstStyle/>
+          <a:p>
+            <a:r>
+              <a:rPr lang="zh-TW" altLang="en-US" sz="5400" dirty="0"/>
+              <a:t> 每隔一秒發出一聲，並將次數輸出</a:t>
+            </a:r>
+            <a:endParaRPr lang="en-US" altLang="zh-TW" sz="5400" dirty="0"/>
+          </a:p>
+          <a:p>
+            <a:endParaRPr lang="en-US" altLang="zh-TW" sz="5400" dirty="0"/>
+          </a:p>
+          <a:p>
+            <a:r>
+              <a:rPr lang="en-US" altLang="zh-TW" sz="5400" dirty="0"/>
+              <a:t>Hint: </a:t>
+            </a:r>
+          </a:p>
+          <a:p>
+            <a:pPr marL="0" indent="0">
+              <a:buNone/>
+            </a:pPr>
+            <a:r>
+              <a:rPr lang="en-US" altLang="zh-TW" sz="5400" dirty="0"/>
+              <a:t>		\a </a:t>
+            </a:r>
+          </a:p>
+          <a:p>
+            <a:pPr marL="0" indent="0">
+              <a:buNone/>
+            </a:pPr>
+            <a:r>
+              <a:rPr lang="en-US" altLang="zh-TW" sz="4400" dirty="0"/>
+              <a:t>		Sleep() 		// #include &lt;</a:t>
+            </a:r>
+            <a:r>
+              <a:rPr lang="en-US" altLang="zh-TW" sz="4400" dirty="0" err="1"/>
+              <a:t>windows.h</a:t>
+            </a:r>
+            <a:r>
+              <a:rPr lang="en-US" altLang="zh-TW" sz="4400" dirty="0"/>
+              <a:t>&gt;</a:t>
+            </a:r>
+            <a:endParaRPr lang="zh-TW" altLang="en-US" sz="4400" dirty="0"/>
+          </a:p>
+        </p:txBody>
+      </p:sp>
+    </p:spTree>
+    <p:extLst>
+      <p:ext uri="{BB962C8B-B14F-4D97-AF65-F5344CB8AC3E}">
+        <p14:creationId xmlns:p14="http://schemas.microsoft.com/office/powerpoint/2010/main" val="1126798484"/>
+      </p:ext>
+    </p:extLst>
+  </p:cSld>
+  <p:clrMapOvr>
+    <a:masterClrMapping/>
+  </p:clrMapOvr>
+</p:sld>
+</file>
+
+<file path=ppt/slides/slide7.xml><?xml version="1.0" encoding="utf-8"?>
+<p:sld xmlns:a="http://schemas.openxmlformats.org/drawingml/2006/main" xmlns:r="http://schemas.openxmlformats.org/officeDocument/2006/relationships" xmlns:p="http://schemas.openxmlformats.org/presentationml/2006/main">
+  <p:cSld>
+    <p:spTree>
+      <p:nvGrpSpPr>
+        <p:cNvPr id="1" name=""/>
+        <p:cNvGrpSpPr/>
+        <p:nvPr/>
+      </p:nvGrpSpPr>
+      <p:grpSpPr>
+        <a:xfrm>
+          <a:off x="0" y="0"/>
+          <a:ext cx="0" cy="0"/>
+          <a:chOff x="0" y="0"/>
+          <a:chExt cx="0" cy="0"/>
+        </a:xfrm>
+      </p:grpSpPr>
+      <p:sp>
+        <p:nvSpPr>
+          <p:cNvPr id="2" name="標題 1">
+            <a:extLst>
+              <a:ext uri="{FF2B5EF4-FFF2-40B4-BE49-F238E27FC236}">
                 <a16:creationId xmlns:a16="http://schemas.microsoft.com/office/drawing/2014/main" id="{290D711A-62CB-47E2-9B28-020734B8DC0D}"/>
               </a:ext>
             </a:extLst>
@@ -4826,7 +5152,7 @@
 </p:sld>
 </file>
 
-<file path=ppt/slides/slide7.xml><?xml version="1.0" encoding="utf-8"?>
+<file path=ppt/slides/slide8.xml><?xml version="1.0" encoding="utf-8"?>
 <p:sld xmlns:a="http://schemas.openxmlformats.org/drawingml/2006/main" xmlns:r="http://schemas.openxmlformats.org/officeDocument/2006/relationships" xmlns:p="http://schemas.openxmlformats.org/presentationml/2006/main">
   <p:cSld>
     <p:spTree>
@@ -5006,7 +5332,7 @@
 </p:sld>
 </file>
 
-<file path=ppt/slides/slide8.xml><?xml version="1.0" encoding="utf-8"?>
+<file path=ppt/slides/slide9.xml><?xml version="1.0" encoding="utf-8"?>
 <p:sld xmlns:a="http://schemas.openxmlformats.org/drawingml/2006/main" xmlns:r="http://schemas.openxmlformats.org/officeDocument/2006/relationships" xmlns:p="http://schemas.openxmlformats.org/presentationml/2006/main">
   <p:cSld>
     <p:spTree>
@@ -5475,201 +5801,6 @@
     <p:extLst>
       <p:ext uri="{BB962C8B-B14F-4D97-AF65-F5344CB8AC3E}">
         <p14:creationId xmlns:p14="http://schemas.microsoft.com/office/powerpoint/2010/main" val="37474147"/>
-      </p:ext>
-    </p:extLst>
-  </p:cSld>
-  <p:clrMapOvr>
-    <a:masterClrMapping/>
-  </p:clrMapOvr>
-</p:sld>
-</file>
-
-<file path=ppt/slides/slide9.xml><?xml version="1.0" encoding="utf-8"?>
-<p:sld xmlns:a="http://schemas.openxmlformats.org/drawingml/2006/main" xmlns:r="http://schemas.openxmlformats.org/officeDocument/2006/relationships" xmlns:p="http://schemas.openxmlformats.org/presentationml/2006/main">
-  <p:cSld>
-    <p:spTree>
-      <p:nvGrpSpPr>
-        <p:cNvPr id="1" name=""/>
-        <p:cNvGrpSpPr/>
-        <p:nvPr/>
-      </p:nvGrpSpPr>
-      <p:grpSpPr>
-        <a:xfrm>
-          <a:off x="0" y="0"/>
-          <a:ext cx="0" cy="0"/>
-          <a:chOff x="0" y="0"/>
-          <a:chExt cx="0" cy="0"/>
-        </a:xfrm>
-      </p:grpSpPr>
-      <p:sp>
-        <p:nvSpPr>
-          <p:cNvPr id="6" name="矩形 5">
-            <a:extLst>
-              <a:ext uri="{FF2B5EF4-FFF2-40B4-BE49-F238E27FC236}">
-                <a16:creationId xmlns:a16="http://schemas.microsoft.com/office/drawing/2014/main" id="{AC2BB906-024B-4DDA-879E-E9A840FE6BFD}"/>
-              </a:ext>
-            </a:extLst>
-          </p:cNvPr>
-          <p:cNvSpPr/>
-          <p:nvPr/>
-        </p:nvSpPr>
-        <p:spPr>
-          <a:xfrm>
-            <a:off x="0" y="3331027"/>
-            <a:ext cx="12192000" cy="3247151"/>
-          </a:xfrm>
-          <a:prstGeom prst="rect">
-            <a:avLst/>
-          </a:prstGeom>
-        </p:spPr>
-        <p:style>
-          <a:lnRef idx="2">
-            <a:schemeClr val="accent1">
-              <a:shade val="50000"/>
-            </a:schemeClr>
-          </a:lnRef>
-          <a:fillRef idx="1">
-            <a:schemeClr val="accent1"/>
-          </a:fillRef>
-          <a:effectRef idx="0">
-            <a:schemeClr val="accent1"/>
-          </a:effectRef>
-          <a:fontRef idx="minor">
-            <a:schemeClr val="lt1"/>
-          </a:fontRef>
-        </p:style>
-        <p:txBody>
-          <a:bodyPr rtlCol="0" anchor="ctr"/>
-          <a:lstStyle/>
-          <a:p>
-            <a:pPr algn="ctr"/>
-            <a:endParaRPr lang="zh-TW" altLang="en-US"/>
-          </a:p>
-        </p:txBody>
-      </p:sp>
-      <p:sp>
-        <p:nvSpPr>
-          <p:cNvPr id="2" name="標題 1">
-            <a:extLst>
-              <a:ext uri="{FF2B5EF4-FFF2-40B4-BE49-F238E27FC236}">
-                <a16:creationId xmlns:a16="http://schemas.microsoft.com/office/drawing/2014/main" id="{A8FFCE8C-B089-4656-B078-6ADF70056D7B}"/>
-              </a:ext>
-            </a:extLst>
-          </p:cNvPr>
-          <p:cNvSpPr>
-            <a:spLocks noGrp="1"/>
-          </p:cNvSpPr>
-          <p:nvPr>
-            <p:ph type="title"/>
-          </p:nvPr>
-        </p:nvSpPr>
-        <p:spPr/>
-        <p:txBody>
-          <a:bodyPr/>
-          <a:lstStyle/>
-          <a:p>
-            <a:pPr algn="ctr"/>
-            <a:r>
-              <a:rPr lang="zh-TW" altLang="en-US" dirty="0"/>
-              <a:t>練習</a:t>
-            </a:r>
-            <a:r>
-              <a:rPr lang="en-US" altLang="zh-TW" dirty="0"/>
-              <a:t>3</a:t>
-            </a:r>
-            <a:endParaRPr lang="zh-TW" altLang="en-US" dirty="0"/>
-          </a:p>
-        </p:txBody>
-      </p:sp>
-      <p:sp>
-        <p:nvSpPr>
-          <p:cNvPr id="3" name="內容版面配置區 2">
-            <a:extLst>
-              <a:ext uri="{FF2B5EF4-FFF2-40B4-BE49-F238E27FC236}">
-                <a16:creationId xmlns:a16="http://schemas.microsoft.com/office/drawing/2014/main" id="{FC99FA85-CAB0-4670-AC37-D7648D169FD6}"/>
-              </a:ext>
-            </a:extLst>
-          </p:cNvPr>
-          <p:cNvSpPr>
-            <a:spLocks noGrp="1"/>
-          </p:cNvSpPr>
-          <p:nvPr>
-            <p:ph idx="1"/>
-          </p:nvPr>
-        </p:nvSpPr>
-        <p:spPr/>
-        <p:txBody>
-          <a:bodyPr>
-            <a:normAutofit/>
-          </a:bodyPr>
-          <a:lstStyle/>
-          <a:p>
-            <a:r>
-              <a:rPr lang="zh-TW" altLang="en-US" sz="4400" dirty="0"/>
-              <a:t>輸出九九乘法表 </a:t>
-            </a:r>
-            <a:r>
-              <a:rPr lang="en-US" altLang="zh-TW" sz="4400" dirty="0"/>
-              <a:t>(</a:t>
-            </a:r>
-            <a:r>
-              <a:rPr lang="zh-TW" altLang="en-US" sz="4400" dirty="0"/>
-              <a:t>要整齊</a:t>
-            </a:r>
-            <a:r>
-              <a:rPr lang="en-US" altLang="zh-TW" sz="4400" dirty="0"/>
-              <a:t>)</a:t>
-            </a:r>
-          </a:p>
-          <a:p>
-            <a:r>
-              <a:rPr lang="en-US" altLang="zh-TW" sz="4400" dirty="0"/>
-              <a:t>Hint: \t</a:t>
-            </a:r>
-            <a:endParaRPr lang="zh-TW" altLang="en-US" sz="4400" dirty="0"/>
-          </a:p>
-        </p:txBody>
-      </p:sp>
-      <p:pic>
-        <p:nvPicPr>
-          <p:cNvPr id="5" name="圖片 4">
-            <a:extLst>
-              <a:ext uri="{FF2B5EF4-FFF2-40B4-BE49-F238E27FC236}">
-                <a16:creationId xmlns:a16="http://schemas.microsoft.com/office/drawing/2014/main" id="{DE1C86E2-48C2-4006-8674-6B4515ED1DEC}"/>
-              </a:ext>
-            </a:extLst>
-          </p:cNvPr>
-          <p:cNvPicPr>
-            <a:picLocks noChangeAspect="1"/>
-          </p:cNvPicPr>
-          <p:nvPr/>
-        </p:nvPicPr>
-        <p:blipFill>
-          <a:blip r:embed="rId2">
-            <a:extLst>
-              <a:ext uri="{28A0092B-C50C-407E-A947-70E740481C1C}">
-                <a14:useLocalDpi xmlns:a14="http://schemas.microsoft.com/office/drawing/2010/main" val="0"/>
-              </a:ext>
-            </a:extLst>
-          </a:blip>
-          <a:stretch>
-            <a:fillRect/>
-          </a:stretch>
-        </p:blipFill>
-        <p:spPr>
-          <a:xfrm>
-            <a:off x="0" y="3456972"/>
-            <a:ext cx="12192000" cy="3065220"/>
-          </a:xfrm>
-          <a:prstGeom prst="rect">
-            <a:avLst/>
-          </a:prstGeom>
-        </p:spPr>
-      </p:pic>
-    </p:spTree>
-    <p:extLst>
-      <p:ext uri="{BB962C8B-B14F-4D97-AF65-F5344CB8AC3E}">
-        <p14:creationId xmlns:p14="http://schemas.microsoft.com/office/powerpoint/2010/main" val="2361564690"/>
       </p:ext>
     </p:extLst>
   </p:cSld>

--- a/class_ppt/程一實習0303.pptx
+++ b/class_ppt/程一實習0303.pptx
@@ -5,21 +5,27 @@
     <p:sldMasterId id="2147483648" r:id="rId1"/>
   </p:sldMasterIdLst>
   <p:notesMasterIdLst>
-    <p:notesMasterId r:id="rId14"/>
+    <p:notesMasterId r:id="rId20"/>
   </p:notesMasterIdLst>
   <p:sldIdLst>
     <p:sldId id="256" r:id="rId2"/>
-    <p:sldId id="265" r:id="rId3"/>
-    <p:sldId id="268" r:id="rId4"/>
-    <p:sldId id="267" r:id="rId5"/>
-    <p:sldId id="257" r:id="rId6"/>
-    <p:sldId id="258" r:id="rId7"/>
-    <p:sldId id="259" r:id="rId8"/>
-    <p:sldId id="261" r:id="rId9"/>
-    <p:sldId id="260" r:id="rId10"/>
-    <p:sldId id="262" r:id="rId11"/>
-    <p:sldId id="264" r:id="rId12"/>
-    <p:sldId id="263" r:id="rId13"/>
+    <p:sldId id="269" r:id="rId3"/>
+    <p:sldId id="270" r:id="rId4"/>
+    <p:sldId id="272" r:id="rId5"/>
+    <p:sldId id="265" r:id="rId6"/>
+    <p:sldId id="268" r:id="rId7"/>
+    <p:sldId id="267" r:id="rId8"/>
+    <p:sldId id="257" r:id="rId9"/>
+    <p:sldId id="276" r:id="rId10"/>
+    <p:sldId id="258" r:id="rId11"/>
+    <p:sldId id="259" r:id="rId12"/>
+    <p:sldId id="261" r:id="rId13"/>
+    <p:sldId id="260" r:id="rId14"/>
+    <p:sldId id="271" r:id="rId15"/>
+    <p:sldId id="274" r:id="rId16"/>
+    <p:sldId id="275" r:id="rId17"/>
+    <p:sldId id="262" r:id="rId18"/>
+    <p:sldId id="264" r:id="rId19"/>
   </p:sldIdLst>
   <p:sldSz cx="12192000" cy="6858000"/>
   <p:notesSz cx="6858000" cy="9144000"/>
@@ -126,6 +132,32 @@
 </p:presentation>
 </file>
 
+<file path=ppt/commentAuthors.xml><?xml version="1.0" encoding="utf-8"?>
+<p:cmAuthorLst xmlns:a="http://schemas.openxmlformats.org/drawingml/2006/main" xmlns:r="http://schemas.openxmlformats.org/officeDocument/2006/relationships" xmlns:p="http://schemas.openxmlformats.org/presentationml/2006/main">
+  <p:cmAuthor id="1" name="陳孟淵" initials="陳孟淵" lastIdx="1" clrIdx="0">
+    <p:extLst>
+      <p:ext uri="{19B8F6BF-5375-455C-9EA6-DF929625EA0E}">
+        <p15:presenceInfo xmlns:p15="http://schemas.microsoft.com/office/powerpoint/2012/main" userId="S-1-5-21-172770542-789004078-2937499150-1001" providerId="AD"/>
+      </p:ext>
+    </p:extLst>
+  </p:cmAuthor>
+</p:cmAuthorLst>
+</file>
+
+<file path=ppt/comments/comment1.xml><?xml version="1.0" encoding="utf-8"?>
+<p:cmLst xmlns:a="http://schemas.openxmlformats.org/drawingml/2006/main" xmlns:r="http://schemas.openxmlformats.org/officeDocument/2006/relationships" xmlns:p="http://schemas.openxmlformats.org/presentationml/2006/main">
+  <p:cm authorId="1" dt="2022-03-02T18:02:37.417" idx="1">
+    <p:pos x="10" y="10"/>
+    <p:text/>
+    <p:extLst>
+      <p:ext uri="{C676402C-5697-4E1C-873F-D02D1690AC5C}">
+        <p15:threadingInfo xmlns:p15="http://schemas.microsoft.com/office/powerpoint/2012/main" timeZoneBias="-480"/>
+      </p:ext>
+    </p:extLst>
+  </p:cm>
+</p:cmLst>
+</file>
+
 <file path=ppt/notesMasters/notesMaster1.xml><?xml version="1.0" encoding="utf-8"?>
 <p:notesMaster xmlns:a="http://schemas.openxmlformats.org/drawingml/2006/main" xmlns:r="http://schemas.openxmlformats.org/officeDocument/2006/relationships" xmlns:p="http://schemas.openxmlformats.org/presentationml/2006/main">
   <p:cSld>
@@ -208,7 +240,7 @@
           <a:p>
             <a:fld id="{4A026C94-271D-49A1-BABA-212293D723B7}" type="datetimeFigureOut">
               <a:rPr lang="zh-TW" altLang="en-US" smtClean="0"/>
-              <a:t>2022/3/1</a:t>
+              <a:t>2022/3/2</a:t>
             </a:fld>
             <a:endParaRPr lang="zh-TW" altLang="en-US"/>
           </a:p>
@@ -521,7 +553,443 @@
           <a:p>
             <a:r>
               <a:rPr lang="en-US" altLang="zh-TW" dirty="0"/>
-              <a:t>Ch4 start</a:t>
+              <a:t>3min</a:t>
+            </a:r>
+            <a:endParaRPr lang="zh-TW" altLang="en-US" dirty="0"/>
+          </a:p>
+        </p:txBody>
+      </p:sp>
+      <p:sp>
+        <p:nvSpPr>
+          <p:cNvPr id="4" name="投影片編號版面配置區 3"/>
+          <p:cNvSpPr>
+            <a:spLocks noGrp="1"/>
+          </p:cNvSpPr>
+          <p:nvPr>
+            <p:ph type="sldNum" sz="quarter" idx="5"/>
+          </p:nvPr>
+        </p:nvSpPr>
+        <p:spPr/>
+        <p:txBody>
+          <a:bodyPr/>
+          <a:lstStyle/>
+          <a:p>
+            <a:fld id="{92CD3976-0A53-43C7-A43E-A2410759C6DA}" type="slidenum">
+              <a:rPr lang="zh-TW" altLang="en-US" smtClean="0"/>
+              <a:t>2</a:t>
+            </a:fld>
+            <a:endParaRPr lang="zh-TW" altLang="en-US"/>
+          </a:p>
+        </p:txBody>
+      </p:sp>
+    </p:spTree>
+    <p:extLst>
+      <p:ext uri="{BB962C8B-B14F-4D97-AF65-F5344CB8AC3E}">
+        <p14:creationId xmlns:p14="http://schemas.microsoft.com/office/powerpoint/2010/main" val="2802520313"/>
+      </p:ext>
+    </p:extLst>
+  </p:cSld>
+  <p:clrMapOvr>
+    <a:masterClrMapping/>
+  </p:clrMapOvr>
+</p:notes>
+</file>
+
+<file path=ppt/notesSlides/notesSlide10.xml><?xml version="1.0" encoding="utf-8"?>
+<p:notes xmlns:a="http://schemas.openxmlformats.org/drawingml/2006/main" xmlns:r="http://schemas.openxmlformats.org/officeDocument/2006/relationships" xmlns:p="http://schemas.openxmlformats.org/presentationml/2006/main">
+  <p:cSld>
+    <p:spTree>
+      <p:nvGrpSpPr>
+        <p:cNvPr id="1" name=""/>
+        <p:cNvGrpSpPr/>
+        <p:nvPr/>
+      </p:nvGrpSpPr>
+      <p:grpSpPr>
+        <a:xfrm>
+          <a:off x="0" y="0"/>
+          <a:ext cx="0" cy="0"/>
+          <a:chOff x="0" y="0"/>
+          <a:chExt cx="0" cy="0"/>
+        </a:xfrm>
+      </p:grpSpPr>
+      <p:sp>
+        <p:nvSpPr>
+          <p:cNvPr id="2" name="投影片影像版面配置區 1"/>
+          <p:cNvSpPr>
+            <a:spLocks noGrp="1" noRot="1" noChangeAspect="1"/>
+          </p:cNvSpPr>
+          <p:nvPr>
+            <p:ph type="sldImg"/>
+          </p:nvPr>
+        </p:nvSpPr>
+        <p:spPr/>
+      </p:sp>
+      <p:sp>
+        <p:nvSpPr>
+          <p:cNvPr id="3" name="備忘稿版面配置區 2"/>
+          <p:cNvSpPr>
+            <a:spLocks noGrp="1"/>
+          </p:cNvSpPr>
+          <p:nvPr>
+            <p:ph type="body" idx="1"/>
+          </p:nvPr>
+        </p:nvSpPr>
+        <p:spPr/>
+        <p:txBody>
+          <a:bodyPr/>
+          <a:lstStyle/>
+          <a:p>
+            <a:r>
+              <a:rPr lang="en-US" altLang="zh-TW" dirty="0"/>
+              <a:t>3 min</a:t>
+            </a:r>
+            <a:endParaRPr lang="zh-TW" altLang="en-US" dirty="0"/>
+          </a:p>
+        </p:txBody>
+      </p:sp>
+      <p:sp>
+        <p:nvSpPr>
+          <p:cNvPr id="4" name="投影片編號版面配置區 3"/>
+          <p:cNvSpPr>
+            <a:spLocks noGrp="1"/>
+          </p:cNvSpPr>
+          <p:nvPr>
+            <p:ph type="sldNum" sz="quarter" idx="5"/>
+          </p:nvPr>
+        </p:nvSpPr>
+        <p:spPr/>
+        <p:txBody>
+          <a:bodyPr/>
+          <a:lstStyle/>
+          <a:p>
+            <a:fld id="{92CD3976-0A53-43C7-A43E-A2410759C6DA}" type="slidenum">
+              <a:rPr lang="zh-TW" altLang="en-US" smtClean="0"/>
+              <a:t>14</a:t>
+            </a:fld>
+            <a:endParaRPr lang="zh-TW" altLang="en-US"/>
+          </a:p>
+        </p:txBody>
+      </p:sp>
+    </p:spTree>
+    <p:extLst>
+      <p:ext uri="{BB962C8B-B14F-4D97-AF65-F5344CB8AC3E}">
+        <p14:creationId xmlns:p14="http://schemas.microsoft.com/office/powerpoint/2010/main" val="1148630552"/>
+      </p:ext>
+    </p:extLst>
+  </p:cSld>
+  <p:clrMapOvr>
+    <a:masterClrMapping/>
+  </p:clrMapOvr>
+</p:notes>
+</file>
+
+<file path=ppt/notesSlides/notesSlide11.xml><?xml version="1.0" encoding="utf-8"?>
+<p:notes xmlns:a="http://schemas.openxmlformats.org/drawingml/2006/main" xmlns:r="http://schemas.openxmlformats.org/officeDocument/2006/relationships" xmlns:p="http://schemas.openxmlformats.org/presentationml/2006/main">
+  <p:cSld>
+    <p:spTree>
+      <p:nvGrpSpPr>
+        <p:cNvPr id="1" name=""/>
+        <p:cNvGrpSpPr/>
+        <p:nvPr/>
+      </p:nvGrpSpPr>
+      <p:grpSpPr>
+        <a:xfrm>
+          <a:off x="0" y="0"/>
+          <a:ext cx="0" cy="0"/>
+          <a:chOff x="0" y="0"/>
+          <a:chExt cx="0" cy="0"/>
+        </a:xfrm>
+      </p:grpSpPr>
+      <p:sp>
+        <p:nvSpPr>
+          <p:cNvPr id="2" name="投影片影像版面配置區 1"/>
+          <p:cNvSpPr>
+            <a:spLocks noGrp="1" noRot="1" noChangeAspect="1"/>
+          </p:cNvSpPr>
+          <p:nvPr>
+            <p:ph type="sldImg"/>
+          </p:nvPr>
+        </p:nvSpPr>
+        <p:spPr/>
+      </p:sp>
+      <p:sp>
+        <p:nvSpPr>
+          <p:cNvPr id="3" name="備忘稿版面配置區 2"/>
+          <p:cNvSpPr>
+            <a:spLocks noGrp="1"/>
+          </p:cNvSpPr>
+          <p:nvPr>
+            <p:ph type="body" idx="1"/>
+          </p:nvPr>
+        </p:nvSpPr>
+        <p:spPr/>
+        <p:txBody>
+          <a:bodyPr/>
+          <a:lstStyle/>
+          <a:p>
+            <a:endParaRPr lang="zh-TW" altLang="en-US" dirty="0"/>
+          </a:p>
+        </p:txBody>
+      </p:sp>
+      <p:sp>
+        <p:nvSpPr>
+          <p:cNvPr id="4" name="投影片編號版面配置區 3"/>
+          <p:cNvSpPr>
+            <a:spLocks noGrp="1"/>
+          </p:cNvSpPr>
+          <p:nvPr>
+            <p:ph type="sldNum" sz="quarter" idx="5"/>
+          </p:nvPr>
+        </p:nvSpPr>
+        <p:spPr/>
+        <p:txBody>
+          <a:bodyPr/>
+          <a:lstStyle/>
+          <a:p>
+            <a:fld id="{92CD3976-0A53-43C7-A43E-A2410759C6DA}" type="slidenum">
+              <a:rPr lang="zh-TW" altLang="en-US" smtClean="0"/>
+              <a:t>17</a:t>
+            </a:fld>
+            <a:endParaRPr lang="zh-TW" altLang="en-US"/>
+          </a:p>
+        </p:txBody>
+      </p:sp>
+    </p:spTree>
+    <p:extLst>
+      <p:ext uri="{BB962C8B-B14F-4D97-AF65-F5344CB8AC3E}">
+        <p14:creationId xmlns:p14="http://schemas.microsoft.com/office/powerpoint/2010/main" val="2324604855"/>
+      </p:ext>
+    </p:extLst>
+  </p:cSld>
+  <p:clrMapOvr>
+    <a:masterClrMapping/>
+  </p:clrMapOvr>
+</p:notes>
+</file>
+
+<file path=ppt/notesSlides/notesSlide2.xml><?xml version="1.0" encoding="utf-8"?>
+<p:notes xmlns:a="http://schemas.openxmlformats.org/drawingml/2006/main" xmlns:r="http://schemas.openxmlformats.org/officeDocument/2006/relationships" xmlns:p="http://schemas.openxmlformats.org/presentationml/2006/main">
+  <p:cSld>
+    <p:spTree>
+      <p:nvGrpSpPr>
+        <p:cNvPr id="1" name=""/>
+        <p:cNvGrpSpPr/>
+        <p:nvPr/>
+      </p:nvGrpSpPr>
+      <p:grpSpPr>
+        <a:xfrm>
+          <a:off x="0" y="0"/>
+          <a:ext cx="0" cy="0"/>
+          <a:chOff x="0" y="0"/>
+          <a:chExt cx="0" cy="0"/>
+        </a:xfrm>
+      </p:grpSpPr>
+      <p:sp>
+        <p:nvSpPr>
+          <p:cNvPr id="2" name="投影片影像版面配置區 1"/>
+          <p:cNvSpPr>
+            <a:spLocks noGrp="1" noRot="1" noChangeAspect="1"/>
+          </p:cNvSpPr>
+          <p:nvPr>
+            <p:ph type="sldImg"/>
+          </p:nvPr>
+        </p:nvSpPr>
+        <p:spPr/>
+      </p:sp>
+      <p:sp>
+        <p:nvSpPr>
+          <p:cNvPr id="3" name="備忘稿版面配置區 2"/>
+          <p:cNvSpPr>
+            <a:spLocks noGrp="1"/>
+          </p:cNvSpPr>
+          <p:nvPr>
+            <p:ph type="body" idx="1"/>
+          </p:nvPr>
+        </p:nvSpPr>
+        <p:spPr/>
+        <p:txBody>
+          <a:bodyPr/>
+          <a:lstStyle/>
+          <a:p>
+            <a:r>
+              <a:rPr lang="en-US" altLang="zh-TW" dirty="0"/>
+              <a:t>3min</a:t>
+            </a:r>
+            <a:endParaRPr lang="zh-TW" altLang="en-US" dirty="0"/>
+          </a:p>
+        </p:txBody>
+      </p:sp>
+      <p:sp>
+        <p:nvSpPr>
+          <p:cNvPr id="4" name="投影片編號版面配置區 3"/>
+          <p:cNvSpPr>
+            <a:spLocks noGrp="1"/>
+          </p:cNvSpPr>
+          <p:nvPr>
+            <p:ph type="sldNum" sz="quarter" idx="5"/>
+          </p:nvPr>
+        </p:nvSpPr>
+        <p:spPr/>
+        <p:txBody>
+          <a:bodyPr/>
+          <a:lstStyle/>
+          <a:p>
+            <a:fld id="{92CD3976-0A53-43C7-A43E-A2410759C6DA}" type="slidenum">
+              <a:rPr lang="zh-TW" altLang="en-US" smtClean="0"/>
+              <a:t>3</a:t>
+            </a:fld>
+            <a:endParaRPr lang="zh-TW" altLang="en-US"/>
+          </a:p>
+        </p:txBody>
+      </p:sp>
+    </p:spTree>
+    <p:extLst>
+      <p:ext uri="{BB962C8B-B14F-4D97-AF65-F5344CB8AC3E}">
+        <p14:creationId xmlns:p14="http://schemas.microsoft.com/office/powerpoint/2010/main" val="3356446948"/>
+      </p:ext>
+    </p:extLst>
+  </p:cSld>
+  <p:clrMapOvr>
+    <a:masterClrMapping/>
+  </p:clrMapOvr>
+</p:notes>
+</file>
+
+<file path=ppt/notesSlides/notesSlide3.xml><?xml version="1.0" encoding="utf-8"?>
+<p:notes xmlns:a="http://schemas.openxmlformats.org/drawingml/2006/main" xmlns:r="http://schemas.openxmlformats.org/officeDocument/2006/relationships" xmlns:p="http://schemas.openxmlformats.org/presentationml/2006/main">
+  <p:cSld>
+    <p:spTree>
+      <p:nvGrpSpPr>
+        <p:cNvPr id="1" name=""/>
+        <p:cNvGrpSpPr/>
+        <p:nvPr/>
+      </p:nvGrpSpPr>
+      <p:grpSpPr>
+        <a:xfrm>
+          <a:off x="0" y="0"/>
+          <a:ext cx="0" cy="0"/>
+          <a:chOff x="0" y="0"/>
+          <a:chExt cx="0" cy="0"/>
+        </a:xfrm>
+      </p:grpSpPr>
+      <p:sp>
+        <p:nvSpPr>
+          <p:cNvPr id="2" name="投影片影像版面配置區 1"/>
+          <p:cNvSpPr>
+            <a:spLocks noGrp="1" noRot="1" noChangeAspect="1"/>
+          </p:cNvSpPr>
+          <p:nvPr>
+            <p:ph type="sldImg"/>
+          </p:nvPr>
+        </p:nvSpPr>
+        <p:spPr/>
+      </p:sp>
+      <p:sp>
+        <p:nvSpPr>
+          <p:cNvPr id="3" name="備忘稿版面配置區 2"/>
+          <p:cNvSpPr>
+            <a:spLocks noGrp="1"/>
+          </p:cNvSpPr>
+          <p:nvPr>
+            <p:ph type="body" idx="1"/>
+          </p:nvPr>
+        </p:nvSpPr>
+        <p:spPr/>
+        <p:txBody>
+          <a:bodyPr/>
+          <a:lstStyle/>
+          <a:p>
+            <a:r>
+              <a:rPr lang="en-US" altLang="zh-TW" dirty="0"/>
+              <a:t>1min</a:t>
+            </a:r>
+            <a:endParaRPr lang="zh-TW" altLang="en-US" dirty="0"/>
+          </a:p>
+        </p:txBody>
+      </p:sp>
+      <p:sp>
+        <p:nvSpPr>
+          <p:cNvPr id="4" name="投影片編號版面配置區 3"/>
+          <p:cNvSpPr>
+            <a:spLocks noGrp="1"/>
+          </p:cNvSpPr>
+          <p:nvPr>
+            <p:ph type="sldNum" sz="quarter" idx="5"/>
+          </p:nvPr>
+        </p:nvSpPr>
+        <p:spPr/>
+        <p:txBody>
+          <a:bodyPr/>
+          <a:lstStyle/>
+          <a:p>
+            <a:fld id="{92CD3976-0A53-43C7-A43E-A2410759C6DA}" type="slidenum">
+              <a:rPr lang="zh-TW" altLang="en-US" smtClean="0"/>
+              <a:t>4</a:t>
+            </a:fld>
+            <a:endParaRPr lang="zh-TW" altLang="en-US"/>
+          </a:p>
+        </p:txBody>
+      </p:sp>
+    </p:spTree>
+    <p:extLst>
+      <p:ext uri="{BB962C8B-B14F-4D97-AF65-F5344CB8AC3E}">
+        <p14:creationId xmlns:p14="http://schemas.microsoft.com/office/powerpoint/2010/main" val="3555930206"/>
+      </p:ext>
+    </p:extLst>
+  </p:cSld>
+  <p:clrMapOvr>
+    <a:masterClrMapping/>
+  </p:clrMapOvr>
+</p:notes>
+</file>
+
+<file path=ppt/notesSlides/notesSlide4.xml><?xml version="1.0" encoding="utf-8"?>
+<p:notes xmlns:a="http://schemas.openxmlformats.org/drawingml/2006/main" xmlns:r="http://schemas.openxmlformats.org/officeDocument/2006/relationships" xmlns:p="http://schemas.openxmlformats.org/presentationml/2006/main">
+  <p:cSld>
+    <p:spTree>
+      <p:nvGrpSpPr>
+        <p:cNvPr id="1" name=""/>
+        <p:cNvGrpSpPr/>
+        <p:nvPr/>
+      </p:nvGrpSpPr>
+      <p:grpSpPr>
+        <a:xfrm>
+          <a:off x="0" y="0"/>
+          <a:ext cx="0" cy="0"/>
+          <a:chOff x="0" y="0"/>
+          <a:chExt cx="0" cy="0"/>
+        </a:xfrm>
+      </p:grpSpPr>
+      <p:sp>
+        <p:nvSpPr>
+          <p:cNvPr id="2" name="投影片影像版面配置區 1"/>
+          <p:cNvSpPr>
+            <a:spLocks noGrp="1" noRot="1" noChangeAspect="1"/>
+          </p:cNvSpPr>
+          <p:nvPr>
+            <p:ph type="sldImg"/>
+          </p:nvPr>
+        </p:nvSpPr>
+        <p:spPr/>
+      </p:sp>
+      <p:sp>
+        <p:nvSpPr>
+          <p:cNvPr id="3" name="備忘稿版面配置區 2"/>
+          <p:cNvSpPr>
+            <a:spLocks noGrp="1"/>
+          </p:cNvSpPr>
+          <p:nvPr>
+            <p:ph type="body" idx="1"/>
+          </p:nvPr>
+        </p:nvSpPr>
+        <p:spPr/>
+        <p:txBody>
+          <a:bodyPr/>
+          <a:lstStyle/>
+          <a:p>
+            <a:r>
+              <a:rPr lang="en-US" altLang="zh-TW" dirty="0"/>
+              <a:t>3min</a:t>
             </a:r>
             <a:endParaRPr lang="zh-TW" altLang="en-US" dirty="0"/>
           </a:p>
@@ -553,7 +1021,455 @@
     </p:spTree>
     <p:extLst>
       <p:ext uri="{BB962C8B-B14F-4D97-AF65-F5344CB8AC3E}">
+        <p14:creationId xmlns:p14="http://schemas.microsoft.com/office/powerpoint/2010/main" val="449130278"/>
+      </p:ext>
+    </p:extLst>
+  </p:cSld>
+  <p:clrMapOvr>
+    <a:masterClrMapping/>
+  </p:clrMapOvr>
+</p:notes>
+</file>
+
+<file path=ppt/notesSlides/notesSlide5.xml><?xml version="1.0" encoding="utf-8"?>
+<p:notes xmlns:a="http://schemas.openxmlformats.org/drawingml/2006/main" xmlns:r="http://schemas.openxmlformats.org/officeDocument/2006/relationships" xmlns:p="http://schemas.openxmlformats.org/presentationml/2006/main">
+  <p:cSld>
+    <p:spTree>
+      <p:nvGrpSpPr>
+        <p:cNvPr id="1" name=""/>
+        <p:cNvGrpSpPr/>
+        <p:nvPr/>
+      </p:nvGrpSpPr>
+      <p:grpSpPr>
+        <a:xfrm>
+          <a:off x="0" y="0"/>
+          <a:ext cx="0" cy="0"/>
+          <a:chOff x="0" y="0"/>
+          <a:chExt cx="0" cy="0"/>
+        </a:xfrm>
+      </p:grpSpPr>
+      <p:sp>
+        <p:nvSpPr>
+          <p:cNvPr id="2" name="投影片影像版面配置區 1"/>
+          <p:cNvSpPr>
+            <a:spLocks noGrp="1" noRot="1" noChangeAspect="1"/>
+          </p:cNvSpPr>
+          <p:nvPr>
+            <p:ph type="sldImg"/>
+          </p:nvPr>
+        </p:nvSpPr>
+        <p:spPr/>
+      </p:sp>
+      <p:sp>
+        <p:nvSpPr>
+          <p:cNvPr id="3" name="備忘稿版面配置區 2"/>
+          <p:cNvSpPr>
+            <a:spLocks noGrp="1"/>
+          </p:cNvSpPr>
+          <p:nvPr>
+            <p:ph type="body" idx="1"/>
+          </p:nvPr>
+        </p:nvSpPr>
+        <p:spPr/>
+        <p:txBody>
+          <a:bodyPr/>
+          <a:lstStyle/>
+          <a:p>
+            <a:r>
+              <a:rPr lang="en-US" altLang="zh-TW" dirty="0"/>
+              <a:t>1min</a:t>
+            </a:r>
+            <a:endParaRPr lang="zh-TW" altLang="en-US" dirty="0"/>
+          </a:p>
+        </p:txBody>
+      </p:sp>
+      <p:sp>
+        <p:nvSpPr>
+          <p:cNvPr id="4" name="投影片編號版面配置區 3"/>
+          <p:cNvSpPr>
+            <a:spLocks noGrp="1"/>
+          </p:cNvSpPr>
+          <p:nvPr>
+            <p:ph type="sldNum" sz="quarter" idx="5"/>
+          </p:nvPr>
+        </p:nvSpPr>
+        <p:spPr/>
+        <p:txBody>
+          <a:bodyPr/>
+          <a:lstStyle/>
+          <a:p>
+            <a:fld id="{92CD3976-0A53-43C7-A43E-A2410759C6DA}" type="slidenum">
+              <a:rPr lang="zh-TW" altLang="en-US" smtClean="0"/>
+              <a:t>6</a:t>
+            </a:fld>
+            <a:endParaRPr lang="zh-TW" altLang="en-US"/>
+          </a:p>
+        </p:txBody>
+      </p:sp>
+    </p:spTree>
+    <p:extLst>
+      <p:ext uri="{BB962C8B-B14F-4D97-AF65-F5344CB8AC3E}">
+        <p14:creationId xmlns:p14="http://schemas.microsoft.com/office/powerpoint/2010/main" val="2020424710"/>
+      </p:ext>
+    </p:extLst>
+  </p:cSld>
+  <p:clrMapOvr>
+    <a:masterClrMapping/>
+  </p:clrMapOvr>
+</p:notes>
+</file>
+
+<file path=ppt/notesSlides/notesSlide6.xml><?xml version="1.0" encoding="utf-8"?>
+<p:notes xmlns:a="http://schemas.openxmlformats.org/drawingml/2006/main" xmlns:r="http://schemas.openxmlformats.org/officeDocument/2006/relationships" xmlns:p="http://schemas.openxmlformats.org/presentationml/2006/main">
+  <p:cSld>
+    <p:spTree>
+      <p:nvGrpSpPr>
+        <p:cNvPr id="1" name=""/>
+        <p:cNvGrpSpPr/>
+        <p:nvPr/>
+      </p:nvGrpSpPr>
+      <p:grpSpPr>
+        <a:xfrm>
+          <a:off x="0" y="0"/>
+          <a:ext cx="0" cy="0"/>
+          <a:chOff x="0" y="0"/>
+          <a:chExt cx="0" cy="0"/>
+        </a:xfrm>
+      </p:grpSpPr>
+      <p:sp>
+        <p:nvSpPr>
+          <p:cNvPr id="2" name="投影片影像版面配置區 1"/>
+          <p:cNvSpPr>
+            <a:spLocks noGrp="1" noRot="1" noChangeAspect="1"/>
+          </p:cNvSpPr>
+          <p:nvPr>
+            <p:ph type="sldImg"/>
+          </p:nvPr>
+        </p:nvSpPr>
+        <p:spPr/>
+      </p:sp>
+      <p:sp>
+        <p:nvSpPr>
+          <p:cNvPr id="3" name="備忘稿版面配置區 2"/>
+          <p:cNvSpPr>
+            <a:spLocks noGrp="1"/>
+          </p:cNvSpPr>
+          <p:nvPr>
+            <p:ph type="body" idx="1"/>
+          </p:nvPr>
+        </p:nvSpPr>
+        <p:spPr/>
+        <p:txBody>
+          <a:bodyPr/>
+          <a:lstStyle/>
+          <a:p>
+            <a:r>
+              <a:rPr lang="en-US" altLang="zh-TW" dirty="0"/>
+              <a:t>1min</a:t>
+            </a:r>
+            <a:endParaRPr lang="zh-TW" altLang="en-US" dirty="0"/>
+          </a:p>
+        </p:txBody>
+      </p:sp>
+      <p:sp>
+        <p:nvSpPr>
+          <p:cNvPr id="4" name="投影片編號版面配置區 3"/>
+          <p:cNvSpPr>
+            <a:spLocks noGrp="1"/>
+          </p:cNvSpPr>
+          <p:nvPr>
+            <p:ph type="sldNum" sz="quarter" idx="5"/>
+          </p:nvPr>
+        </p:nvSpPr>
+        <p:spPr/>
+        <p:txBody>
+          <a:bodyPr/>
+          <a:lstStyle/>
+          <a:p>
+            <a:fld id="{92CD3976-0A53-43C7-A43E-A2410759C6DA}" type="slidenum">
+              <a:rPr lang="zh-TW" altLang="en-US" smtClean="0"/>
+              <a:t>7</a:t>
+            </a:fld>
+            <a:endParaRPr lang="zh-TW" altLang="en-US"/>
+          </a:p>
+        </p:txBody>
+      </p:sp>
+    </p:spTree>
+    <p:extLst>
+      <p:ext uri="{BB962C8B-B14F-4D97-AF65-F5344CB8AC3E}">
+        <p14:creationId xmlns:p14="http://schemas.microsoft.com/office/powerpoint/2010/main" val="110870806"/>
+      </p:ext>
+    </p:extLst>
+  </p:cSld>
+  <p:clrMapOvr>
+    <a:masterClrMapping/>
+  </p:clrMapOvr>
+</p:notes>
+</file>
+
+<file path=ppt/notesSlides/notesSlide7.xml><?xml version="1.0" encoding="utf-8"?>
+<p:notes xmlns:a="http://schemas.openxmlformats.org/drawingml/2006/main" xmlns:r="http://schemas.openxmlformats.org/officeDocument/2006/relationships" xmlns:p="http://schemas.openxmlformats.org/presentationml/2006/main">
+  <p:cSld>
+    <p:spTree>
+      <p:nvGrpSpPr>
+        <p:cNvPr id="1" name=""/>
+        <p:cNvGrpSpPr/>
+        <p:nvPr/>
+      </p:nvGrpSpPr>
+      <p:grpSpPr>
+        <a:xfrm>
+          <a:off x="0" y="0"/>
+          <a:ext cx="0" cy="0"/>
+          <a:chOff x="0" y="0"/>
+          <a:chExt cx="0" cy="0"/>
+        </a:xfrm>
+      </p:grpSpPr>
+      <p:sp>
+        <p:nvSpPr>
+          <p:cNvPr id="2" name="投影片影像版面配置區 1"/>
+          <p:cNvSpPr>
+            <a:spLocks noGrp="1" noRot="1" noChangeAspect="1"/>
+          </p:cNvSpPr>
+          <p:nvPr>
+            <p:ph type="sldImg"/>
+          </p:nvPr>
+        </p:nvSpPr>
+        <p:spPr/>
+      </p:sp>
+      <p:sp>
+        <p:nvSpPr>
+          <p:cNvPr id="3" name="備忘稿版面配置區 2"/>
+          <p:cNvSpPr>
+            <a:spLocks noGrp="1"/>
+          </p:cNvSpPr>
+          <p:nvPr>
+            <p:ph type="body" idx="1"/>
+          </p:nvPr>
+        </p:nvSpPr>
+        <p:spPr/>
+        <p:txBody>
+          <a:bodyPr/>
+          <a:lstStyle/>
+          <a:p>
+            <a:r>
+              <a:rPr lang="en-US" altLang="zh-TW" dirty="0"/>
+              <a:t>Ch4 start	3min</a:t>
+            </a:r>
+            <a:endParaRPr lang="zh-TW" altLang="en-US" dirty="0"/>
+          </a:p>
+        </p:txBody>
+      </p:sp>
+      <p:sp>
+        <p:nvSpPr>
+          <p:cNvPr id="4" name="投影片編號版面配置區 3"/>
+          <p:cNvSpPr>
+            <a:spLocks noGrp="1"/>
+          </p:cNvSpPr>
+          <p:nvPr>
+            <p:ph type="sldNum" sz="quarter" idx="5"/>
+          </p:nvPr>
+        </p:nvSpPr>
+        <p:spPr/>
+        <p:txBody>
+          <a:bodyPr/>
+          <a:lstStyle/>
+          <a:p>
+            <a:fld id="{92CD3976-0A53-43C7-A43E-A2410759C6DA}" type="slidenum">
+              <a:rPr lang="zh-TW" altLang="en-US" smtClean="0"/>
+              <a:t>8</a:t>
+            </a:fld>
+            <a:endParaRPr lang="zh-TW" altLang="en-US"/>
+          </a:p>
+        </p:txBody>
+      </p:sp>
+    </p:spTree>
+    <p:extLst>
+      <p:ext uri="{BB962C8B-B14F-4D97-AF65-F5344CB8AC3E}">
         <p14:creationId xmlns:p14="http://schemas.microsoft.com/office/powerpoint/2010/main" val="3140861166"/>
+      </p:ext>
+    </p:extLst>
+  </p:cSld>
+  <p:clrMapOvr>
+    <a:masterClrMapping/>
+  </p:clrMapOvr>
+</p:notes>
+</file>
+
+<file path=ppt/notesSlides/notesSlide8.xml><?xml version="1.0" encoding="utf-8"?>
+<p:notes xmlns:a="http://schemas.openxmlformats.org/drawingml/2006/main" xmlns:r="http://schemas.openxmlformats.org/officeDocument/2006/relationships" xmlns:p="http://schemas.openxmlformats.org/presentationml/2006/main">
+  <p:cSld>
+    <p:spTree>
+      <p:nvGrpSpPr>
+        <p:cNvPr id="1" name=""/>
+        <p:cNvGrpSpPr/>
+        <p:nvPr/>
+      </p:nvGrpSpPr>
+      <p:grpSpPr>
+        <a:xfrm>
+          <a:off x="0" y="0"/>
+          <a:ext cx="0" cy="0"/>
+          <a:chOff x="0" y="0"/>
+          <a:chExt cx="0" cy="0"/>
+        </a:xfrm>
+      </p:grpSpPr>
+      <p:sp>
+        <p:nvSpPr>
+          <p:cNvPr id="2" name="投影片影像版面配置區 1"/>
+          <p:cNvSpPr>
+            <a:spLocks noGrp="1" noRot="1" noChangeAspect="1"/>
+          </p:cNvSpPr>
+          <p:nvPr>
+            <p:ph type="sldImg"/>
+          </p:nvPr>
+        </p:nvSpPr>
+        <p:spPr/>
+      </p:sp>
+      <p:sp>
+        <p:nvSpPr>
+          <p:cNvPr id="3" name="備忘稿版面配置區 2"/>
+          <p:cNvSpPr>
+            <a:spLocks noGrp="1"/>
+          </p:cNvSpPr>
+          <p:nvPr>
+            <p:ph type="body" idx="1"/>
+          </p:nvPr>
+        </p:nvSpPr>
+        <p:spPr/>
+        <p:txBody>
+          <a:bodyPr/>
+          <a:lstStyle/>
+          <a:p>
+            <a:r>
+              <a:rPr lang="en-US" altLang="zh-TW" dirty="0"/>
+              <a:t>5</a:t>
+            </a:r>
+            <a:r>
+              <a:rPr lang="zh-TW" altLang="en-US" dirty="0"/>
+              <a:t> </a:t>
+            </a:r>
+            <a:r>
+              <a:rPr lang="en-US" altLang="zh-TW" dirty="0"/>
+              <a:t>min</a:t>
+            </a:r>
+            <a:endParaRPr lang="zh-TW" altLang="en-US" dirty="0"/>
+          </a:p>
+        </p:txBody>
+      </p:sp>
+      <p:sp>
+        <p:nvSpPr>
+          <p:cNvPr id="4" name="投影片編號版面配置區 3"/>
+          <p:cNvSpPr>
+            <a:spLocks noGrp="1"/>
+          </p:cNvSpPr>
+          <p:nvPr>
+            <p:ph type="sldNum" sz="quarter" idx="5"/>
+          </p:nvPr>
+        </p:nvSpPr>
+        <p:spPr/>
+        <p:txBody>
+          <a:bodyPr/>
+          <a:lstStyle/>
+          <a:p>
+            <a:fld id="{92CD3976-0A53-43C7-A43E-A2410759C6DA}" type="slidenum">
+              <a:rPr lang="zh-TW" altLang="en-US" smtClean="0"/>
+              <a:t>10</a:t>
+            </a:fld>
+            <a:endParaRPr lang="zh-TW" altLang="en-US"/>
+          </a:p>
+        </p:txBody>
+      </p:sp>
+    </p:spTree>
+    <p:extLst>
+      <p:ext uri="{BB962C8B-B14F-4D97-AF65-F5344CB8AC3E}">
+        <p14:creationId xmlns:p14="http://schemas.microsoft.com/office/powerpoint/2010/main" val="1313177517"/>
+      </p:ext>
+    </p:extLst>
+  </p:cSld>
+  <p:clrMapOvr>
+    <a:masterClrMapping/>
+  </p:clrMapOvr>
+</p:notes>
+</file>
+
+<file path=ppt/notesSlides/notesSlide9.xml><?xml version="1.0" encoding="utf-8"?>
+<p:notes xmlns:a="http://schemas.openxmlformats.org/drawingml/2006/main" xmlns:r="http://schemas.openxmlformats.org/officeDocument/2006/relationships" xmlns:p="http://schemas.openxmlformats.org/presentationml/2006/main">
+  <p:cSld>
+    <p:spTree>
+      <p:nvGrpSpPr>
+        <p:cNvPr id="1" name=""/>
+        <p:cNvGrpSpPr/>
+        <p:nvPr/>
+      </p:nvGrpSpPr>
+      <p:grpSpPr>
+        <a:xfrm>
+          <a:off x="0" y="0"/>
+          <a:ext cx="0" cy="0"/>
+          <a:chOff x="0" y="0"/>
+          <a:chExt cx="0" cy="0"/>
+        </a:xfrm>
+      </p:grpSpPr>
+      <p:sp>
+        <p:nvSpPr>
+          <p:cNvPr id="2" name="投影片影像版面配置區 1"/>
+          <p:cNvSpPr>
+            <a:spLocks noGrp="1" noRot="1" noChangeAspect="1"/>
+          </p:cNvSpPr>
+          <p:nvPr>
+            <p:ph type="sldImg"/>
+          </p:nvPr>
+        </p:nvSpPr>
+        <p:spPr/>
+      </p:sp>
+      <p:sp>
+        <p:nvSpPr>
+          <p:cNvPr id="3" name="備忘稿版面配置區 2"/>
+          <p:cNvSpPr>
+            <a:spLocks noGrp="1"/>
+          </p:cNvSpPr>
+          <p:nvPr>
+            <p:ph type="body" idx="1"/>
+          </p:nvPr>
+        </p:nvSpPr>
+        <p:spPr/>
+        <p:txBody>
+          <a:bodyPr/>
+          <a:lstStyle/>
+          <a:p>
+            <a:r>
+              <a:rPr lang="en-US" altLang="zh-TW" dirty="0"/>
+              <a:t>5 min</a:t>
+            </a:r>
+            <a:endParaRPr lang="zh-TW" altLang="en-US" dirty="0"/>
+          </a:p>
+        </p:txBody>
+      </p:sp>
+      <p:sp>
+        <p:nvSpPr>
+          <p:cNvPr id="4" name="投影片編號版面配置區 3"/>
+          <p:cNvSpPr>
+            <a:spLocks noGrp="1"/>
+          </p:cNvSpPr>
+          <p:nvPr>
+            <p:ph type="sldNum" sz="quarter" idx="5"/>
+          </p:nvPr>
+        </p:nvSpPr>
+        <p:spPr/>
+        <p:txBody>
+          <a:bodyPr/>
+          <a:lstStyle/>
+          <a:p>
+            <a:fld id="{92CD3976-0A53-43C7-A43E-A2410759C6DA}" type="slidenum">
+              <a:rPr lang="zh-TW" altLang="en-US" smtClean="0"/>
+              <a:t>12</a:t>
+            </a:fld>
+            <a:endParaRPr lang="zh-TW" altLang="en-US"/>
+          </a:p>
+        </p:txBody>
+      </p:sp>
+    </p:spTree>
+    <p:extLst>
+      <p:ext uri="{BB962C8B-B14F-4D97-AF65-F5344CB8AC3E}">
+        <p14:creationId xmlns:p14="http://schemas.microsoft.com/office/powerpoint/2010/main" val="3385840312"/>
       </p:ext>
     </p:extLst>
   </p:cSld>
@@ -710,7 +1626,7 @@
           <a:p>
             <a:fld id="{EC09F29B-51DF-41BF-B9C1-3A09295E2F91}" type="datetimeFigureOut">
               <a:rPr lang="zh-TW" altLang="en-US" smtClean="0"/>
-              <a:t>2022/3/1</a:t>
+              <a:t>2022/3/2</a:t>
             </a:fld>
             <a:endParaRPr lang="zh-TW" altLang="en-US"/>
           </a:p>
@@ -908,7 +1824,7 @@
           <a:p>
             <a:fld id="{EC09F29B-51DF-41BF-B9C1-3A09295E2F91}" type="datetimeFigureOut">
               <a:rPr lang="zh-TW" altLang="en-US" smtClean="0"/>
-              <a:t>2022/3/1</a:t>
+              <a:t>2022/3/2</a:t>
             </a:fld>
             <a:endParaRPr lang="zh-TW" altLang="en-US"/>
           </a:p>
@@ -1116,7 +2032,7 @@
           <a:p>
             <a:fld id="{EC09F29B-51DF-41BF-B9C1-3A09295E2F91}" type="datetimeFigureOut">
               <a:rPr lang="zh-TW" altLang="en-US" smtClean="0"/>
-              <a:t>2022/3/1</a:t>
+              <a:t>2022/3/2</a:t>
             </a:fld>
             <a:endParaRPr lang="zh-TW" altLang="en-US"/>
           </a:p>
@@ -1314,7 +2230,7 @@
           <a:p>
             <a:fld id="{EC09F29B-51DF-41BF-B9C1-3A09295E2F91}" type="datetimeFigureOut">
               <a:rPr lang="zh-TW" altLang="en-US" smtClean="0"/>
-              <a:t>2022/3/1</a:t>
+              <a:t>2022/3/2</a:t>
             </a:fld>
             <a:endParaRPr lang="zh-TW" altLang="en-US"/>
           </a:p>
@@ -1589,7 +2505,7 @@
           <a:p>
             <a:fld id="{EC09F29B-51DF-41BF-B9C1-3A09295E2F91}" type="datetimeFigureOut">
               <a:rPr lang="zh-TW" altLang="en-US" smtClean="0"/>
-              <a:t>2022/3/1</a:t>
+              <a:t>2022/3/2</a:t>
             </a:fld>
             <a:endParaRPr lang="zh-TW" altLang="en-US"/>
           </a:p>
@@ -1854,7 +2770,7 @@
           <a:p>
             <a:fld id="{EC09F29B-51DF-41BF-B9C1-3A09295E2F91}" type="datetimeFigureOut">
               <a:rPr lang="zh-TW" altLang="en-US" smtClean="0"/>
-              <a:t>2022/3/1</a:t>
+              <a:t>2022/3/2</a:t>
             </a:fld>
             <a:endParaRPr lang="zh-TW" altLang="en-US"/>
           </a:p>
@@ -2266,7 +3182,7 @@
           <a:p>
             <a:fld id="{EC09F29B-51DF-41BF-B9C1-3A09295E2F91}" type="datetimeFigureOut">
               <a:rPr lang="zh-TW" altLang="en-US" smtClean="0"/>
-              <a:t>2022/3/1</a:t>
+              <a:t>2022/3/2</a:t>
             </a:fld>
             <a:endParaRPr lang="zh-TW" altLang="en-US"/>
           </a:p>
@@ -2407,7 +3323,7 @@
           <a:p>
             <a:fld id="{EC09F29B-51DF-41BF-B9C1-3A09295E2F91}" type="datetimeFigureOut">
               <a:rPr lang="zh-TW" altLang="en-US" smtClean="0"/>
-              <a:t>2022/3/1</a:t>
+              <a:t>2022/3/2</a:t>
             </a:fld>
             <a:endParaRPr lang="zh-TW" altLang="en-US"/>
           </a:p>
@@ -2520,7 +3436,7 @@
           <a:p>
             <a:fld id="{EC09F29B-51DF-41BF-B9C1-3A09295E2F91}" type="datetimeFigureOut">
               <a:rPr lang="zh-TW" altLang="en-US" smtClean="0"/>
-              <a:t>2022/3/1</a:t>
+              <a:t>2022/3/2</a:t>
             </a:fld>
             <a:endParaRPr lang="zh-TW" altLang="en-US"/>
           </a:p>
@@ -2831,7 +3747,7 @@
           <a:p>
             <a:fld id="{EC09F29B-51DF-41BF-B9C1-3A09295E2F91}" type="datetimeFigureOut">
               <a:rPr lang="zh-TW" altLang="en-US" smtClean="0"/>
-              <a:t>2022/3/1</a:t>
+              <a:t>2022/3/2</a:t>
             </a:fld>
             <a:endParaRPr lang="zh-TW" altLang="en-US"/>
           </a:p>
@@ -3119,7 +4035,7 @@
           <a:p>
             <a:fld id="{EC09F29B-51DF-41BF-B9C1-3A09295E2F91}" type="datetimeFigureOut">
               <a:rPr lang="zh-TW" altLang="en-US" smtClean="0"/>
-              <a:t>2022/3/1</a:t>
+              <a:t>2022/3/2</a:t>
             </a:fld>
             <a:endParaRPr lang="zh-TW" altLang="en-US"/>
           </a:p>
@@ -3360,7 +4276,7 @@
           <a:p>
             <a:fld id="{EC09F29B-51DF-41BF-B9C1-3A09295E2F91}" type="datetimeFigureOut">
               <a:rPr lang="zh-TW" altLang="en-US" smtClean="0"/>
-              <a:t>2022/3/1</a:t>
+              <a:t>2022/3/2</a:t>
             </a:fld>
             <a:endParaRPr lang="zh-TW" altLang="en-US"/>
           </a:p>
@@ -3900,56 +4816,10 @@
       </p:grpSpPr>
       <p:sp>
         <p:nvSpPr>
-          <p:cNvPr id="6" name="矩形 5">
-            <a:extLst>
-              <a:ext uri="{FF2B5EF4-FFF2-40B4-BE49-F238E27FC236}">
-                <a16:creationId xmlns:a16="http://schemas.microsoft.com/office/drawing/2014/main" id="{AC2BB906-024B-4DDA-879E-E9A840FE6BFD}"/>
-              </a:ext>
-            </a:extLst>
-          </p:cNvPr>
-          <p:cNvSpPr/>
-          <p:nvPr/>
-        </p:nvSpPr>
-        <p:spPr>
-          <a:xfrm>
-            <a:off x="0" y="3331027"/>
-            <a:ext cx="12192000" cy="3247151"/>
-          </a:xfrm>
-          <a:prstGeom prst="rect">
-            <a:avLst/>
-          </a:prstGeom>
-        </p:spPr>
-        <p:style>
-          <a:lnRef idx="2">
-            <a:schemeClr val="accent1">
-              <a:shade val="50000"/>
-            </a:schemeClr>
-          </a:lnRef>
-          <a:fillRef idx="1">
-            <a:schemeClr val="accent1"/>
-          </a:fillRef>
-          <a:effectRef idx="0">
-            <a:schemeClr val="accent1"/>
-          </a:effectRef>
-          <a:fontRef idx="minor">
-            <a:schemeClr val="lt1"/>
-          </a:fontRef>
-        </p:style>
-        <p:txBody>
-          <a:bodyPr rtlCol="0" anchor="ctr"/>
-          <a:lstStyle/>
-          <a:p>
-            <a:pPr algn="ctr"/>
-            <a:endParaRPr lang="zh-TW" altLang="en-US"/>
-          </a:p>
-        </p:txBody>
-      </p:sp>
-      <p:sp>
-        <p:nvSpPr>
           <p:cNvPr id="2" name="標題 1">
             <a:extLst>
               <a:ext uri="{FF2B5EF4-FFF2-40B4-BE49-F238E27FC236}">
-                <a16:creationId xmlns:a16="http://schemas.microsoft.com/office/drawing/2014/main" id="{A8FFCE8C-B089-4656-B078-6ADF70056D7B}"/>
+                <a16:creationId xmlns:a16="http://schemas.microsoft.com/office/drawing/2014/main" id="{BBDC850C-14B7-485D-9388-4FF40363D8F5}"/>
               </a:ext>
             </a:extLst>
           </p:cNvPr>
@@ -3972,7 +4842,7 @@
             </a:r>
             <a:r>
               <a:rPr lang="en-US" altLang="zh-TW" dirty="0"/>
-              <a:t>3</a:t>
+              <a:t>1 </a:t>
             </a:r>
             <a:endParaRPr lang="zh-TW" altLang="en-US" dirty="0"/>
           </a:p>
@@ -3983,7 +4853,7 @@
           <p:cNvPr id="3" name="內容版面配置區 2">
             <a:extLst>
               <a:ext uri="{FF2B5EF4-FFF2-40B4-BE49-F238E27FC236}">
-                <a16:creationId xmlns:a16="http://schemas.microsoft.com/office/drawing/2014/main" id="{FC99FA85-CAB0-4670-AC37-D7648D169FD6}"/>
+                <a16:creationId xmlns:a16="http://schemas.microsoft.com/office/drawing/2014/main" id="{13D69E0B-307A-4413-920F-259C70B1B856}"/>
               </a:ext>
             </a:extLst>
           </p:cNvPr>
@@ -3997,76 +4867,58 @@
         <p:spPr/>
         <p:txBody>
           <a:bodyPr>
-            <a:normAutofit/>
+            <a:normAutofit fontScale="92500"/>
           </a:bodyPr>
           <a:lstStyle/>
           <a:p>
             <a:r>
-              <a:rPr lang="zh-TW" altLang="en-US" sz="4400" dirty="0"/>
-              <a:t>輸出九九乘法表 </a:t>
-            </a:r>
+              <a:rPr lang="zh-TW" altLang="en-US" sz="5400" dirty="0"/>
+              <a:t> 每隔一秒發出一聲，並將次數輸出</a:t>
+            </a:r>
+            <a:endParaRPr lang="en-US" altLang="zh-TW" sz="5400" dirty="0"/>
+          </a:p>
+          <a:p>
+            <a:endParaRPr lang="en-US" altLang="zh-TW" sz="5400" dirty="0"/>
+          </a:p>
+          <a:p>
+            <a:r>
+              <a:rPr lang="en-US" altLang="zh-TW" sz="5400" dirty="0"/>
+              <a:t>Hint: </a:t>
+            </a:r>
+          </a:p>
+          <a:p>
+            <a:pPr marL="0" indent="0">
+              <a:buNone/>
+            </a:pPr>
+            <a:r>
+              <a:rPr lang="en-US" altLang="zh-TW" sz="5400" dirty="0"/>
+              <a:t>		\a </a:t>
+            </a:r>
+          </a:p>
+          <a:p>
+            <a:pPr marL="0" indent="0">
+              <a:buNone/>
+            </a:pPr>
             <a:r>
               <a:rPr lang="en-US" altLang="zh-TW" sz="4400" dirty="0"/>
-              <a:t>(</a:t>
-            </a:r>
-            <a:r>
-              <a:rPr lang="zh-TW" altLang="en-US" sz="4400" dirty="0"/>
-              <a:t>要整齊</a:t>
+              <a:t>		Sleep() 		// #include &lt;</a:t>
+            </a:r>
+            <a:r>
+              <a:rPr lang="en-US" altLang="zh-TW" sz="4400" dirty="0" err="1"/>
+              <a:t>windows.h</a:t>
             </a:r>
             <a:r>
               <a:rPr lang="en-US" altLang="zh-TW" sz="4400" dirty="0"/>
-              <a:t>)</a:t>
-            </a:r>
-          </a:p>
-          <a:p>
-            <a:r>
-              <a:rPr lang="en-US" altLang="zh-TW" sz="4400" dirty="0"/>
-              <a:t>Hint: \t</a:t>
+              <a:t>&gt;</a:t>
             </a:r>
             <a:endParaRPr lang="zh-TW" altLang="en-US" sz="4400" dirty="0"/>
           </a:p>
         </p:txBody>
       </p:sp>
-      <p:pic>
-        <p:nvPicPr>
-          <p:cNvPr id="5" name="圖片 4">
-            <a:extLst>
-              <a:ext uri="{FF2B5EF4-FFF2-40B4-BE49-F238E27FC236}">
-                <a16:creationId xmlns:a16="http://schemas.microsoft.com/office/drawing/2014/main" id="{DE1C86E2-48C2-4006-8674-6B4515ED1DEC}"/>
-              </a:ext>
-            </a:extLst>
-          </p:cNvPr>
-          <p:cNvPicPr>
-            <a:picLocks noChangeAspect="1"/>
-          </p:cNvPicPr>
-          <p:nvPr/>
-        </p:nvPicPr>
-        <p:blipFill>
-          <a:blip r:embed="rId2">
-            <a:extLst>
-              <a:ext uri="{28A0092B-C50C-407E-A947-70E740481C1C}">
-                <a14:useLocalDpi xmlns:a14="http://schemas.microsoft.com/office/drawing/2010/main" val="0"/>
-              </a:ext>
-            </a:extLst>
-          </a:blip>
-          <a:stretch>
-            <a:fillRect/>
-          </a:stretch>
-        </p:blipFill>
-        <p:spPr>
-          <a:xfrm>
-            <a:off x="0" y="3456972"/>
-            <a:ext cx="12192000" cy="3065220"/>
-          </a:xfrm>
-          <a:prstGeom prst="rect">
-            <a:avLst/>
-          </a:prstGeom>
-        </p:spPr>
-      </p:pic>
     </p:spTree>
     <p:extLst>
       <p:ext uri="{BB962C8B-B14F-4D97-AF65-F5344CB8AC3E}">
-        <p14:creationId xmlns:p14="http://schemas.microsoft.com/office/powerpoint/2010/main" val="2361564690"/>
+        <p14:creationId xmlns:p14="http://schemas.microsoft.com/office/powerpoint/2010/main" val="1126798484"/>
       </p:ext>
     </p:extLst>
   </p:cSld>
@@ -4098,7 +4950,7 @@
           <p:cNvPr id="2" name="標題 1">
             <a:extLst>
               <a:ext uri="{FF2B5EF4-FFF2-40B4-BE49-F238E27FC236}">
-                <a16:creationId xmlns:a16="http://schemas.microsoft.com/office/drawing/2014/main" id="{B790A085-2924-409A-BA2C-20FD5B2B5B30}"/>
+                <a16:creationId xmlns:a16="http://schemas.microsoft.com/office/drawing/2014/main" id="{290D711A-62CB-47E2-9B28-020734B8DC0D}"/>
               </a:ext>
             </a:extLst>
           </p:cNvPr>
@@ -4120,10 +4972,10 @@
       </p:sp>
       <p:pic>
         <p:nvPicPr>
-          <p:cNvPr id="5" name="內容版面配置區 4">
-            <a:extLst>
-              <a:ext uri="{FF2B5EF4-FFF2-40B4-BE49-F238E27FC236}">
-                <a16:creationId xmlns:a16="http://schemas.microsoft.com/office/drawing/2014/main" id="{3012BB94-1128-471B-9D71-B159B61DE2E3}"/>
+          <p:cNvPr id="6" name="內容版面配置區 5">
+            <a:extLst>
+              <a:ext uri="{FF2B5EF4-FFF2-40B4-BE49-F238E27FC236}">
+                <a16:creationId xmlns:a16="http://schemas.microsoft.com/office/drawing/2014/main" id="{2CA7E585-E53B-4188-B104-09D4899E79D3}"/>
               </a:ext>
             </a:extLst>
           </p:cNvPr>
@@ -4148,15 +5000,15 @@
         </p:blipFill>
         <p:spPr>
           <a:xfrm>
-            <a:off x="317128" y="809244"/>
-            <a:ext cx="11557744" cy="5239511"/>
+            <a:off x="1586415" y="286073"/>
+            <a:ext cx="9255755" cy="6417324"/>
           </a:xfrm>
         </p:spPr>
       </p:pic>
     </p:spTree>
     <p:extLst>
       <p:ext uri="{BB962C8B-B14F-4D97-AF65-F5344CB8AC3E}">
-        <p14:creationId xmlns:p14="http://schemas.microsoft.com/office/powerpoint/2010/main" val="2141050869"/>
+        <p14:creationId xmlns:p14="http://schemas.microsoft.com/office/powerpoint/2010/main" val="898997775"/>
       </p:ext>
     </p:extLst>
   </p:cSld>
@@ -4185,992 +5037,6 @@
       </p:grpSpPr>
       <p:sp>
         <p:nvSpPr>
-          <p:cNvPr id="2" name="標題 1">
-            <a:extLst>
-              <a:ext uri="{FF2B5EF4-FFF2-40B4-BE49-F238E27FC236}">
-                <a16:creationId xmlns:a16="http://schemas.microsoft.com/office/drawing/2014/main" id="{F1CF88BB-B563-4AB7-91DA-6E9973D3A0A0}"/>
-              </a:ext>
-            </a:extLst>
-          </p:cNvPr>
-          <p:cNvSpPr>
-            <a:spLocks noGrp="1"/>
-          </p:cNvSpPr>
-          <p:nvPr>
-            <p:ph type="title"/>
-          </p:nvPr>
-        </p:nvSpPr>
-        <p:spPr/>
-        <p:txBody>
-          <a:bodyPr/>
-          <a:lstStyle/>
-          <a:p>
-            <a:r>
-              <a:rPr lang="en-US" altLang="zh-TW" dirty="0" err="1"/>
-              <a:t>ing</a:t>
-            </a:r>
-            <a:endParaRPr lang="zh-TW" altLang="en-US" dirty="0"/>
-          </a:p>
-        </p:txBody>
-      </p:sp>
-      <p:sp>
-        <p:nvSpPr>
-          <p:cNvPr id="3" name="內容版面配置區 2">
-            <a:extLst>
-              <a:ext uri="{FF2B5EF4-FFF2-40B4-BE49-F238E27FC236}">
-                <a16:creationId xmlns:a16="http://schemas.microsoft.com/office/drawing/2014/main" id="{80229FC3-6305-411F-8D8C-FC4B5CFD750E}"/>
-              </a:ext>
-            </a:extLst>
-          </p:cNvPr>
-          <p:cNvSpPr>
-            <a:spLocks noGrp="1"/>
-          </p:cNvSpPr>
-          <p:nvPr>
-            <p:ph idx="1"/>
-          </p:nvPr>
-        </p:nvSpPr>
-        <p:spPr/>
-        <p:txBody>
-          <a:bodyPr/>
-          <a:lstStyle/>
-          <a:p>
-            <a:r>
-              <a:rPr lang="zh-TW" altLang="en-US" dirty="0"/>
-              <a:t>雙</a:t>
-            </a:r>
-            <a:r>
-              <a:rPr lang="en-US" altLang="zh-TW" dirty="0"/>
-              <a:t>for</a:t>
-            </a:r>
-          </a:p>
-          <a:p>
-            <a:r>
-              <a:rPr lang="zh-TW" altLang="en-US" dirty="0"/>
-              <a:t>作業</a:t>
-            </a:r>
-          </a:p>
-        </p:txBody>
-      </p:sp>
-    </p:spTree>
-    <p:extLst>
-      <p:ext uri="{BB962C8B-B14F-4D97-AF65-F5344CB8AC3E}">
-        <p14:creationId xmlns:p14="http://schemas.microsoft.com/office/powerpoint/2010/main" val="4254108089"/>
-      </p:ext>
-    </p:extLst>
-  </p:cSld>
-  <p:clrMapOvr>
-    <a:masterClrMapping/>
-  </p:clrMapOvr>
-</p:sld>
-</file>
-
-<file path=ppt/slides/slide2.xml><?xml version="1.0" encoding="utf-8"?>
-<p:sld xmlns:a="http://schemas.openxmlformats.org/drawingml/2006/main" xmlns:r="http://schemas.openxmlformats.org/officeDocument/2006/relationships" xmlns:p="http://schemas.openxmlformats.org/presentationml/2006/main">
-  <p:cSld>
-    <p:spTree>
-      <p:nvGrpSpPr>
-        <p:cNvPr id="1" name=""/>
-        <p:cNvGrpSpPr/>
-        <p:nvPr/>
-      </p:nvGrpSpPr>
-      <p:grpSpPr>
-        <a:xfrm>
-          <a:off x="0" y="0"/>
-          <a:ext cx="0" cy="0"/>
-          <a:chOff x="0" y="0"/>
-          <a:chExt cx="0" cy="0"/>
-        </a:xfrm>
-      </p:grpSpPr>
-      <p:sp>
-        <p:nvSpPr>
-          <p:cNvPr id="2" name="標題 1">
-            <a:extLst>
-              <a:ext uri="{FF2B5EF4-FFF2-40B4-BE49-F238E27FC236}">
-                <a16:creationId xmlns:a16="http://schemas.microsoft.com/office/drawing/2014/main" id="{0B845E76-B1EF-42B5-B001-FE9F0F869CD5}"/>
-              </a:ext>
-            </a:extLst>
-          </p:cNvPr>
-          <p:cNvSpPr>
-            <a:spLocks noGrp="1"/>
-          </p:cNvSpPr>
-          <p:nvPr>
-            <p:ph type="title"/>
-          </p:nvPr>
-        </p:nvSpPr>
-        <p:spPr/>
-        <p:txBody>
-          <a:bodyPr>
-            <a:normAutofit/>
-          </a:bodyPr>
-          <a:lstStyle/>
-          <a:p>
-            <a:pPr algn="ctr"/>
-            <a:r>
-              <a:rPr lang="zh-TW" altLang="en-US" sz="6600" dirty="0"/>
-              <a:t>溢位</a:t>
-            </a:r>
-          </a:p>
-        </p:txBody>
-      </p:sp>
-      <p:sp>
-        <p:nvSpPr>
-          <p:cNvPr id="3" name="內容版面配置區 2">
-            <a:extLst>
-              <a:ext uri="{FF2B5EF4-FFF2-40B4-BE49-F238E27FC236}">
-                <a16:creationId xmlns:a16="http://schemas.microsoft.com/office/drawing/2014/main" id="{97C454DC-2FCD-41D7-9FB6-576740985FD4}"/>
-              </a:ext>
-            </a:extLst>
-          </p:cNvPr>
-          <p:cNvSpPr>
-            <a:spLocks noGrp="1"/>
-          </p:cNvSpPr>
-          <p:nvPr>
-            <p:ph idx="1"/>
-          </p:nvPr>
-        </p:nvSpPr>
-        <p:spPr/>
-        <p:txBody>
-          <a:bodyPr>
-            <a:normAutofit fontScale="70000" lnSpcReduction="20000"/>
-          </a:bodyPr>
-          <a:lstStyle/>
-          <a:p>
-            <a:r>
-              <a:rPr lang="en-US" altLang="zh-TW" sz="6400" dirty="0"/>
-              <a:t>(2^4) </a:t>
-            </a:r>
-            <a:r>
-              <a:rPr lang="zh-TW" altLang="en-US" sz="6400" dirty="0"/>
-              <a:t>* </a:t>
-            </a:r>
-            <a:r>
-              <a:rPr lang="en-US" altLang="zh-TW" sz="6400" dirty="0"/>
-              <a:t>(2^8) = 4294967296</a:t>
-            </a:r>
-          </a:p>
-          <a:p>
-            <a:pPr marL="0" indent="0">
-              <a:buNone/>
-            </a:pPr>
-            <a:r>
-              <a:rPr lang="en-US" altLang="zh-TW" sz="6400" dirty="0"/>
-              <a:t>   Int	   byte</a:t>
-            </a:r>
-          </a:p>
-          <a:p>
-            <a:endParaRPr lang="en-US" altLang="zh-TW" sz="6400" dirty="0"/>
-          </a:p>
-          <a:p>
-            <a:endParaRPr lang="en-US" altLang="zh-TW" sz="6400" dirty="0"/>
-          </a:p>
-          <a:p>
-            <a:r>
-              <a:rPr lang="zh-TW" altLang="en-US" sz="6400" dirty="0"/>
-              <a:t>有號整數</a:t>
-            </a:r>
-            <a:r>
-              <a:rPr lang="en-US" altLang="zh-TW" sz="6400" dirty="0"/>
-              <a:t>(</a:t>
-            </a:r>
-            <a:r>
-              <a:rPr lang="en-US" altLang="zh-TW" sz="6400" dirty="0">
-                <a:solidFill>
-                  <a:schemeClr val="accent1">
-                    <a:lumMod val="60000"/>
-                    <a:lumOff val="40000"/>
-                  </a:schemeClr>
-                </a:solidFill>
-              </a:rPr>
-              <a:t>int</a:t>
-            </a:r>
-            <a:r>
-              <a:rPr lang="en-US" altLang="zh-TW" sz="6400" dirty="0"/>
-              <a:t>)</a:t>
-            </a:r>
-            <a:r>
-              <a:rPr lang="zh-TW" altLang="en-US" sz="6400" dirty="0"/>
-              <a:t> </a:t>
-            </a:r>
-            <a:r>
-              <a:rPr lang="en-US" altLang="zh-TW" sz="6400" dirty="0"/>
-              <a:t>-2147483648 ~</a:t>
-            </a:r>
-            <a:r>
-              <a:rPr lang="zh-TW" altLang="en-US" sz="6400" dirty="0"/>
-              <a:t> </a:t>
-            </a:r>
-            <a:r>
-              <a:rPr lang="en-US" altLang="zh-TW" sz="6400" dirty="0"/>
-              <a:t>2147483647</a:t>
-            </a:r>
-          </a:p>
-          <a:p>
-            <a:endParaRPr lang="en-US" altLang="zh-TW" sz="6400" dirty="0"/>
-          </a:p>
-          <a:p>
-            <a:r>
-              <a:rPr lang="zh-TW" altLang="en-US" sz="6400" dirty="0"/>
-              <a:t>無號整數</a:t>
-            </a:r>
-            <a:r>
-              <a:rPr lang="en-US" altLang="zh-TW" sz="6400" dirty="0"/>
-              <a:t>(</a:t>
-            </a:r>
-            <a:r>
-              <a:rPr lang="en-US" altLang="zh-TW" sz="6400" dirty="0">
-                <a:solidFill>
-                  <a:schemeClr val="accent1">
-                    <a:lumMod val="60000"/>
-                    <a:lumOff val="40000"/>
-                  </a:schemeClr>
-                </a:solidFill>
-              </a:rPr>
-              <a:t>unsinged int</a:t>
-            </a:r>
-            <a:r>
-              <a:rPr lang="en-US" altLang="zh-TW" sz="6400" dirty="0"/>
-              <a:t>)</a:t>
-            </a:r>
-            <a:r>
-              <a:rPr lang="zh-TW" altLang="en-US" sz="6400" dirty="0"/>
-              <a:t> </a:t>
-            </a:r>
-            <a:r>
-              <a:rPr lang="en-US" altLang="zh-TW" sz="6400" dirty="0"/>
-              <a:t>0 ~</a:t>
-            </a:r>
-            <a:r>
-              <a:rPr lang="en-US" altLang="zh-TW" sz="4800" dirty="0"/>
-              <a:t> </a:t>
-            </a:r>
-            <a:r>
-              <a:rPr lang="en-US" altLang="zh-TW" sz="6300" dirty="0"/>
-              <a:t>4294967295</a:t>
-            </a:r>
-          </a:p>
-          <a:p>
-            <a:endParaRPr lang="en-US" altLang="zh-TW" sz="4800" dirty="0"/>
-          </a:p>
-          <a:p>
-            <a:pPr marL="0" indent="0">
-              <a:buNone/>
-            </a:pPr>
-            <a:endParaRPr lang="zh-TW" altLang="en-US" sz="4800" dirty="0"/>
-          </a:p>
-        </p:txBody>
-      </p:sp>
-    </p:spTree>
-    <p:extLst>
-      <p:ext uri="{BB962C8B-B14F-4D97-AF65-F5344CB8AC3E}">
-        <p14:creationId xmlns:p14="http://schemas.microsoft.com/office/powerpoint/2010/main" val="3973931120"/>
-      </p:ext>
-    </p:extLst>
-  </p:cSld>
-  <p:clrMapOvr>
-    <a:masterClrMapping/>
-  </p:clrMapOvr>
-</p:sld>
-</file>
-
-<file path=ppt/slides/slide3.xml><?xml version="1.0" encoding="utf-8"?>
-<p:sld xmlns:a="http://schemas.openxmlformats.org/drawingml/2006/main" xmlns:r="http://schemas.openxmlformats.org/officeDocument/2006/relationships" xmlns:p="http://schemas.openxmlformats.org/presentationml/2006/main">
-  <p:cSld>
-    <p:spTree>
-      <p:nvGrpSpPr>
-        <p:cNvPr id="1" name=""/>
-        <p:cNvGrpSpPr/>
-        <p:nvPr/>
-      </p:nvGrpSpPr>
-      <p:grpSpPr>
-        <a:xfrm>
-          <a:off x="0" y="0"/>
-          <a:ext cx="0" cy="0"/>
-          <a:chOff x="0" y="0"/>
-          <a:chExt cx="0" cy="0"/>
-        </a:xfrm>
-      </p:grpSpPr>
-      <p:sp>
-        <p:nvSpPr>
-          <p:cNvPr id="2" name="標題 1">
-            <a:extLst>
-              <a:ext uri="{FF2B5EF4-FFF2-40B4-BE49-F238E27FC236}">
-                <a16:creationId xmlns:a16="http://schemas.microsoft.com/office/drawing/2014/main" id="{9036F4CD-BFD1-4563-AD3D-0BE79BFB5D94}"/>
-              </a:ext>
-            </a:extLst>
-          </p:cNvPr>
-          <p:cNvSpPr>
-            <a:spLocks noGrp="1"/>
-          </p:cNvSpPr>
-          <p:nvPr>
-            <p:ph type="title"/>
-          </p:nvPr>
-        </p:nvSpPr>
-        <p:spPr/>
-        <p:txBody>
-          <a:bodyPr/>
-          <a:lstStyle/>
-          <a:p>
-            <a:endParaRPr lang="zh-TW" altLang="en-US"/>
-          </a:p>
-        </p:txBody>
-      </p:sp>
-      <p:pic>
-        <p:nvPicPr>
-          <p:cNvPr id="5" name="內容版面配置區 4">
-            <a:extLst>
-              <a:ext uri="{FF2B5EF4-FFF2-40B4-BE49-F238E27FC236}">
-                <a16:creationId xmlns:a16="http://schemas.microsoft.com/office/drawing/2014/main" id="{E5C8BC13-DC50-4CBB-8C8B-5AD9A6E18054}"/>
-              </a:ext>
-            </a:extLst>
-          </p:cNvPr>
-          <p:cNvPicPr>
-            <a:picLocks noGrp="1" noChangeAspect="1"/>
-          </p:cNvPicPr>
-          <p:nvPr>
-            <p:ph idx="1"/>
-          </p:nvPr>
-        </p:nvPicPr>
-        <p:blipFill>
-          <a:blip r:embed="rId2">
-            <a:extLst>
-              <a:ext uri="{28A0092B-C50C-407E-A947-70E740481C1C}">
-                <a14:useLocalDpi xmlns:a14="http://schemas.microsoft.com/office/drawing/2010/main" val="0"/>
-              </a:ext>
-            </a:extLst>
-          </a:blip>
-          <a:stretch>
-            <a:fillRect/>
-          </a:stretch>
-        </p:blipFill>
-        <p:spPr>
-          <a:xfrm>
-            <a:off x="9331" y="587829"/>
-            <a:ext cx="12163748" cy="5253135"/>
-          </a:xfrm>
-        </p:spPr>
-      </p:pic>
-      <p:sp>
-        <p:nvSpPr>
-          <p:cNvPr id="6" name="文字方塊 5">
-            <a:extLst>
-              <a:ext uri="{FF2B5EF4-FFF2-40B4-BE49-F238E27FC236}">
-                <a16:creationId xmlns:a16="http://schemas.microsoft.com/office/drawing/2014/main" id="{992EB8F3-1105-4A06-909F-B8FADCA1FFD6}"/>
-              </a:ext>
-            </a:extLst>
-          </p:cNvPr>
-          <p:cNvSpPr txBox="1"/>
-          <p:nvPr/>
-        </p:nvSpPr>
-        <p:spPr>
-          <a:xfrm>
-            <a:off x="139960" y="6308209"/>
-            <a:ext cx="4081245" cy="369332"/>
-          </a:xfrm>
-          <a:prstGeom prst="rect">
-            <a:avLst/>
-          </a:prstGeom>
-          <a:noFill/>
-        </p:spPr>
-        <p:txBody>
-          <a:bodyPr wrap="none" rtlCol="0">
-            <a:spAutoFit/>
-          </a:bodyPr>
-          <a:lstStyle/>
-          <a:p>
-            <a:r>
-              <a:rPr lang="zh-TW" altLang="en-US" dirty="0"/>
-              <a:t>圖片引用自 </a:t>
-            </a:r>
-            <a:r>
-              <a:rPr lang="en-US" altLang="zh-TW" dirty="0"/>
-              <a:t>https://java.4-x.tw/java-03-2</a:t>
-            </a:r>
-            <a:endParaRPr lang="zh-TW" altLang="en-US" dirty="0"/>
-          </a:p>
-        </p:txBody>
-      </p:sp>
-    </p:spTree>
-    <p:extLst>
-      <p:ext uri="{BB962C8B-B14F-4D97-AF65-F5344CB8AC3E}">
-        <p14:creationId xmlns:p14="http://schemas.microsoft.com/office/powerpoint/2010/main" val="2908612701"/>
-      </p:ext>
-    </p:extLst>
-  </p:cSld>
-  <p:clrMapOvr>
-    <a:masterClrMapping/>
-  </p:clrMapOvr>
-</p:sld>
-</file>
-
-<file path=ppt/slides/slide4.xml><?xml version="1.0" encoding="utf-8"?>
-<p:sld xmlns:a="http://schemas.openxmlformats.org/drawingml/2006/main" xmlns:r="http://schemas.openxmlformats.org/officeDocument/2006/relationships" xmlns:p="http://schemas.openxmlformats.org/presentationml/2006/main">
-  <p:cSld>
-    <p:spTree>
-      <p:nvGrpSpPr>
-        <p:cNvPr id="1" name=""/>
-        <p:cNvGrpSpPr/>
-        <p:nvPr/>
-      </p:nvGrpSpPr>
-      <p:grpSpPr>
-        <a:xfrm>
-          <a:off x="0" y="0"/>
-          <a:ext cx="0" cy="0"/>
-          <a:chOff x="0" y="0"/>
-          <a:chExt cx="0" cy="0"/>
-        </a:xfrm>
-      </p:grpSpPr>
-      <p:sp>
-        <p:nvSpPr>
-          <p:cNvPr id="2" name="標題 1">
-            <a:extLst>
-              <a:ext uri="{FF2B5EF4-FFF2-40B4-BE49-F238E27FC236}">
-                <a16:creationId xmlns:a16="http://schemas.microsoft.com/office/drawing/2014/main" id="{6180D867-27B5-4A7A-BFB5-F9AC2F9AF707}"/>
-              </a:ext>
-            </a:extLst>
-          </p:cNvPr>
-          <p:cNvSpPr>
-            <a:spLocks noGrp="1"/>
-          </p:cNvSpPr>
-          <p:nvPr>
-            <p:ph type="title"/>
-          </p:nvPr>
-        </p:nvSpPr>
-        <p:spPr/>
-        <p:txBody>
-          <a:bodyPr/>
-          <a:lstStyle/>
-          <a:p>
-            <a:endParaRPr lang="zh-TW" altLang="en-US"/>
-          </a:p>
-        </p:txBody>
-      </p:sp>
-      <p:pic>
-        <p:nvPicPr>
-          <p:cNvPr id="11" name="圖片 10">
-            <a:extLst>
-              <a:ext uri="{FF2B5EF4-FFF2-40B4-BE49-F238E27FC236}">
-                <a16:creationId xmlns:a16="http://schemas.microsoft.com/office/drawing/2014/main" id="{85B80823-D832-4632-8C0C-8CE35FB0DE38}"/>
-              </a:ext>
-            </a:extLst>
-          </p:cNvPr>
-          <p:cNvPicPr>
-            <a:picLocks noChangeAspect="1"/>
-          </p:cNvPicPr>
-          <p:nvPr/>
-        </p:nvPicPr>
-        <p:blipFill>
-          <a:blip r:embed="rId2">
-            <a:extLst>
-              <a:ext uri="{28A0092B-C50C-407E-A947-70E740481C1C}">
-                <a14:useLocalDpi xmlns:a14="http://schemas.microsoft.com/office/drawing/2010/main" val="0"/>
-              </a:ext>
-            </a:extLst>
-          </a:blip>
-          <a:stretch>
-            <a:fillRect/>
-          </a:stretch>
-        </p:blipFill>
-        <p:spPr>
-          <a:xfrm>
-            <a:off x="0" y="0"/>
-            <a:ext cx="7038975" cy="5229225"/>
-          </a:xfrm>
-          <a:prstGeom prst="rect">
-            <a:avLst/>
-          </a:prstGeom>
-        </p:spPr>
-      </p:pic>
-      <p:pic>
-        <p:nvPicPr>
-          <p:cNvPr id="9" name="內容版面配置區 8">
-            <a:extLst>
-              <a:ext uri="{FF2B5EF4-FFF2-40B4-BE49-F238E27FC236}">
-                <a16:creationId xmlns:a16="http://schemas.microsoft.com/office/drawing/2014/main" id="{D866F45E-4967-4430-A605-08B7918A031E}"/>
-              </a:ext>
-            </a:extLst>
-          </p:cNvPr>
-          <p:cNvPicPr>
-            <a:picLocks noGrp="1" noChangeAspect="1"/>
-          </p:cNvPicPr>
-          <p:nvPr>
-            <p:ph idx="1"/>
-          </p:nvPr>
-        </p:nvPicPr>
-        <p:blipFill>
-          <a:blip r:embed="rId3">
-            <a:extLst>
-              <a:ext uri="{28A0092B-C50C-407E-A947-70E740481C1C}">
-                <a14:useLocalDpi xmlns:a14="http://schemas.microsoft.com/office/drawing/2010/main" val="0"/>
-              </a:ext>
-            </a:extLst>
-          </a:blip>
-          <a:stretch>
-            <a:fillRect/>
-          </a:stretch>
-        </p:blipFill>
-        <p:spPr>
-          <a:xfrm>
-            <a:off x="5814332" y="4738110"/>
-            <a:ext cx="6306134" cy="2119890"/>
-          </a:xfrm>
-        </p:spPr>
-      </p:pic>
-    </p:spTree>
-    <p:extLst>
-      <p:ext uri="{BB962C8B-B14F-4D97-AF65-F5344CB8AC3E}">
-        <p14:creationId xmlns:p14="http://schemas.microsoft.com/office/powerpoint/2010/main" val="3151768780"/>
-      </p:ext>
-    </p:extLst>
-  </p:cSld>
-  <p:clrMapOvr>
-    <a:masterClrMapping/>
-  </p:clrMapOvr>
-</p:sld>
-</file>
-
-<file path=ppt/slides/slide5.xml><?xml version="1.0" encoding="utf-8"?>
-<p:sld xmlns:a="http://schemas.openxmlformats.org/drawingml/2006/main" xmlns:r="http://schemas.openxmlformats.org/officeDocument/2006/relationships" xmlns:p="http://schemas.openxmlformats.org/presentationml/2006/main">
-  <p:cSld>
-    <p:spTree>
-      <p:nvGrpSpPr>
-        <p:cNvPr id="1" name=""/>
-        <p:cNvGrpSpPr/>
-        <p:nvPr/>
-      </p:nvGrpSpPr>
-      <p:grpSpPr>
-        <a:xfrm>
-          <a:off x="0" y="0"/>
-          <a:ext cx="0" cy="0"/>
-          <a:chOff x="0" y="0"/>
-          <a:chExt cx="0" cy="0"/>
-        </a:xfrm>
-      </p:grpSpPr>
-      <p:sp>
-        <p:nvSpPr>
-          <p:cNvPr id="2" name="標題 1">
-            <a:extLst>
-              <a:ext uri="{FF2B5EF4-FFF2-40B4-BE49-F238E27FC236}">
-                <a16:creationId xmlns:a16="http://schemas.microsoft.com/office/drawing/2014/main" id="{F9C898E0-B176-4A43-BEF2-AA2E181BCA6D}"/>
-              </a:ext>
-            </a:extLst>
-          </p:cNvPr>
-          <p:cNvSpPr>
-            <a:spLocks noGrp="1"/>
-          </p:cNvSpPr>
-          <p:nvPr>
-            <p:ph type="title"/>
-          </p:nvPr>
-        </p:nvSpPr>
-        <p:spPr/>
-        <p:txBody>
-          <a:bodyPr/>
-          <a:lstStyle/>
-          <a:p>
-            <a:pPr algn="ctr"/>
-            <a:r>
-              <a:rPr lang="zh-TW" altLang="en-US" dirty="0"/>
-              <a:t>跳脫字元 </a:t>
-            </a:r>
-            <a:r>
-              <a:rPr lang="en-US" altLang="zh-TW" dirty="0"/>
-              <a:t>(</a:t>
-            </a:r>
-            <a:r>
-              <a:rPr lang="zh-TW" altLang="en-US" dirty="0"/>
-              <a:t>算一個</a:t>
-            </a:r>
-            <a:r>
-              <a:rPr lang="en-US" altLang="zh-TW" dirty="0"/>
-              <a:t>char)</a:t>
-            </a:r>
-            <a:endParaRPr lang="zh-TW" altLang="en-US" dirty="0"/>
-          </a:p>
-        </p:txBody>
-      </p:sp>
-      <p:sp>
-        <p:nvSpPr>
-          <p:cNvPr id="3" name="內容版面配置區 2">
-            <a:extLst>
-              <a:ext uri="{FF2B5EF4-FFF2-40B4-BE49-F238E27FC236}">
-                <a16:creationId xmlns:a16="http://schemas.microsoft.com/office/drawing/2014/main" id="{306427BB-C079-4768-908B-3007D2DE5B69}"/>
-              </a:ext>
-            </a:extLst>
-          </p:cNvPr>
-          <p:cNvSpPr>
-            <a:spLocks noGrp="1"/>
-          </p:cNvSpPr>
-          <p:nvPr>
-            <p:ph idx="1"/>
-          </p:nvPr>
-        </p:nvSpPr>
-        <p:spPr/>
-        <p:txBody>
-          <a:bodyPr>
-            <a:normAutofit/>
-          </a:bodyPr>
-          <a:lstStyle/>
-          <a:p>
-            <a:pPr marL="0" indent="0">
-              <a:buNone/>
-            </a:pPr>
-            <a:r>
-              <a:rPr lang="en-US" altLang="zh-TW" sz="5400" dirty="0"/>
-              <a:t>\\ :</a:t>
-            </a:r>
-            <a:r>
-              <a:rPr lang="zh-TW" altLang="en-US" sz="5400" dirty="0"/>
-              <a:t> 輸出</a:t>
-            </a:r>
-            <a:r>
-              <a:rPr lang="en-US" altLang="zh-TW" sz="5400" dirty="0"/>
-              <a:t>\</a:t>
-            </a:r>
-          </a:p>
-          <a:p>
-            <a:pPr marL="0" indent="0">
-              <a:buNone/>
-            </a:pPr>
-            <a:r>
-              <a:rPr lang="en-US" altLang="zh-TW" sz="5400" dirty="0"/>
-              <a:t>\’ : </a:t>
-            </a:r>
-            <a:r>
-              <a:rPr lang="zh-TW" altLang="en-US" sz="5400" dirty="0"/>
-              <a:t>輸出</a:t>
-            </a:r>
-            <a:r>
-              <a:rPr lang="en-US" altLang="zh-TW" sz="5400" dirty="0"/>
-              <a:t>‘</a:t>
-            </a:r>
-          </a:p>
-          <a:p>
-            <a:pPr marL="0" indent="0">
-              <a:buNone/>
-            </a:pPr>
-            <a:r>
-              <a:rPr lang="en-US" altLang="zh-TW" sz="5400" dirty="0"/>
-              <a:t>\” : </a:t>
-            </a:r>
-            <a:r>
-              <a:rPr lang="zh-TW" altLang="en-US" sz="5400" dirty="0"/>
-              <a:t>輸出</a:t>
-            </a:r>
-            <a:r>
-              <a:rPr lang="en-US" altLang="zh-TW" sz="5400" dirty="0"/>
-              <a:t>”</a:t>
-            </a:r>
-          </a:p>
-          <a:p>
-            <a:pPr marL="0" indent="0">
-              <a:buNone/>
-            </a:pPr>
-            <a:r>
-              <a:rPr lang="en-US" altLang="zh-TW" sz="5400" dirty="0"/>
-              <a:t>\a</a:t>
-            </a:r>
-            <a:r>
-              <a:rPr lang="zh-TW" altLang="en-US" sz="5400" dirty="0"/>
-              <a:t> </a:t>
-            </a:r>
-            <a:r>
-              <a:rPr lang="en-US" altLang="zh-TW" sz="5400" dirty="0"/>
-              <a:t>:</a:t>
-            </a:r>
-            <a:r>
-              <a:rPr lang="zh-TW" altLang="en-US" sz="5400" dirty="0"/>
-              <a:t> 發出一聲</a:t>
-            </a:r>
-            <a:r>
-              <a:rPr lang="en-US" altLang="zh-TW" sz="5400" dirty="0"/>
-              <a:t> </a:t>
-            </a:r>
-          </a:p>
-          <a:p>
-            <a:pPr marL="0" indent="0">
-              <a:buNone/>
-            </a:pPr>
-            <a:r>
-              <a:rPr lang="zh-TW" altLang="en-US" sz="5400" dirty="0"/>
-              <a:t> </a:t>
-            </a:r>
-            <a:r>
-              <a:rPr lang="en-US" altLang="zh-TW" sz="5400" dirty="0"/>
-              <a:t>\b</a:t>
-            </a:r>
-            <a:r>
-              <a:rPr lang="zh-TW" altLang="en-US" sz="5400" dirty="0"/>
-              <a:t> </a:t>
-            </a:r>
-            <a:r>
-              <a:rPr lang="en-US" altLang="zh-TW" sz="5400" dirty="0"/>
-              <a:t>:</a:t>
-            </a:r>
-            <a:r>
-              <a:rPr lang="zh-TW" altLang="en-US" sz="5400" dirty="0"/>
-              <a:t> 倒退一格</a:t>
-            </a:r>
-            <a:endParaRPr lang="en-US" altLang="zh-TW" sz="5400" dirty="0"/>
-          </a:p>
-          <a:p>
-            <a:pPr marL="0" indent="0">
-              <a:buNone/>
-            </a:pPr>
-            <a:endParaRPr lang="zh-TW" altLang="en-US" sz="4400" dirty="0"/>
-          </a:p>
-        </p:txBody>
-      </p:sp>
-    </p:spTree>
-    <p:extLst>
-      <p:ext uri="{BB962C8B-B14F-4D97-AF65-F5344CB8AC3E}">
-        <p14:creationId xmlns:p14="http://schemas.microsoft.com/office/powerpoint/2010/main" val="2653203427"/>
-      </p:ext>
-    </p:extLst>
-  </p:cSld>
-  <p:clrMapOvr>
-    <a:masterClrMapping/>
-  </p:clrMapOvr>
-</p:sld>
-</file>
-
-<file path=ppt/slides/slide6.xml><?xml version="1.0" encoding="utf-8"?>
-<p:sld xmlns:a="http://schemas.openxmlformats.org/drawingml/2006/main" xmlns:r="http://schemas.openxmlformats.org/officeDocument/2006/relationships" xmlns:p="http://schemas.openxmlformats.org/presentationml/2006/main">
-  <p:cSld>
-    <p:spTree>
-      <p:nvGrpSpPr>
-        <p:cNvPr id="1" name=""/>
-        <p:cNvGrpSpPr/>
-        <p:nvPr/>
-      </p:nvGrpSpPr>
-      <p:grpSpPr>
-        <a:xfrm>
-          <a:off x="0" y="0"/>
-          <a:ext cx="0" cy="0"/>
-          <a:chOff x="0" y="0"/>
-          <a:chExt cx="0" cy="0"/>
-        </a:xfrm>
-      </p:grpSpPr>
-      <p:sp>
-        <p:nvSpPr>
-          <p:cNvPr id="2" name="標題 1">
-            <a:extLst>
-              <a:ext uri="{FF2B5EF4-FFF2-40B4-BE49-F238E27FC236}">
-                <a16:creationId xmlns:a16="http://schemas.microsoft.com/office/drawing/2014/main" id="{BBDC850C-14B7-485D-9388-4FF40363D8F5}"/>
-              </a:ext>
-            </a:extLst>
-          </p:cNvPr>
-          <p:cNvSpPr>
-            <a:spLocks noGrp="1"/>
-          </p:cNvSpPr>
-          <p:nvPr>
-            <p:ph type="title"/>
-          </p:nvPr>
-        </p:nvSpPr>
-        <p:spPr/>
-        <p:txBody>
-          <a:bodyPr/>
-          <a:lstStyle/>
-          <a:p>
-            <a:pPr algn="ctr"/>
-            <a:r>
-              <a:rPr lang="zh-TW" altLang="en-US" dirty="0"/>
-              <a:t>練習</a:t>
-            </a:r>
-            <a:r>
-              <a:rPr lang="en-US" altLang="zh-TW" dirty="0"/>
-              <a:t>1 </a:t>
-            </a:r>
-            <a:endParaRPr lang="zh-TW" altLang="en-US" dirty="0"/>
-          </a:p>
-        </p:txBody>
-      </p:sp>
-      <p:sp>
-        <p:nvSpPr>
-          <p:cNvPr id="3" name="內容版面配置區 2">
-            <a:extLst>
-              <a:ext uri="{FF2B5EF4-FFF2-40B4-BE49-F238E27FC236}">
-                <a16:creationId xmlns:a16="http://schemas.microsoft.com/office/drawing/2014/main" id="{13D69E0B-307A-4413-920F-259C70B1B856}"/>
-              </a:ext>
-            </a:extLst>
-          </p:cNvPr>
-          <p:cNvSpPr>
-            <a:spLocks noGrp="1"/>
-          </p:cNvSpPr>
-          <p:nvPr>
-            <p:ph idx="1"/>
-          </p:nvPr>
-        </p:nvSpPr>
-        <p:spPr/>
-        <p:txBody>
-          <a:bodyPr>
-            <a:normAutofit fontScale="92500"/>
-          </a:bodyPr>
-          <a:lstStyle/>
-          <a:p>
-            <a:r>
-              <a:rPr lang="zh-TW" altLang="en-US" sz="5400" dirty="0"/>
-              <a:t> 每隔一秒發出一聲，並將次數輸出</a:t>
-            </a:r>
-            <a:endParaRPr lang="en-US" altLang="zh-TW" sz="5400" dirty="0"/>
-          </a:p>
-          <a:p>
-            <a:endParaRPr lang="en-US" altLang="zh-TW" sz="5400" dirty="0"/>
-          </a:p>
-          <a:p>
-            <a:r>
-              <a:rPr lang="en-US" altLang="zh-TW" sz="5400" dirty="0"/>
-              <a:t>Hint: </a:t>
-            </a:r>
-          </a:p>
-          <a:p>
-            <a:pPr marL="0" indent="0">
-              <a:buNone/>
-            </a:pPr>
-            <a:r>
-              <a:rPr lang="en-US" altLang="zh-TW" sz="5400" dirty="0"/>
-              <a:t>		\a </a:t>
-            </a:r>
-          </a:p>
-          <a:p>
-            <a:pPr marL="0" indent="0">
-              <a:buNone/>
-            </a:pPr>
-            <a:r>
-              <a:rPr lang="en-US" altLang="zh-TW" sz="4400" dirty="0"/>
-              <a:t>		Sleep() 		// #include &lt;</a:t>
-            </a:r>
-            <a:r>
-              <a:rPr lang="en-US" altLang="zh-TW" sz="4400" dirty="0" err="1"/>
-              <a:t>windows.h</a:t>
-            </a:r>
-            <a:r>
-              <a:rPr lang="en-US" altLang="zh-TW" sz="4400" dirty="0"/>
-              <a:t>&gt;</a:t>
-            </a:r>
-            <a:endParaRPr lang="zh-TW" altLang="en-US" sz="4400" dirty="0"/>
-          </a:p>
-        </p:txBody>
-      </p:sp>
-    </p:spTree>
-    <p:extLst>
-      <p:ext uri="{BB962C8B-B14F-4D97-AF65-F5344CB8AC3E}">
-        <p14:creationId xmlns:p14="http://schemas.microsoft.com/office/powerpoint/2010/main" val="1126798484"/>
-      </p:ext>
-    </p:extLst>
-  </p:cSld>
-  <p:clrMapOvr>
-    <a:masterClrMapping/>
-  </p:clrMapOvr>
-</p:sld>
-</file>
-
-<file path=ppt/slides/slide7.xml><?xml version="1.0" encoding="utf-8"?>
-<p:sld xmlns:a="http://schemas.openxmlformats.org/drawingml/2006/main" xmlns:r="http://schemas.openxmlformats.org/officeDocument/2006/relationships" xmlns:p="http://schemas.openxmlformats.org/presentationml/2006/main">
-  <p:cSld>
-    <p:spTree>
-      <p:nvGrpSpPr>
-        <p:cNvPr id="1" name=""/>
-        <p:cNvGrpSpPr/>
-        <p:nvPr/>
-      </p:nvGrpSpPr>
-      <p:grpSpPr>
-        <a:xfrm>
-          <a:off x="0" y="0"/>
-          <a:ext cx="0" cy="0"/>
-          <a:chOff x="0" y="0"/>
-          <a:chExt cx="0" cy="0"/>
-        </a:xfrm>
-      </p:grpSpPr>
-      <p:sp>
-        <p:nvSpPr>
-          <p:cNvPr id="2" name="標題 1">
-            <a:extLst>
-              <a:ext uri="{FF2B5EF4-FFF2-40B4-BE49-F238E27FC236}">
-                <a16:creationId xmlns:a16="http://schemas.microsoft.com/office/drawing/2014/main" id="{290D711A-62CB-47E2-9B28-020734B8DC0D}"/>
-              </a:ext>
-            </a:extLst>
-          </p:cNvPr>
-          <p:cNvSpPr>
-            <a:spLocks noGrp="1"/>
-          </p:cNvSpPr>
-          <p:nvPr>
-            <p:ph type="title"/>
-          </p:nvPr>
-        </p:nvSpPr>
-        <p:spPr/>
-        <p:txBody>
-          <a:bodyPr/>
-          <a:lstStyle/>
-          <a:p>
-            <a:endParaRPr lang="zh-TW" altLang="en-US"/>
-          </a:p>
-        </p:txBody>
-      </p:sp>
-      <p:pic>
-        <p:nvPicPr>
-          <p:cNvPr id="6" name="內容版面配置區 5">
-            <a:extLst>
-              <a:ext uri="{FF2B5EF4-FFF2-40B4-BE49-F238E27FC236}">
-                <a16:creationId xmlns:a16="http://schemas.microsoft.com/office/drawing/2014/main" id="{2CA7E585-E53B-4188-B104-09D4899E79D3}"/>
-              </a:ext>
-            </a:extLst>
-          </p:cNvPr>
-          <p:cNvPicPr>
-            <a:picLocks noGrp="1" noChangeAspect="1"/>
-          </p:cNvPicPr>
-          <p:nvPr>
-            <p:ph idx="1"/>
-          </p:nvPr>
-        </p:nvPicPr>
-        <p:blipFill>
-          <a:blip r:embed="rId2">
-            <a:extLst>
-              <a:ext uri="{28A0092B-C50C-407E-A947-70E740481C1C}">
-                <a14:useLocalDpi xmlns:a14="http://schemas.microsoft.com/office/drawing/2010/main" val="0"/>
-              </a:ext>
-            </a:extLst>
-          </a:blip>
-          <a:stretch>
-            <a:fillRect/>
-          </a:stretch>
-        </p:blipFill>
-        <p:spPr>
-          <a:xfrm>
-            <a:off x="1586415" y="286073"/>
-            <a:ext cx="9255755" cy="6417324"/>
-          </a:xfrm>
-        </p:spPr>
-      </p:pic>
-    </p:spTree>
-    <p:extLst>
-      <p:ext uri="{BB962C8B-B14F-4D97-AF65-F5344CB8AC3E}">
-        <p14:creationId xmlns:p14="http://schemas.microsoft.com/office/powerpoint/2010/main" val="898997775"/>
-      </p:ext>
-    </p:extLst>
-  </p:cSld>
-  <p:clrMapOvr>
-    <a:masterClrMapping/>
-  </p:clrMapOvr>
-</p:sld>
-</file>
-
-<file path=ppt/slides/slide8.xml><?xml version="1.0" encoding="utf-8"?>
-<p:sld xmlns:a="http://schemas.openxmlformats.org/drawingml/2006/main" xmlns:r="http://schemas.openxmlformats.org/officeDocument/2006/relationships" xmlns:p="http://schemas.openxmlformats.org/presentationml/2006/main">
-  <p:cSld>
-    <p:spTree>
-      <p:nvGrpSpPr>
-        <p:cNvPr id="1" name=""/>
-        <p:cNvGrpSpPr/>
-        <p:nvPr/>
-      </p:nvGrpSpPr>
-      <p:grpSpPr>
-        <a:xfrm>
-          <a:off x="0" y="0"/>
-          <a:ext cx="0" cy="0"/>
-          <a:chOff x="0" y="0"/>
-          <a:chExt cx="0" cy="0"/>
-        </a:xfrm>
-      </p:grpSpPr>
-      <p:sp>
-        <p:nvSpPr>
           <p:cNvPr id="6" name="矩形 5">
             <a:extLst>
               <a:ext uri="{FF2B5EF4-FFF2-40B4-BE49-F238E27FC236}">
@@ -5298,7 +5164,7 @@
           <p:nvPr/>
         </p:nvPicPr>
         <p:blipFill>
-          <a:blip r:embed="rId2">
+          <a:blip r:embed="rId3">
             <a:extLst>
               <a:ext uri="{28A0092B-C50C-407E-A947-70E740481C1C}">
                 <a14:useLocalDpi xmlns:a14="http://schemas.microsoft.com/office/drawing/2010/main" val="0"/>
@@ -5332,7 +5198,7 @@
 </p:sld>
 </file>
 
-<file path=ppt/slides/slide9.xml><?xml version="1.0" encoding="utf-8"?>
+<file path=ppt/slides/slide13.xml><?xml version="1.0" encoding="utf-8"?>
 <p:sld xmlns:a="http://schemas.openxmlformats.org/drawingml/2006/main" xmlns:r="http://schemas.openxmlformats.org/officeDocument/2006/relationships" xmlns:p="http://schemas.openxmlformats.org/presentationml/2006/main">
   <p:cSld>
     <p:spTree>
@@ -5801,6 +5667,2336 @@
     <p:extLst>
       <p:ext uri="{BB962C8B-B14F-4D97-AF65-F5344CB8AC3E}">
         <p14:creationId xmlns:p14="http://schemas.microsoft.com/office/powerpoint/2010/main" val="37474147"/>
+      </p:ext>
+    </p:extLst>
+  </p:cSld>
+  <p:clrMapOvr>
+    <a:masterClrMapping/>
+  </p:clrMapOvr>
+</p:sld>
+</file>
+
+<file path=ppt/slides/slide14.xml><?xml version="1.0" encoding="utf-8"?>
+<p:sld xmlns:a="http://schemas.openxmlformats.org/drawingml/2006/main" xmlns:r="http://schemas.openxmlformats.org/officeDocument/2006/relationships" xmlns:p="http://schemas.openxmlformats.org/presentationml/2006/main">
+  <p:cSld>
+    <p:spTree>
+      <p:nvGrpSpPr>
+        <p:cNvPr id="1" name=""/>
+        <p:cNvGrpSpPr/>
+        <p:nvPr/>
+      </p:nvGrpSpPr>
+      <p:grpSpPr>
+        <a:xfrm>
+          <a:off x="0" y="0"/>
+          <a:ext cx="0" cy="0"/>
+          <a:chOff x="0" y="0"/>
+          <a:chExt cx="0" cy="0"/>
+        </a:xfrm>
+      </p:grpSpPr>
+      <p:sp>
+        <p:nvSpPr>
+          <p:cNvPr id="8" name="矩形 7">
+            <a:extLst>
+              <a:ext uri="{FF2B5EF4-FFF2-40B4-BE49-F238E27FC236}">
+                <a16:creationId xmlns:a16="http://schemas.microsoft.com/office/drawing/2014/main" id="{BA4722B3-0A7F-40AE-A5DB-BA8258354298}"/>
+              </a:ext>
+            </a:extLst>
+          </p:cNvPr>
+          <p:cNvSpPr/>
+          <p:nvPr/>
+        </p:nvSpPr>
+        <p:spPr>
+          <a:xfrm>
+            <a:off x="2808514" y="1825625"/>
+            <a:ext cx="7781731" cy="1325563"/>
+          </a:xfrm>
+          <a:prstGeom prst="rect">
+            <a:avLst/>
+          </a:prstGeom>
+        </p:spPr>
+        <p:style>
+          <a:lnRef idx="2">
+            <a:schemeClr val="accent1">
+              <a:shade val="50000"/>
+            </a:schemeClr>
+          </a:lnRef>
+          <a:fillRef idx="1">
+            <a:schemeClr val="accent1"/>
+          </a:fillRef>
+          <a:effectRef idx="0">
+            <a:schemeClr val="accent1"/>
+          </a:effectRef>
+          <a:fontRef idx="minor">
+            <a:schemeClr val="lt1"/>
+          </a:fontRef>
+        </p:style>
+        <p:txBody>
+          <a:bodyPr rtlCol="0" anchor="ctr"/>
+          <a:lstStyle/>
+          <a:p>
+            <a:pPr algn="ctr"/>
+            <a:endParaRPr lang="zh-TW" altLang="en-US"/>
+          </a:p>
+        </p:txBody>
+      </p:sp>
+      <p:sp>
+        <p:nvSpPr>
+          <p:cNvPr id="2" name="標題 1">
+            <a:extLst>
+              <a:ext uri="{FF2B5EF4-FFF2-40B4-BE49-F238E27FC236}">
+                <a16:creationId xmlns:a16="http://schemas.microsoft.com/office/drawing/2014/main" id="{911BD603-8504-4F37-8370-390FD5A363F4}"/>
+              </a:ext>
+            </a:extLst>
+          </p:cNvPr>
+          <p:cNvSpPr>
+            <a:spLocks noGrp="1"/>
+          </p:cNvSpPr>
+          <p:nvPr>
+            <p:ph type="title"/>
+          </p:nvPr>
+        </p:nvSpPr>
+        <p:spPr/>
+        <p:txBody>
+          <a:bodyPr>
+            <a:normAutofit/>
+          </a:bodyPr>
+          <a:lstStyle/>
+          <a:p>
+            <a:pPr algn="ctr"/>
+            <a:r>
+              <a:rPr lang="zh-TW" altLang="en-US" sz="5400" dirty="0"/>
+              <a:t>練習</a:t>
+            </a:r>
+            <a:r>
+              <a:rPr lang="en-US" altLang="zh-TW" sz="5400" dirty="0"/>
+              <a:t>3</a:t>
+            </a:r>
+            <a:endParaRPr lang="zh-TW" altLang="en-US" sz="5400" dirty="0"/>
+          </a:p>
+        </p:txBody>
+      </p:sp>
+      <p:sp>
+        <p:nvSpPr>
+          <p:cNvPr id="3" name="內容版面配置區 2">
+            <a:extLst>
+              <a:ext uri="{FF2B5EF4-FFF2-40B4-BE49-F238E27FC236}">
+                <a16:creationId xmlns:a16="http://schemas.microsoft.com/office/drawing/2014/main" id="{AD550F9D-58CF-4D81-A976-3FC8ADE497E0}"/>
+              </a:ext>
+            </a:extLst>
+          </p:cNvPr>
+          <p:cNvSpPr>
+            <a:spLocks noGrp="1"/>
+          </p:cNvSpPr>
+          <p:nvPr>
+            <p:ph idx="1"/>
+          </p:nvPr>
+        </p:nvSpPr>
+        <p:spPr/>
+        <p:txBody>
+          <a:bodyPr>
+            <a:normAutofit/>
+          </a:bodyPr>
+          <a:lstStyle/>
+          <a:p>
+            <a:r>
+              <a:rPr lang="zh-TW" altLang="en-US" sz="5400" dirty="0"/>
+              <a:t>輸出</a:t>
+            </a:r>
+          </a:p>
+        </p:txBody>
+      </p:sp>
+      <p:pic>
+        <p:nvPicPr>
+          <p:cNvPr id="5" name="圖片 4">
+            <a:extLst>
+              <a:ext uri="{FF2B5EF4-FFF2-40B4-BE49-F238E27FC236}">
+                <a16:creationId xmlns:a16="http://schemas.microsoft.com/office/drawing/2014/main" id="{05E7CEEB-E7B2-4E7E-9551-53A3C18E7B6A}"/>
+              </a:ext>
+            </a:extLst>
+          </p:cNvPr>
+          <p:cNvPicPr>
+            <a:picLocks noChangeAspect="1"/>
+          </p:cNvPicPr>
+          <p:nvPr/>
+        </p:nvPicPr>
+        <p:blipFill>
+          <a:blip r:embed="rId3">
+            <a:extLst>
+              <a:ext uri="{28A0092B-C50C-407E-A947-70E740481C1C}">
+                <a14:useLocalDpi xmlns:a14="http://schemas.microsoft.com/office/drawing/2010/main" val="0"/>
+              </a:ext>
+            </a:extLst>
+          </a:blip>
+          <a:stretch>
+            <a:fillRect/>
+          </a:stretch>
+        </p:blipFill>
+        <p:spPr>
+          <a:xfrm>
+            <a:off x="1072241" y="4912568"/>
+            <a:ext cx="9703839" cy="895739"/>
+          </a:xfrm>
+          <a:prstGeom prst="rect">
+            <a:avLst/>
+          </a:prstGeom>
+        </p:spPr>
+      </p:pic>
+      <p:pic>
+        <p:nvPicPr>
+          <p:cNvPr id="7" name="圖片 6">
+            <a:extLst>
+              <a:ext uri="{FF2B5EF4-FFF2-40B4-BE49-F238E27FC236}">
+                <a16:creationId xmlns:a16="http://schemas.microsoft.com/office/drawing/2014/main" id="{FA044A6B-DEAA-4938-843A-01C93A2ADB09}"/>
+              </a:ext>
+            </a:extLst>
+          </p:cNvPr>
+          <p:cNvPicPr>
+            <a:picLocks noChangeAspect="1"/>
+          </p:cNvPicPr>
+          <p:nvPr/>
+        </p:nvPicPr>
+        <p:blipFill>
+          <a:blip r:embed="rId4">
+            <a:extLst>
+              <a:ext uri="{28A0092B-C50C-407E-A947-70E740481C1C}">
+                <a14:useLocalDpi xmlns:a14="http://schemas.microsoft.com/office/drawing/2010/main" val="0"/>
+              </a:ext>
+            </a:extLst>
+          </a:blip>
+          <a:stretch>
+            <a:fillRect/>
+          </a:stretch>
+        </p:blipFill>
+        <p:spPr>
+          <a:xfrm>
+            <a:off x="2906291" y="1945431"/>
+            <a:ext cx="7618640" cy="1079035"/>
+          </a:xfrm>
+          <a:prstGeom prst="rect">
+            <a:avLst/>
+          </a:prstGeom>
+        </p:spPr>
+      </p:pic>
+    </p:spTree>
+    <p:extLst>
+      <p:ext uri="{BB962C8B-B14F-4D97-AF65-F5344CB8AC3E}">
+        <p14:creationId xmlns:p14="http://schemas.microsoft.com/office/powerpoint/2010/main" val="3857244499"/>
+      </p:ext>
+    </p:extLst>
+  </p:cSld>
+  <p:clrMapOvr>
+    <a:masterClrMapping/>
+  </p:clrMapOvr>
+  <p:timing>
+    <p:tnLst>
+      <p:par>
+        <p:cTn id="1" dur="indefinite" restart="never" nodeType="tmRoot">
+          <p:childTnLst>
+            <p:seq concurrent="1" nextAc="seek">
+              <p:cTn id="2" dur="indefinite" nodeType="mainSeq">
+                <p:childTnLst>
+                  <p:par>
+                    <p:cTn id="3" fill="hold">
+                      <p:stCondLst>
+                        <p:cond delay="indefinite"/>
+                      </p:stCondLst>
+                      <p:childTnLst>
+                        <p:par>
+                          <p:cTn id="4" fill="hold">
+                            <p:stCondLst>
+                              <p:cond delay="0"/>
+                            </p:stCondLst>
+                            <p:childTnLst>
+                              <p:par>
+                                <p:cTn id="5" presetID="1" presetClass="entr" presetSubtype="0" fill="hold" nodeType="clickEffect">
+                                  <p:stCondLst>
+                                    <p:cond delay="0"/>
+                                  </p:stCondLst>
+                                  <p:childTnLst>
+                                    <p:set>
+                                      <p:cBhvr>
+                                        <p:cTn id="6" dur="1" fill="hold">
+                                          <p:stCondLst>
+                                            <p:cond delay="0"/>
+                                          </p:stCondLst>
+                                        </p:cTn>
+                                        <p:tgtEl>
+                                          <p:spTgt spid="5"/>
+                                        </p:tgtEl>
+                                        <p:attrNameLst>
+                                          <p:attrName>style.visibility</p:attrName>
+                                        </p:attrNameLst>
+                                      </p:cBhvr>
+                                      <p:to>
+                                        <p:strVal val="visible"/>
+                                      </p:to>
+                                    </p:set>
+                                  </p:childTnLst>
+                                </p:cTn>
+                              </p:par>
+                            </p:childTnLst>
+                          </p:cTn>
+                        </p:par>
+                      </p:childTnLst>
+                    </p:cTn>
+                  </p:par>
+                </p:childTnLst>
+              </p:cTn>
+              <p:prevCondLst>
+                <p:cond evt="onPrev" delay="0">
+                  <p:tgtEl>
+                    <p:sldTgt/>
+                  </p:tgtEl>
+                </p:cond>
+              </p:prevCondLst>
+              <p:nextCondLst>
+                <p:cond evt="onNext" delay="0">
+                  <p:tgtEl>
+                    <p:sldTgt/>
+                  </p:tgtEl>
+                </p:cond>
+              </p:nextCondLst>
+            </p:seq>
+          </p:childTnLst>
+        </p:cTn>
+      </p:par>
+    </p:tnLst>
+  </p:timing>
+</p:sld>
+</file>
+
+<file path=ppt/slides/slide15.xml><?xml version="1.0" encoding="utf-8"?>
+<p:sld xmlns:a="http://schemas.openxmlformats.org/drawingml/2006/main" xmlns:r="http://schemas.openxmlformats.org/officeDocument/2006/relationships" xmlns:p="http://schemas.openxmlformats.org/presentationml/2006/main">
+  <p:cSld>
+    <p:spTree>
+      <p:nvGrpSpPr>
+        <p:cNvPr id="1" name=""/>
+        <p:cNvGrpSpPr/>
+        <p:nvPr/>
+      </p:nvGrpSpPr>
+      <p:grpSpPr>
+        <a:xfrm>
+          <a:off x="0" y="0"/>
+          <a:ext cx="0" cy="0"/>
+          <a:chOff x="0" y="0"/>
+          <a:chExt cx="0" cy="0"/>
+        </a:xfrm>
+      </p:grpSpPr>
+      <p:sp>
+        <p:nvSpPr>
+          <p:cNvPr id="2" name="標題 1">
+            <a:extLst>
+              <a:ext uri="{FF2B5EF4-FFF2-40B4-BE49-F238E27FC236}">
+                <a16:creationId xmlns:a16="http://schemas.microsoft.com/office/drawing/2014/main" id="{7D6CCF12-05C1-460B-B8C0-8725A3AE7119}"/>
+              </a:ext>
+            </a:extLst>
+          </p:cNvPr>
+          <p:cNvSpPr>
+            <a:spLocks noGrp="1"/>
+          </p:cNvSpPr>
+          <p:nvPr>
+            <p:ph type="title"/>
+          </p:nvPr>
+        </p:nvSpPr>
+        <p:spPr/>
+        <p:txBody>
+          <a:bodyPr>
+            <a:normAutofit/>
+          </a:bodyPr>
+          <a:lstStyle/>
+          <a:p>
+            <a:pPr algn="ctr"/>
+            <a:r>
+              <a:rPr lang="zh-TW" altLang="en-US" sz="6000" dirty="0"/>
+              <a:t>作業</a:t>
+            </a:r>
+            <a:r>
+              <a:rPr lang="en-US" altLang="zh-TW" sz="6000" dirty="0"/>
+              <a:t>1</a:t>
+            </a:r>
+            <a:endParaRPr lang="zh-TW" altLang="en-US" sz="6000" dirty="0"/>
+          </a:p>
+        </p:txBody>
+      </p:sp>
+      <p:sp>
+        <p:nvSpPr>
+          <p:cNvPr id="6" name="文字方塊 5">
+            <a:extLst>
+              <a:ext uri="{FF2B5EF4-FFF2-40B4-BE49-F238E27FC236}">
+                <a16:creationId xmlns:a16="http://schemas.microsoft.com/office/drawing/2014/main" id="{6BB091F9-7A8F-48B4-9ACC-40622D8F4F72}"/>
+              </a:ext>
+            </a:extLst>
+          </p:cNvPr>
+          <p:cNvSpPr txBox="1"/>
+          <p:nvPr/>
+        </p:nvSpPr>
+        <p:spPr>
+          <a:xfrm>
+            <a:off x="336737" y="750144"/>
+            <a:ext cx="7491646" cy="6524863"/>
+          </a:xfrm>
+          <a:prstGeom prst="rect">
+            <a:avLst/>
+          </a:prstGeom>
+          <a:noFill/>
+        </p:spPr>
+        <p:txBody>
+          <a:bodyPr wrap="square" rtlCol="0">
+            <a:spAutoFit/>
+          </a:bodyPr>
+          <a:lstStyle/>
+          <a:p>
+            <a:pPr marL="285750" indent="-285750">
+              <a:buFont typeface="Arial" panose="020B0604020202020204" pitchFamily="34" charset="0"/>
+              <a:buChar char="•"/>
+            </a:pPr>
+            <a:endParaRPr lang="en-US" altLang="zh-TW" sz="5400" dirty="0"/>
+          </a:p>
+          <a:p>
+            <a:pPr marL="571500" indent="-571500">
+              <a:buFont typeface="Arial" panose="020B0604020202020204" pitchFamily="34" charset="0"/>
+              <a:buChar char="•"/>
+            </a:pPr>
+            <a:r>
+              <a:rPr lang="zh-TW" altLang="en-US" sz="3600" dirty="0"/>
+              <a:t>給使用者輸入三個數</a:t>
+            </a:r>
+            <a:r>
+              <a:rPr lang="en-US" altLang="zh-TW" sz="3600" dirty="0"/>
+              <a:t>(</a:t>
+            </a:r>
+            <a:r>
+              <a:rPr lang="zh-TW" altLang="en-US" sz="3600" dirty="0"/>
+              <a:t>此範例為</a:t>
+            </a:r>
+            <a:r>
+              <a:rPr lang="en-US" altLang="zh-TW" sz="3600" dirty="0"/>
+              <a:t>3,4,5)</a:t>
+            </a:r>
+            <a:r>
+              <a:rPr lang="zh-TW" altLang="en-US" sz="3600" dirty="0"/>
+              <a:t>，輸出右方內容</a:t>
+            </a:r>
+            <a:endParaRPr lang="en-US" altLang="zh-TW" sz="3600" dirty="0"/>
+          </a:p>
+          <a:p>
+            <a:pPr marL="571500" indent="-571500">
+              <a:buFont typeface="Arial" panose="020B0604020202020204" pitchFamily="34" charset="0"/>
+              <a:buChar char="•"/>
+            </a:pPr>
+            <a:r>
+              <a:rPr lang="en-US" altLang="zh-TW" sz="3600" dirty="0"/>
+              <a:t>Input1,2,3</a:t>
+            </a:r>
+            <a:r>
+              <a:rPr lang="zh-TW" altLang="en-US" sz="3600" dirty="0"/>
+              <a:t>為提示輸入訊息</a:t>
+            </a:r>
+            <a:endParaRPr lang="en-US" altLang="zh-TW" sz="3600" dirty="0"/>
+          </a:p>
+          <a:p>
+            <a:endParaRPr lang="en-US" altLang="zh-TW" sz="3600" dirty="0"/>
+          </a:p>
+          <a:p>
+            <a:r>
+              <a:rPr lang="en-US" altLang="zh-TW" sz="3600" dirty="0"/>
+              <a:t>Ex. Input1: </a:t>
+            </a:r>
+            <a:r>
+              <a:rPr lang="en-US" altLang="zh-TW" sz="3600" dirty="0">
+                <a:solidFill>
+                  <a:srgbClr val="FF0000"/>
+                </a:solidFill>
+              </a:rPr>
+              <a:t>3</a:t>
+            </a:r>
+          </a:p>
+          <a:p>
+            <a:r>
+              <a:rPr lang="en-US" altLang="zh-TW" sz="3600" dirty="0"/>
+              <a:t>	</a:t>
+            </a:r>
+            <a:r>
+              <a:rPr lang="en-US" altLang="zh-TW" sz="4800" dirty="0"/>
+              <a:t>*- -</a:t>
+            </a:r>
+          </a:p>
+          <a:p>
+            <a:r>
+              <a:rPr lang="en-US" altLang="zh-TW" sz="4800" dirty="0"/>
+              <a:t>	**-</a:t>
+            </a:r>
+          </a:p>
+          <a:p>
+            <a:r>
+              <a:rPr lang="en-US" altLang="zh-TW" sz="4800" dirty="0"/>
+              <a:t>	***</a:t>
+            </a:r>
+          </a:p>
+          <a:p>
+            <a:endParaRPr lang="zh-TW" altLang="en-US" sz="4000" dirty="0"/>
+          </a:p>
+        </p:txBody>
+      </p:sp>
+      <p:pic>
+        <p:nvPicPr>
+          <p:cNvPr id="8" name="圖片 7">
+            <a:extLst>
+              <a:ext uri="{FF2B5EF4-FFF2-40B4-BE49-F238E27FC236}">
+                <a16:creationId xmlns:a16="http://schemas.microsoft.com/office/drawing/2014/main" id="{B369950C-5DCD-425B-83E8-8AFB25E587FB}"/>
+              </a:ext>
+            </a:extLst>
+          </p:cNvPr>
+          <p:cNvPicPr>
+            <a:picLocks noChangeAspect="1"/>
+          </p:cNvPicPr>
+          <p:nvPr/>
+        </p:nvPicPr>
+        <p:blipFill>
+          <a:blip r:embed="rId2">
+            <a:extLst>
+              <a:ext uri="{28A0092B-C50C-407E-A947-70E740481C1C}">
+                <a14:useLocalDpi xmlns:a14="http://schemas.microsoft.com/office/drawing/2010/main" val="0"/>
+              </a:ext>
+            </a:extLst>
+          </a:blip>
+          <a:stretch>
+            <a:fillRect/>
+          </a:stretch>
+        </p:blipFill>
+        <p:spPr>
+          <a:xfrm>
+            <a:off x="8544311" y="199281"/>
+            <a:ext cx="1658795" cy="6459438"/>
+          </a:xfrm>
+          <a:prstGeom prst="rect">
+            <a:avLst/>
+          </a:prstGeom>
+        </p:spPr>
+      </p:pic>
+      <p:pic>
+        <p:nvPicPr>
+          <p:cNvPr id="22" name="圖片 21">
+            <a:extLst>
+              <a:ext uri="{FF2B5EF4-FFF2-40B4-BE49-F238E27FC236}">
+                <a16:creationId xmlns:a16="http://schemas.microsoft.com/office/drawing/2014/main" id="{1B2CCC31-F6A6-4F80-961F-0597C67F2CD0}"/>
+              </a:ext>
+            </a:extLst>
+          </p:cNvPr>
+          <p:cNvPicPr>
+            <a:picLocks noChangeAspect="1"/>
+          </p:cNvPicPr>
+          <p:nvPr/>
+        </p:nvPicPr>
+        <p:blipFill>
+          <a:blip r:embed="rId3">
+            <a:extLst>
+              <a:ext uri="{28A0092B-C50C-407E-A947-70E740481C1C}">
+                <a14:useLocalDpi xmlns:a14="http://schemas.microsoft.com/office/drawing/2010/main" val="0"/>
+              </a:ext>
+            </a:extLst>
+          </a:blip>
+          <a:stretch>
+            <a:fillRect/>
+          </a:stretch>
+        </p:blipFill>
+        <p:spPr>
+          <a:xfrm>
+            <a:off x="7617843" y="92938"/>
+            <a:ext cx="4237420" cy="6672123"/>
+          </a:xfrm>
+          <a:prstGeom prst="rect">
+            <a:avLst/>
+          </a:prstGeom>
+        </p:spPr>
+      </p:pic>
+    </p:spTree>
+    <p:extLst>
+      <p:ext uri="{BB962C8B-B14F-4D97-AF65-F5344CB8AC3E}">
+        <p14:creationId xmlns:p14="http://schemas.microsoft.com/office/powerpoint/2010/main" val="4228906309"/>
+      </p:ext>
+    </p:extLst>
+  </p:cSld>
+  <p:clrMapOvr>
+    <a:masterClrMapping/>
+  </p:clrMapOvr>
+</p:sld>
+</file>
+
+<file path=ppt/slides/slide16.xml><?xml version="1.0" encoding="utf-8"?>
+<p:sld xmlns:a="http://schemas.openxmlformats.org/drawingml/2006/main" xmlns:r="http://schemas.openxmlformats.org/officeDocument/2006/relationships" xmlns:p="http://schemas.openxmlformats.org/presentationml/2006/main">
+  <p:cSld>
+    <p:spTree>
+      <p:nvGrpSpPr>
+        <p:cNvPr id="1" name=""/>
+        <p:cNvGrpSpPr/>
+        <p:nvPr/>
+      </p:nvGrpSpPr>
+      <p:grpSpPr>
+        <a:xfrm>
+          <a:off x="0" y="0"/>
+          <a:ext cx="0" cy="0"/>
+          <a:chOff x="0" y="0"/>
+          <a:chExt cx="0" cy="0"/>
+        </a:xfrm>
+      </p:grpSpPr>
+      <p:sp>
+        <p:nvSpPr>
+          <p:cNvPr id="2" name="標題 1">
+            <a:extLst>
+              <a:ext uri="{FF2B5EF4-FFF2-40B4-BE49-F238E27FC236}">
+                <a16:creationId xmlns:a16="http://schemas.microsoft.com/office/drawing/2014/main" id="{B43342DC-47D8-4367-ADCF-AC737EBDD88C}"/>
+              </a:ext>
+            </a:extLst>
+          </p:cNvPr>
+          <p:cNvSpPr>
+            <a:spLocks noGrp="1"/>
+          </p:cNvSpPr>
+          <p:nvPr>
+            <p:ph type="title"/>
+          </p:nvPr>
+        </p:nvSpPr>
+        <p:spPr/>
+        <p:txBody>
+          <a:bodyPr/>
+          <a:lstStyle/>
+          <a:p>
+            <a:pPr algn="ctr"/>
+            <a:r>
+              <a:rPr lang="zh-TW" altLang="en-US" dirty="0"/>
+              <a:t>算分方式</a:t>
+            </a:r>
+          </a:p>
+        </p:txBody>
+      </p:sp>
+      <p:sp>
+        <p:nvSpPr>
+          <p:cNvPr id="3" name="內容版面配置區 2">
+            <a:extLst>
+              <a:ext uri="{FF2B5EF4-FFF2-40B4-BE49-F238E27FC236}">
+                <a16:creationId xmlns:a16="http://schemas.microsoft.com/office/drawing/2014/main" id="{D86CB370-C773-41D0-88E3-7C453E38532D}"/>
+              </a:ext>
+            </a:extLst>
+          </p:cNvPr>
+          <p:cNvSpPr>
+            <a:spLocks noGrp="1"/>
+          </p:cNvSpPr>
+          <p:nvPr>
+            <p:ph idx="1"/>
+          </p:nvPr>
+        </p:nvSpPr>
+        <p:spPr>
+          <a:xfrm>
+            <a:off x="838199" y="1825625"/>
+            <a:ext cx="11067661" cy="4351338"/>
+          </a:xfrm>
+        </p:spPr>
+        <p:txBody>
+          <a:bodyPr>
+            <a:normAutofit fontScale="92500"/>
+          </a:bodyPr>
+          <a:lstStyle/>
+          <a:p>
+            <a:r>
+              <a:rPr lang="en-US" altLang="zh-TW" sz="4400" dirty="0"/>
+              <a:t>3</a:t>
+            </a:r>
+            <a:r>
+              <a:rPr lang="zh-TW" altLang="en-US" sz="4400" dirty="0"/>
+              <a:t>個公開測資，</a:t>
+            </a:r>
+            <a:r>
+              <a:rPr lang="en-US" altLang="zh-TW" sz="4400" dirty="0"/>
+              <a:t>2</a:t>
+            </a:r>
+            <a:r>
+              <a:rPr lang="zh-TW" altLang="en-US" sz="4400" dirty="0"/>
+              <a:t>個隱藏測資，對一個測資</a:t>
+            </a:r>
+            <a:r>
+              <a:rPr lang="en-US" altLang="zh-TW" sz="4400" dirty="0"/>
+              <a:t>20</a:t>
+            </a:r>
+            <a:r>
+              <a:rPr lang="zh-TW" altLang="en-US" sz="4400" dirty="0"/>
+              <a:t>分</a:t>
+            </a:r>
+            <a:endParaRPr lang="en-US" altLang="zh-TW" sz="4400" dirty="0"/>
+          </a:p>
+          <a:p>
+            <a:endParaRPr lang="en-US" altLang="zh-TW" sz="4400" dirty="0"/>
+          </a:p>
+          <a:p>
+            <a:r>
+              <a:rPr lang="zh-TW" altLang="en-US" sz="4400" dirty="0"/>
+              <a:t>完成後上傳</a:t>
+            </a:r>
+            <a:r>
+              <a:rPr lang="en-US" altLang="zh-TW" sz="4400" dirty="0" err="1"/>
+              <a:t>cpp</a:t>
+            </a:r>
+            <a:r>
+              <a:rPr lang="zh-TW" altLang="en-US" sz="4400" dirty="0"/>
+              <a:t>檔到</a:t>
+            </a:r>
+            <a:r>
+              <a:rPr lang="en-US" altLang="zh-TW" sz="4400" dirty="0"/>
+              <a:t>portal</a:t>
+            </a:r>
+            <a:r>
+              <a:rPr lang="zh-TW" altLang="en-US" sz="4400" dirty="0"/>
+              <a:t>作業區，名稱為學號</a:t>
+            </a:r>
+            <a:r>
+              <a:rPr lang="en-US" altLang="zh-TW" sz="4400" dirty="0"/>
+              <a:t>(ex. 1091111.cpp)</a:t>
+            </a:r>
+          </a:p>
+          <a:p>
+            <a:endParaRPr lang="en-US" altLang="zh-TW" sz="4400" dirty="0"/>
+          </a:p>
+          <a:p>
+            <a:r>
+              <a:rPr lang="zh-TW" altLang="en-US" sz="4400" dirty="0"/>
+              <a:t>期限一周 </a:t>
+            </a:r>
+            <a:r>
+              <a:rPr lang="en-US" altLang="zh-TW" sz="4400" dirty="0"/>
+              <a:t>(</a:t>
+            </a:r>
+            <a:r>
+              <a:rPr lang="zh-TW" altLang="en-US" sz="4400" dirty="0"/>
+              <a:t>到下次上課日</a:t>
+            </a:r>
+            <a:r>
+              <a:rPr lang="en-US" altLang="zh-TW" sz="4400" dirty="0"/>
+              <a:t>3/10 23:59)</a:t>
+            </a:r>
+            <a:r>
+              <a:rPr lang="zh-TW" altLang="en-US" sz="4400" dirty="0"/>
+              <a:t>，逾期</a:t>
+            </a:r>
+            <a:r>
+              <a:rPr lang="en-US" altLang="zh-TW" sz="4400" dirty="0"/>
+              <a:t>0</a:t>
+            </a:r>
+            <a:r>
+              <a:rPr lang="zh-TW" altLang="en-US" sz="4400" dirty="0"/>
+              <a:t>分</a:t>
+            </a:r>
+            <a:endParaRPr lang="en-US" altLang="zh-TW" sz="4400" dirty="0"/>
+          </a:p>
+        </p:txBody>
+      </p:sp>
+    </p:spTree>
+    <p:extLst>
+      <p:ext uri="{BB962C8B-B14F-4D97-AF65-F5344CB8AC3E}">
+        <p14:creationId xmlns:p14="http://schemas.microsoft.com/office/powerpoint/2010/main" val="3054905019"/>
+      </p:ext>
+    </p:extLst>
+  </p:cSld>
+  <p:clrMapOvr>
+    <a:masterClrMapping/>
+  </p:clrMapOvr>
+</p:sld>
+</file>
+
+<file path=ppt/slides/slide17.xml><?xml version="1.0" encoding="utf-8"?>
+<p:sld xmlns:a="http://schemas.openxmlformats.org/drawingml/2006/main" xmlns:r="http://schemas.openxmlformats.org/officeDocument/2006/relationships" xmlns:p="http://schemas.openxmlformats.org/presentationml/2006/main">
+  <p:cSld>
+    <p:spTree>
+      <p:nvGrpSpPr>
+        <p:cNvPr id="1" name=""/>
+        <p:cNvGrpSpPr/>
+        <p:nvPr/>
+      </p:nvGrpSpPr>
+      <p:grpSpPr>
+        <a:xfrm>
+          <a:off x="0" y="0"/>
+          <a:ext cx="0" cy="0"/>
+          <a:chOff x="0" y="0"/>
+          <a:chExt cx="0" cy="0"/>
+        </a:xfrm>
+      </p:grpSpPr>
+      <p:sp>
+        <p:nvSpPr>
+          <p:cNvPr id="6" name="矩形 5">
+            <a:extLst>
+              <a:ext uri="{FF2B5EF4-FFF2-40B4-BE49-F238E27FC236}">
+                <a16:creationId xmlns:a16="http://schemas.microsoft.com/office/drawing/2014/main" id="{AC2BB906-024B-4DDA-879E-E9A840FE6BFD}"/>
+              </a:ext>
+            </a:extLst>
+          </p:cNvPr>
+          <p:cNvSpPr/>
+          <p:nvPr/>
+        </p:nvSpPr>
+        <p:spPr>
+          <a:xfrm>
+            <a:off x="0" y="3331027"/>
+            <a:ext cx="12192000" cy="3247151"/>
+          </a:xfrm>
+          <a:prstGeom prst="rect">
+            <a:avLst/>
+          </a:prstGeom>
+        </p:spPr>
+        <p:style>
+          <a:lnRef idx="2">
+            <a:schemeClr val="accent1">
+              <a:shade val="50000"/>
+            </a:schemeClr>
+          </a:lnRef>
+          <a:fillRef idx="1">
+            <a:schemeClr val="accent1"/>
+          </a:fillRef>
+          <a:effectRef idx="0">
+            <a:schemeClr val="accent1"/>
+          </a:effectRef>
+          <a:fontRef idx="minor">
+            <a:schemeClr val="lt1"/>
+          </a:fontRef>
+        </p:style>
+        <p:txBody>
+          <a:bodyPr rtlCol="0" anchor="ctr"/>
+          <a:lstStyle/>
+          <a:p>
+            <a:pPr algn="ctr"/>
+            <a:endParaRPr lang="zh-TW" altLang="en-US"/>
+          </a:p>
+        </p:txBody>
+      </p:sp>
+      <p:sp>
+        <p:nvSpPr>
+          <p:cNvPr id="2" name="標題 1">
+            <a:extLst>
+              <a:ext uri="{FF2B5EF4-FFF2-40B4-BE49-F238E27FC236}">
+                <a16:creationId xmlns:a16="http://schemas.microsoft.com/office/drawing/2014/main" id="{A8FFCE8C-B089-4656-B078-6ADF70056D7B}"/>
+              </a:ext>
+            </a:extLst>
+          </p:cNvPr>
+          <p:cNvSpPr>
+            <a:spLocks noGrp="1"/>
+          </p:cNvSpPr>
+          <p:nvPr>
+            <p:ph type="title"/>
+          </p:nvPr>
+        </p:nvSpPr>
+        <p:spPr/>
+        <p:txBody>
+          <a:bodyPr/>
+          <a:lstStyle/>
+          <a:p>
+            <a:pPr algn="ctr"/>
+            <a:r>
+              <a:rPr lang="zh-TW" altLang="en-US" dirty="0"/>
+              <a:t>課堂測驗</a:t>
+            </a:r>
+          </a:p>
+        </p:txBody>
+      </p:sp>
+      <p:sp>
+        <p:nvSpPr>
+          <p:cNvPr id="3" name="內容版面配置區 2">
+            <a:extLst>
+              <a:ext uri="{FF2B5EF4-FFF2-40B4-BE49-F238E27FC236}">
+                <a16:creationId xmlns:a16="http://schemas.microsoft.com/office/drawing/2014/main" id="{FC99FA85-CAB0-4670-AC37-D7648D169FD6}"/>
+              </a:ext>
+            </a:extLst>
+          </p:cNvPr>
+          <p:cNvSpPr>
+            <a:spLocks noGrp="1"/>
+          </p:cNvSpPr>
+          <p:nvPr>
+            <p:ph idx="1"/>
+          </p:nvPr>
+        </p:nvSpPr>
+        <p:spPr/>
+        <p:txBody>
+          <a:bodyPr>
+            <a:normAutofit/>
+          </a:bodyPr>
+          <a:lstStyle/>
+          <a:p>
+            <a:r>
+              <a:rPr lang="zh-TW" altLang="en-US" sz="4400" dirty="0"/>
+              <a:t>輸出九九乘法表 </a:t>
+            </a:r>
+            <a:r>
+              <a:rPr lang="en-US" altLang="zh-TW" sz="4400" dirty="0"/>
+              <a:t>(</a:t>
+            </a:r>
+            <a:r>
+              <a:rPr lang="zh-TW" altLang="en-US" sz="4400" dirty="0"/>
+              <a:t>要對齊</a:t>
+            </a:r>
+            <a:r>
+              <a:rPr lang="en-US" altLang="zh-TW" sz="4400" dirty="0"/>
+              <a:t>)</a:t>
+            </a:r>
+          </a:p>
+          <a:p>
+            <a:r>
+              <a:rPr lang="en-US" altLang="zh-TW" sz="4400" dirty="0"/>
+              <a:t>Hint: \t</a:t>
+            </a:r>
+            <a:endParaRPr lang="zh-TW" altLang="en-US" sz="4400" dirty="0"/>
+          </a:p>
+        </p:txBody>
+      </p:sp>
+      <p:pic>
+        <p:nvPicPr>
+          <p:cNvPr id="5" name="圖片 4">
+            <a:extLst>
+              <a:ext uri="{FF2B5EF4-FFF2-40B4-BE49-F238E27FC236}">
+                <a16:creationId xmlns:a16="http://schemas.microsoft.com/office/drawing/2014/main" id="{DE1C86E2-48C2-4006-8674-6B4515ED1DEC}"/>
+              </a:ext>
+            </a:extLst>
+          </p:cNvPr>
+          <p:cNvPicPr>
+            <a:picLocks noChangeAspect="1"/>
+          </p:cNvPicPr>
+          <p:nvPr/>
+        </p:nvPicPr>
+        <p:blipFill>
+          <a:blip r:embed="rId3">
+            <a:extLst>
+              <a:ext uri="{28A0092B-C50C-407E-A947-70E740481C1C}">
+                <a14:useLocalDpi xmlns:a14="http://schemas.microsoft.com/office/drawing/2010/main" val="0"/>
+              </a:ext>
+            </a:extLst>
+          </a:blip>
+          <a:stretch>
+            <a:fillRect/>
+          </a:stretch>
+        </p:blipFill>
+        <p:spPr>
+          <a:xfrm>
+            <a:off x="0" y="3456972"/>
+            <a:ext cx="12192000" cy="3065220"/>
+          </a:xfrm>
+          <a:prstGeom prst="rect">
+            <a:avLst/>
+          </a:prstGeom>
+        </p:spPr>
+      </p:pic>
+    </p:spTree>
+    <p:extLst>
+      <p:ext uri="{BB962C8B-B14F-4D97-AF65-F5344CB8AC3E}">
+        <p14:creationId xmlns:p14="http://schemas.microsoft.com/office/powerpoint/2010/main" val="2361564690"/>
+      </p:ext>
+    </p:extLst>
+  </p:cSld>
+  <p:clrMapOvr>
+    <a:masterClrMapping/>
+  </p:clrMapOvr>
+</p:sld>
+</file>
+
+<file path=ppt/slides/slide18.xml><?xml version="1.0" encoding="utf-8"?>
+<p:sld xmlns:a="http://schemas.openxmlformats.org/drawingml/2006/main" xmlns:r="http://schemas.openxmlformats.org/officeDocument/2006/relationships" xmlns:p="http://schemas.openxmlformats.org/presentationml/2006/main">
+  <p:cSld>
+    <p:spTree>
+      <p:nvGrpSpPr>
+        <p:cNvPr id="1" name=""/>
+        <p:cNvGrpSpPr/>
+        <p:nvPr/>
+      </p:nvGrpSpPr>
+      <p:grpSpPr>
+        <a:xfrm>
+          <a:off x="0" y="0"/>
+          <a:ext cx="0" cy="0"/>
+          <a:chOff x="0" y="0"/>
+          <a:chExt cx="0" cy="0"/>
+        </a:xfrm>
+      </p:grpSpPr>
+      <p:sp>
+        <p:nvSpPr>
+          <p:cNvPr id="2" name="標題 1">
+            <a:extLst>
+              <a:ext uri="{FF2B5EF4-FFF2-40B4-BE49-F238E27FC236}">
+                <a16:creationId xmlns:a16="http://schemas.microsoft.com/office/drawing/2014/main" id="{B790A085-2924-409A-BA2C-20FD5B2B5B30}"/>
+              </a:ext>
+            </a:extLst>
+          </p:cNvPr>
+          <p:cNvSpPr>
+            <a:spLocks noGrp="1"/>
+          </p:cNvSpPr>
+          <p:nvPr>
+            <p:ph type="title"/>
+          </p:nvPr>
+        </p:nvSpPr>
+        <p:spPr/>
+        <p:txBody>
+          <a:bodyPr/>
+          <a:lstStyle/>
+          <a:p>
+            <a:endParaRPr lang="zh-TW" altLang="en-US"/>
+          </a:p>
+        </p:txBody>
+      </p:sp>
+      <p:pic>
+        <p:nvPicPr>
+          <p:cNvPr id="5" name="內容版面配置區 4">
+            <a:extLst>
+              <a:ext uri="{FF2B5EF4-FFF2-40B4-BE49-F238E27FC236}">
+                <a16:creationId xmlns:a16="http://schemas.microsoft.com/office/drawing/2014/main" id="{3012BB94-1128-471B-9D71-B159B61DE2E3}"/>
+              </a:ext>
+            </a:extLst>
+          </p:cNvPr>
+          <p:cNvPicPr>
+            <a:picLocks noGrp="1" noChangeAspect="1"/>
+          </p:cNvPicPr>
+          <p:nvPr>
+            <p:ph idx="1"/>
+          </p:nvPr>
+        </p:nvPicPr>
+        <p:blipFill>
+          <a:blip r:embed="rId2">
+            <a:extLst>
+              <a:ext uri="{28A0092B-C50C-407E-A947-70E740481C1C}">
+                <a14:useLocalDpi xmlns:a14="http://schemas.microsoft.com/office/drawing/2010/main" val="0"/>
+              </a:ext>
+            </a:extLst>
+          </a:blip>
+          <a:stretch>
+            <a:fillRect/>
+          </a:stretch>
+        </p:blipFill>
+        <p:spPr>
+          <a:xfrm>
+            <a:off x="317128" y="809244"/>
+            <a:ext cx="11557744" cy="5239511"/>
+          </a:xfrm>
+        </p:spPr>
+      </p:pic>
+    </p:spTree>
+    <p:extLst>
+      <p:ext uri="{BB962C8B-B14F-4D97-AF65-F5344CB8AC3E}">
+        <p14:creationId xmlns:p14="http://schemas.microsoft.com/office/powerpoint/2010/main" val="2141050869"/>
+      </p:ext>
+    </p:extLst>
+  </p:cSld>
+  <p:clrMapOvr>
+    <a:masterClrMapping/>
+  </p:clrMapOvr>
+</p:sld>
+</file>
+
+<file path=ppt/slides/slide2.xml><?xml version="1.0" encoding="utf-8"?>
+<p:sld xmlns:a="http://schemas.openxmlformats.org/drawingml/2006/main" xmlns:r="http://schemas.openxmlformats.org/officeDocument/2006/relationships" xmlns:p="http://schemas.openxmlformats.org/presentationml/2006/main">
+  <p:cSld>
+    <p:spTree>
+      <p:nvGrpSpPr>
+        <p:cNvPr id="1" name=""/>
+        <p:cNvGrpSpPr/>
+        <p:nvPr/>
+      </p:nvGrpSpPr>
+      <p:grpSpPr>
+        <a:xfrm>
+          <a:off x="0" y="0"/>
+          <a:ext cx="0" cy="0"/>
+          <a:chOff x="0" y="0"/>
+          <a:chExt cx="0" cy="0"/>
+        </a:xfrm>
+      </p:grpSpPr>
+      <p:sp>
+        <p:nvSpPr>
+          <p:cNvPr id="2" name="標題 1">
+            <a:extLst>
+              <a:ext uri="{FF2B5EF4-FFF2-40B4-BE49-F238E27FC236}">
+                <a16:creationId xmlns:a16="http://schemas.microsoft.com/office/drawing/2014/main" id="{4AC7E817-8E3E-4F67-9C34-376FF633724F}"/>
+              </a:ext>
+            </a:extLst>
+          </p:cNvPr>
+          <p:cNvSpPr>
+            <a:spLocks noGrp="1"/>
+          </p:cNvSpPr>
+          <p:nvPr>
+            <p:ph type="title"/>
+          </p:nvPr>
+        </p:nvSpPr>
+        <p:spPr/>
+        <p:txBody>
+          <a:bodyPr>
+            <a:normAutofit/>
+          </a:bodyPr>
+          <a:lstStyle/>
+          <a:p>
+            <a:pPr algn="ctr"/>
+            <a:r>
+              <a:rPr lang="zh-TW" altLang="en-US" sz="6600" dirty="0"/>
+              <a:t>起手式</a:t>
+            </a:r>
+          </a:p>
+        </p:txBody>
+      </p:sp>
+      <p:sp>
+        <p:nvSpPr>
+          <p:cNvPr id="3" name="內容版面配置區 2">
+            <a:extLst>
+              <a:ext uri="{FF2B5EF4-FFF2-40B4-BE49-F238E27FC236}">
+                <a16:creationId xmlns:a16="http://schemas.microsoft.com/office/drawing/2014/main" id="{6402F112-D444-46AE-853D-3D3A2E8BA147}"/>
+              </a:ext>
+            </a:extLst>
+          </p:cNvPr>
+          <p:cNvSpPr>
+            <a:spLocks noGrp="1"/>
+          </p:cNvSpPr>
+          <p:nvPr>
+            <p:ph idx="1"/>
+          </p:nvPr>
+        </p:nvSpPr>
+        <p:spPr/>
+        <p:txBody>
+          <a:bodyPr/>
+          <a:lstStyle/>
+          <a:p>
+            <a:pPr marL="514350" indent="-514350">
+              <a:buFont typeface="+mj-lt"/>
+              <a:buAutoNum type="arabicPeriod"/>
+            </a:pPr>
+            <a:r>
+              <a:rPr lang="zh-TW" altLang="en-US" sz="4000" dirty="0"/>
+              <a:t>桌面 </a:t>
+            </a:r>
+            <a:r>
+              <a:rPr lang="en-US" altLang="zh-TW" sz="4000" dirty="0"/>
+              <a:t>-&gt; [</a:t>
+            </a:r>
+            <a:r>
+              <a:rPr lang="zh-TW" altLang="en-US" sz="4000" dirty="0"/>
+              <a:t>新增</a:t>
+            </a:r>
+            <a:r>
+              <a:rPr lang="en-US" altLang="zh-TW" sz="4000" dirty="0"/>
+              <a:t>] -&gt; [</a:t>
+            </a:r>
+            <a:r>
+              <a:rPr lang="zh-TW" altLang="en-US" sz="4000" dirty="0"/>
+              <a:t>資料夾</a:t>
+            </a:r>
+            <a:r>
+              <a:rPr lang="en-US" altLang="zh-TW" sz="4000" dirty="0"/>
+              <a:t>]</a:t>
+            </a:r>
+            <a:r>
+              <a:rPr lang="zh-TW" altLang="en-US" sz="4000" dirty="0"/>
+              <a:t>，名稱自訂</a:t>
+            </a:r>
+            <a:endParaRPr lang="en-US" altLang="zh-TW" sz="4000" dirty="0"/>
+          </a:p>
+          <a:p>
+            <a:pPr marL="514350" indent="-514350">
+              <a:buFont typeface="+mj-lt"/>
+              <a:buAutoNum type="arabicPeriod"/>
+            </a:pPr>
+            <a:r>
+              <a:rPr lang="en-US" altLang="zh-TW" sz="4000" dirty="0"/>
+              <a:t>Dev </a:t>
+            </a:r>
+            <a:r>
+              <a:rPr lang="en-US" altLang="zh-TW" sz="4000" dirty="0" err="1"/>
+              <a:t>c++</a:t>
+            </a:r>
+            <a:r>
+              <a:rPr lang="en-US" altLang="zh-TW" sz="4000" dirty="0"/>
+              <a:t> -&gt; [</a:t>
+            </a:r>
+            <a:r>
+              <a:rPr lang="zh-TW" altLang="en-US" sz="4000" dirty="0"/>
+              <a:t>儲存</a:t>
+            </a:r>
+            <a:r>
+              <a:rPr lang="en-US" altLang="zh-TW" sz="4000" dirty="0"/>
+              <a:t>]-&gt;</a:t>
+            </a:r>
+            <a:r>
+              <a:rPr lang="zh-TW" altLang="en-US" sz="4000" dirty="0"/>
+              <a:t> 選取資料夾 </a:t>
+            </a:r>
+            <a:r>
+              <a:rPr lang="en-US" altLang="zh-TW" sz="4000" dirty="0"/>
+              <a:t>-&gt; [</a:t>
+            </a:r>
+            <a:r>
+              <a:rPr lang="zh-TW" altLang="en-US" sz="4000" dirty="0"/>
+              <a:t>存檔</a:t>
+            </a:r>
+            <a:r>
+              <a:rPr lang="en-US" altLang="zh-TW" sz="4000" dirty="0"/>
+              <a:t>]</a:t>
+            </a:r>
+          </a:p>
+          <a:p>
+            <a:pPr marL="514350" indent="-514350">
+              <a:buFont typeface="+mj-lt"/>
+              <a:buAutoNum type="arabicPeriod"/>
+            </a:pPr>
+            <a:r>
+              <a:rPr lang="en-US" altLang="zh-TW" sz="4000" dirty="0"/>
+              <a:t>&lt;ctrl&gt; + </a:t>
+            </a:r>
+            <a:r>
+              <a:rPr lang="zh-TW" altLang="en-US" sz="4000" dirty="0"/>
+              <a:t>滑鼠轉軸 可縮放字體</a:t>
+            </a:r>
+            <a:endParaRPr lang="en-US" altLang="zh-TW" sz="4000" dirty="0"/>
+          </a:p>
+          <a:p>
+            <a:pPr marL="514350" indent="-514350">
+              <a:buFont typeface="+mj-lt"/>
+              <a:buAutoNum type="arabicPeriod"/>
+            </a:pPr>
+            <a:r>
+              <a:rPr lang="zh-TW" altLang="en-US" sz="4000" dirty="0"/>
+              <a:t>若需開新檔，</a:t>
+            </a:r>
+            <a:r>
+              <a:rPr lang="en-US" altLang="zh-TW" sz="4000" dirty="0"/>
+              <a:t>[</a:t>
+            </a:r>
+            <a:r>
+              <a:rPr lang="zh-TW" altLang="en-US" sz="4000" dirty="0"/>
+              <a:t>檔案</a:t>
+            </a:r>
+            <a:r>
+              <a:rPr lang="en-US" altLang="zh-TW" sz="4000" dirty="0"/>
+              <a:t>]-&gt;[</a:t>
+            </a:r>
+            <a:r>
+              <a:rPr lang="zh-TW" altLang="en-US" sz="4000" dirty="0"/>
+              <a:t>開新檔案</a:t>
+            </a:r>
+            <a:r>
+              <a:rPr lang="en-US" altLang="zh-TW" sz="4000" dirty="0"/>
+              <a:t>]-&gt;[</a:t>
+            </a:r>
+            <a:r>
+              <a:rPr lang="zh-TW" altLang="en-US" sz="4000" dirty="0"/>
+              <a:t>原始碼</a:t>
+            </a:r>
+            <a:r>
+              <a:rPr lang="en-US" altLang="zh-TW" sz="4000" dirty="0"/>
+              <a:t>]</a:t>
+            </a:r>
+          </a:p>
+          <a:p>
+            <a:pPr marL="514350" indent="-514350">
+              <a:buFont typeface="+mj-lt"/>
+              <a:buAutoNum type="arabicPeriod"/>
+            </a:pPr>
+            <a:endParaRPr lang="en-US" altLang="zh-TW" dirty="0"/>
+          </a:p>
+          <a:p>
+            <a:pPr marL="514350" indent="-514350">
+              <a:buFont typeface="+mj-lt"/>
+              <a:buAutoNum type="arabicPeriod"/>
+            </a:pPr>
+            <a:endParaRPr lang="en-US" altLang="zh-TW" dirty="0"/>
+          </a:p>
+          <a:p>
+            <a:pPr marL="514350" indent="-514350">
+              <a:buFont typeface="+mj-lt"/>
+              <a:buAutoNum type="arabicPeriod"/>
+            </a:pPr>
+            <a:endParaRPr lang="zh-TW" altLang="en-US" dirty="0"/>
+          </a:p>
+        </p:txBody>
+      </p:sp>
+    </p:spTree>
+    <p:extLst>
+      <p:ext uri="{BB962C8B-B14F-4D97-AF65-F5344CB8AC3E}">
+        <p14:creationId xmlns:p14="http://schemas.microsoft.com/office/powerpoint/2010/main" val="2798612341"/>
+      </p:ext>
+    </p:extLst>
+  </p:cSld>
+  <p:clrMapOvr>
+    <a:masterClrMapping/>
+  </p:clrMapOvr>
+</p:sld>
+</file>
+
+<file path=ppt/slides/slide3.xml><?xml version="1.0" encoding="utf-8"?>
+<p:sld xmlns:a="http://schemas.openxmlformats.org/drawingml/2006/main" xmlns:r="http://schemas.openxmlformats.org/officeDocument/2006/relationships" xmlns:p="http://schemas.openxmlformats.org/presentationml/2006/main">
+  <p:cSld>
+    <p:spTree>
+      <p:nvGrpSpPr>
+        <p:cNvPr id="1" name=""/>
+        <p:cNvGrpSpPr/>
+        <p:nvPr/>
+      </p:nvGrpSpPr>
+      <p:grpSpPr>
+        <a:xfrm>
+          <a:off x="0" y="0"/>
+          <a:ext cx="0" cy="0"/>
+          <a:chOff x="0" y="0"/>
+          <a:chExt cx="0" cy="0"/>
+        </a:xfrm>
+      </p:grpSpPr>
+      <p:sp>
+        <p:nvSpPr>
+          <p:cNvPr id="2" name="標題 1">
+            <a:extLst>
+              <a:ext uri="{FF2B5EF4-FFF2-40B4-BE49-F238E27FC236}">
+                <a16:creationId xmlns:a16="http://schemas.microsoft.com/office/drawing/2014/main" id="{8507527F-5C1D-4C1F-A4B6-D0ADBCF675AE}"/>
+              </a:ext>
+            </a:extLst>
+          </p:cNvPr>
+          <p:cNvSpPr>
+            <a:spLocks noGrp="1"/>
+          </p:cNvSpPr>
+          <p:nvPr>
+            <p:ph type="title"/>
+          </p:nvPr>
+        </p:nvSpPr>
+        <p:spPr/>
+        <p:txBody>
+          <a:bodyPr>
+            <a:normAutofit/>
+          </a:bodyPr>
+          <a:lstStyle/>
+          <a:p>
+            <a:pPr algn="ctr"/>
+            <a:r>
+              <a:rPr lang="zh-TW" altLang="en-US" sz="6600" dirty="0"/>
+              <a:t>註解</a:t>
+            </a:r>
+          </a:p>
+        </p:txBody>
+      </p:sp>
+      <p:sp>
+        <p:nvSpPr>
+          <p:cNvPr id="6" name="文字方塊 5">
+            <a:extLst>
+              <a:ext uri="{FF2B5EF4-FFF2-40B4-BE49-F238E27FC236}">
+                <a16:creationId xmlns:a16="http://schemas.microsoft.com/office/drawing/2014/main" id="{4F0BF381-09D4-463C-AA78-CE26354F7619}"/>
+              </a:ext>
+            </a:extLst>
+          </p:cNvPr>
+          <p:cNvSpPr txBox="1"/>
+          <p:nvPr/>
+        </p:nvSpPr>
+        <p:spPr>
+          <a:xfrm>
+            <a:off x="6940412" y="1802198"/>
+            <a:ext cx="4413388" cy="4247317"/>
+          </a:xfrm>
+          <a:prstGeom prst="rect">
+            <a:avLst/>
+          </a:prstGeom>
+          <a:noFill/>
+        </p:spPr>
+        <p:txBody>
+          <a:bodyPr wrap="none" rtlCol="0">
+            <a:spAutoFit/>
+          </a:bodyPr>
+          <a:lstStyle/>
+          <a:p>
+            <a:pPr marL="571500" indent="-571500">
+              <a:buFont typeface="Arial" panose="020B0604020202020204" pitchFamily="34" charset="0"/>
+              <a:buChar char="•"/>
+            </a:pPr>
+            <a:r>
+              <a:rPr lang="en-US" altLang="zh-TW" sz="5400" dirty="0"/>
+              <a:t>/* */</a:t>
+            </a:r>
+          </a:p>
+          <a:p>
+            <a:pPr marL="571500" indent="-571500">
+              <a:buFont typeface="Arial" panose="020B0604020202020204" pitchFamily="34" charset="0"/>
+              <a:buChar char="•"/>
+            </a:pPr>
+            <a:r>
+              <a:rPr lang="en-US" altLang="zh-TW" sz="5400" dirty="0"/>
+              <a:t>//</a:t>
+            </a:r>
+          </a:p>
+          <a:p>
+            <a:pPr marL="571500" indent="-571500">
+              <a:buFont typeface="Arial" panose="020B0604020202020204" pitchFamily="34" charset="0"/>
+              <a:buChar char="•"/>
+            </a:pPr>
+            <a:r>
+              <a:rPr lang="zh-TW" altLang="en-US" sz="5400" dirty="0"/>
+              <a:t>多行註解</a:t>
+            </a:r>
+            <a:r>
+              <a:rPr lang="en-US" altLang="zh-TW" sz="5400" dirty="0"/>
+              <a:t>:</a:t>
+            </a:r>
+            <a:r>
+              <a:rPr lang="zh-TW" altLang="en-US" sz="5400" dirty="0"/>
+              <a:t> </a:t>
+            </a:r>
+            <a:endParaRPr lang="en-US" altLang="zh-TW" sz="5400" dirty="0"/>
+          </a:p>
+          <a:p>
+            <a:r>
+              <a:rPr lang="en-US" altLang="zh-TW" sz="5400" dirty="0"/>
+              <a:t>	1.</a:t>
+            </a:r>
+            <a:r>
+              <a:rPr lang="zh-TW" altLang="en-US" sz="5400" dirty="0"/>
+              <a:t> </a:t>
+            </a:r>
+            <a:r>
+              <a:rPr lang="en-US" altLang="zh-TW" sz="5400" dirty="0"/>
+              <a:t>shift</a:t>
+            </a:r>
+            <a:r>
+              <a:rPr lang="zh-TW" altLang="en-US" sz="5400" dirty="0"/>
+              <a:t>選取</a:t>
+            </a:r>
+            <a:endParaRPr lang="en-US" altLang="zh-TW" sz="5400" dirty="0"/>
+          </a:p>
+          <a:p>
+            <a:r>
+              <a:rPr lang="en-US" altLang="zh-TW" sz="5400" dirty="0"/>
+              <a:t>	2.</a:t>
+            </a:r>
+            <a:r>
+              <a:rPr lang="zh-TW" altLang="en-US" sz="5400" dirty="0"/>
+              <a:t> </a:t>
+            </a:r>
+            <a:r>
+              <a:rPr lang="en-US" altLang="zh-TW" sz="5400" dirty="0"/>
+              <a:t>&lt;ctrl&gt; + /</a:t>
+            </a:r>
+            <a:endParaRPr lang="zh-TW" altLang="en-US" sz="5400" dirty="0"/>
+          </a:p>
+        </p:txBody>
+      </p:sp>
+      <p:pic>
+        <p:nvPicPr>
+          <p:cNvPr id="10" name="內容版面配置區 9">
+            <a:extLst>
+              <a:ext uri="{FF2B5EF4-FFF2-40B4-BE49-F238E27FC236}">
+                <a16:creationId xmlns:a16="http://schemas.microsoft.com/office/drawing/2014/main" id="{72EEB4AE-9DC4-4E52-BECF-7310E1EAE921}"/>
+              </a:ext>
+            </a:extLst>
+          </p:cNvPr>
+          <p:cNvPicPr>
+            <a:picLocks noGrp="1" noChangeAspect="1"/>
+          </p:cNvPicPr>
+          <p:nvPr>
+            <p:ph idx="1"/>
+          </p:nvPr>
+        </p:nvPicPr>
+        <p:blipFill>
+          <a:blip r:embed="rId3">
+            <a:extLst>
+              <a:ext uri="{28A0092B-C50C-407E-A947-70E740481C1C}">
+                <a14:useLocalDpi xmlns:a14="http://schemas.microsoft.com/office/drawing/2010/main" val="0"/>
+              </a:ext>
+            </a:extLst>
+          </a:blip>
+          <a:stretch>
+            <a:fillRect/>
+          </a:stretch>
+        </p:blipFill>
+        <p:spPr>
+          <a:xfrm>
+            <a:off x="0" y="1387880"/>
+            <a:ext cx="6682902" cy="5461198"/>
+          </a:xfrm>
+        </p:spPr>
+      </p:pic>
+    </p:spTree>
+    <p:extLst>
+      <p:ext uri="{BB962C8B-B14F-4D97-AF65-F5344CB8AC3E}">
+        <p14:creationId xmlns:p14="http://schemas.microsoft.com/office/powerpoint/2010/main" val="3686717004"/>
+      </p:ext>
+    </p:extLst>
+  </p:cSld>
+  <p:clrMapOvr>
+    <a:masterClrMapping/>
+  </p:clrMapOvr>
+</p:sld>
+</file>
+
+<file path=ppt/slides/slide4.xml><?xml version="1.0" encoding="utf-8"?>
+<p:sld xmlns:a="http://schemas.openxmlformats.org/drawingml/2006/main" xmlns:r="http://schemas.openxmlformats.org/officeDocument/2006/relationships" xmlns:p="http://schemas.openxmlformats.org/presentationml/2006/main">
+  <p:cSld>
+    <p:spTree>
+      <p:nvGrpSpPr>
+        <p:cNvPr id="1" name=""/>
+        <p:cNvGrpSpPr/>
+        <p:nvPr/>
+      </p:nvGrpSpPr>
+      <p:grpSpPr>
+        <a:xfrm>
+          <a:off x="0" y="0"/>
+          <a:ext cx="0" cy="0"/>
+          <a:chOff x="0" y="0"/>
+          <a:chExt cx="0" cy="0"/>
+        </a:xfrm>
+      </p:grpSpPr>
+      <p:sp>
+        <p:nvSpPr>
+          <p:cNvPr id="2" name="標題 1">
+            <a:extLst>
+              <a:ext uri="{FF2B5EF4-FFF2-40B4-BE49-F238E27FC236}">
+                <a16:creationId xmlns:a16="http://schemas.microsoft.com/office/drawing/2014/main" id="{8C512009-15A6-42CD-86AB-6DA49ED2194A}"/>
+              </a:ext>
+            </a:extLst>
+          </p:cNvPr>
+          <p:cNvSpPr>
+            <a:spLocks noGrp="1"/>
+          </p:cNvSpPr>
+          <p:nvPr>
+            <p:ph type="title"/>
+          </p:nvPr>
+        </p:nvSpPr>
+        <p:spPr>
+          <a:xfrm>
+            <a:off x="838200" y="365125"/>
+            <a:ext cx="10515600" cy="1325563"/>
+          </a:xfrm>
+        </p:spPr>
+        <p:txBody>
+          <a:bodyPr>
+            <a:normAutofit/>
+          </a:bodyPr>
+          <a:lstStyle/>
+          <a:p>
+            <a:pPr algn="ctr"/>
+            <a:r>
+              <a:rPr lang="zh-TW" altLang="en-US" sz="6000" dirty="0"/>
+              <a:t>注意</a:t>
+            </a:r>
+            <a:r>
+              <a:rPr lang="en-US" altLang="zh-TW" sz="6000" dirty="0"/>
+              <a:t>:</a:t>
+            </a:r>
+            <a:r>
+              <a:rPr lang="en-US" altLang="zh-TW" sz="6000" dirty="0" err="1"/>
+              <a:t>Cin</a:t>
+            </a:r>
+            <a:r>
+              <a:rPr lang="zh-TW" altLang="en-US" sz="6000" dirty="0"/>
+              <a:t>前無提示輸入訊息</a:t>
+            </a:r>
+          </a:p>
+        </p:txBody>
+      </p:sp>
+      <p:pic>
+        <p:nvPicPr>
+          <p:cNvPr id="5" name="內容版面配置區 4">
+            <a:extLst>
+              <a:ext uri="{FF2B5EF4-FFF2-40B4-BE49-F238E27FC236}">
+                <a16:creationId xmlns:a16="http://schemas.microsoft.com/office/drawing/2014/main" id="{F2C0A0AD-2B36-4492-8634-6811C41274BD}"/>
+              </a:ext>
+            </a:extLst>
+          </p:cNvPr>
+          <p:cNvPicPr>
+            <a:picLocks noGrp="1" noChangeAspect="1"/>
+          </p:cNvPicPr>
+          <p:nvPr>
+            <p:ph idx="1"/>
+          </p:nvPr>
+        </p:nvPicPr>
+        <p:blipFill>
+          <a:blip r:embed="rId3">
+            <a:extLst>
+              <a:ext uri="{28A0092B-C50C-407E-A947-70E740481C1C}">
+                <a14:useLocalDpi xmlns:a14="http://schemas.microsoft.com/office/drawing/2010/main" val="0"/>
+              </a:ext>
+            </a:extLst>
+          </a:blip>
+          <a:stretch>
+            <a:fillRect/>
+          </a:stretch>
+        </p:blipFill>
+        <p:spPr>
+          <a:xfrm>
+            <a:off x="384826" y="1778659"/>
+            <a:ext cx="7563458" cy="3949806"/>
+          </a:xfrm>
+        </p:spPr>
+      </p:pic>
+      <p:pic>
+        <p:nvPicPr>
+          <p:cNvPr id="7" name="圖片 6">
+            <a:extLst>
+              <a:ext uri="{FF2B5EF4-FFF2-40B4-BE49-F238E27FC236}">
+                <a16:creationId xmlns:a16="http://schemas.microsoft.com/office/drawing/2014/main" id="{7CC78796-4198-408D-9F8E-2E46E636AB80}"/>
+              </a:ext>
+            </a:extLst>
+          </p:cNvPr>
+          <p:cNvPicPr>
+            <a:picLocks noChangeAspect="1"/>
+          </p:cNvPicPr>
+          <p:nvPr/>
+        </p:nvPicPr>
+        <p:blipFill>
+          <a:blip r:embed="rId4">
+            <a:extLst>
+              <a:ext uri="{28A0092B-C50C-407E-A947-70E740481C1C}">
+                <a14:useLocalDpi xmlns:a14="http://schemas.microsoft.com/office/drawing/2010/main" val="0"/>
+              </a:ext>
+            </a:extLst>
+          </a:blip>
+          <a:stretch>
+            <a:fillRect/>
+          </a:stretch>
+        </p:blipFill>
+        <p:spPr>
+          <a:xfrm>
+            <a:off x="7591561" y="1950115"/>
+            <a:ext cx="4215613" cy="3606893"/>
+          </a:xfrm>
+          <a:prstGeom prst="rect">
+            <a:avLst/>
+          </a:prstGeom>
+        </p:spPr>
+      </p:pic>
+    </p:spTree>
+    <p:extLst>
+      <p:ext uri="{BB962C8B-B14F-4D97-AF65-F5344CB8AC3E}">
+        <p14:creationId xmlns:p14="http://schemas.microsoft.com/office/powerpoint/2010/main" val="848549443"/>
+      </p:ext>
+    </p:extLst>
+  </p:cSld>
+  <p:clrMapOvr>
+    <a:masterClrMapping/>
+  </p:clrMapOvr>
+</p:sld>
+</file>
+
+<file path=ppt/slides/slide5.xml><?xml version="1.0" encoding="utf-8"?>
+<p:sld xmlns:a="http://schemas.openxmlformats.org/drawingml/2006/main" xmlns:r="http://schemas.openxmlformats.org/officeDocument/2006/relationships" xmlns:p="http://schemas.openxmlformats.org/presentationml/2006/main">
+  <p:cSld>
+    <p:spTree>
+      <p:nvGrpSpPr>
+        <p:cNvPr id="1" name=""/>
+        <p:cNvGrpSpPr/>
+        <p:nvPr/>
+      </p:nvGrpSpPr>
+      <p:grpSpPr>
+        <a:xfrm>
+          <a:off x="0" y="0"/>
+          <a:ext cx="0" cy="0"/>
+          <a:chOff x="0" y="0"/>
+          <a:chExt cx="0" cy="0"/>
+        </a:xfrm>
+      </p:grpSpPr>
+      <p:sp>
+        <p:nvSpPr>
+          <p:cNvPr id="2" name="標題 1">
+            <a:extLst>
+              <a:ext uri="{FF2B5EF4-FFF2-40B4-BE49-F238E27FC236}">
+                <a16:creationId xmlns:a16="http://schemas.microsoft.com/office/drawing/2014/main" id="{0B845E76-B1EF-42B5-B001-FE9F0F869CD5}"/>
+              </a:ext>
+            </a:extLst>
+          </p:cNvPr>
+          <p:cNvSpPr>
+            <a:spLocks noGrp="1"/>
+          </p:cNvSpPr>
+          <p:nvPr>
+            <p:ph type="title"/>
+          </p:nvPr>
+        </p:nvSpPr>
+        <p:spPr/>
+        <p:txBody>
+          <a:bodyPr>
+            <a:normAutofit/>
+          </a:bodyPr>
+          <a:lstStyle/>
+          <a:p>
+            <a:pPr algn="ctr"/>
+            <a:r>
+              <a:rPr lang="zh-TW" altLang="en-US" sz="6600" dirty="0"/>
+              <a:t>溢位</a:t>
+            </a:r>
+          </a:p>
+        </p:txBody>
+      </p:sp>
+      <p:sp>
+        <p:nvSpPr>
+          <p:cNvPr id="3" name="內容版面配置區 2">
+            <a:extLst>
+              <a:ext uri="{FF2B5EF4-FFF2-40B4-BE49-F238E27FC236}">
+                <a16:creationId xmlns:a16="http://schemas.microsoft.com/office/drawing/2014/main" id="{97C454DC-2FCD-41D7-9FB6-576740985FD4}"/>
+              </a:ext>
+            </a:extLst>
+          </p:cNvPr>
+          <p:cNvSpPr>
+            <a:spLocks noGrp="1"/>
+          </p:cNvSpPr>
+          <p:nvPr>
+            <p:ph idx="1"/>
+          </p:nvPr>
+        </p:nvSpPr>
+        <p:spPr/>
+        <p:txBody>
+          <a:bodyPr>
+            <a:normAutofit fontScale="70000" lnSpcReduction="20000"/>
+          </a:bodyPr>
+          <a:lstStyle/>
+          <a:p>
+            <a:r>
+              <a:rPr lang="en-US" altLang="zh-TW" sz="6400" dirty="0"/>
+              <a:t>2 ^ (4 * 8) = 2 ^ 32  =  4,294,967,296</a:t>
+            </a:r>
+          </a:p>
+          <a:p>
+            <a:r>
+              <a:rPr lang="en-US" altLang="zh-TW" sz="6400" dirty="0"/>
+              <a:t>01, int =&gt; 4bytes, 1byte = 8bits </a:t>
+            </a:r>
+          </a:p>
+          <a:p>
+            <a:endParaRPr lang="en-US" altLang="zh-TW" sz="6400" dirty="0"/>
+          </a:p>
+          <a:p>
+            <a:r>
+              <a:rPr lang="zh-TW" altLang="en-US" sz="6400" dirty="0"/>
+              <a:t>有號整數</a:t>
+            </a:r>
+            <a:r>
+              <a:rPr lang="en-US" altLang="zh-TW" sz="6400" dirty="0"/>
+              <a:t>(</a:t>
+            </a:r>
+            <a:r>
+              <a:rPr lang="en-US" altLang="zh-TW" sz="6400" dirty="0">
+                <a:solidFill>
+                  <a:schemeClr val="accent1">
+                    <a:lumMod val="60000"/>
+                    <a:lumOff val="40000"/>
+                  </a:schemeClr>
+                </a:solidFill>
+              </a:rPr>
+              <a:t>int</a:t>
+            </a:r>
+            <a:r>
+              <a:rPr lang="en-US" altLang="zh-TW" sz="6400" dirty="0"/>
+              <a:t>):</a:t>
+            </a:r>
+            <a:r>
+              <a:rPr lang="zh-TW" altLang="en-US" sz="6400" dirty="0"/>
+              <a:t> </a:t>
+            </a:r>
+            <a:r>
+              <a:rPr lang="en-US" altLang="zh-TW" sz="6400" dirty="0"/>
+              <a:t>-2147483648 ~</a:t>
+            </a:r>
+            <a:r>
+              <a:rPr lang="zh-TW" altLang="en-US" sz="6400" dirty="0"/>
+              <a:t> </a:t>
+            </a:r>
+            <a:r>
+              <a:rPr lang="en-US" altLang="zh-TW" sz="6400" dirty="0"/>
+              <a:t>2147483647</a:t>
+            </a:r>
+          </a:p>
+          <a:p>
+            <a:endParaRPr lang="en-US" altLang="zh-TW" sz="6400" dirty="0"/>
+          </a:p>
+          <a:p>
+            <a:r>
+              <a:rPr lang="zh-TW" altLang="en-US" sz="6400" dirty="0"/>
+              <a:t>無號整數</a:t>
+            </a:r>
+            <a:r>
+              <a:rPr lang="en-US" altLang="zh-TW" sz="6400" dirty="0"/>
+              <a:t>(</a:t>
+            </a:r>
+            <a:r>
+              <a:rPr lang="en-US" altLang="zh-TW" sz="6400" dirty="0">
+                <a:solidFill>
+                  <a:schemeClr val="accent1">
+                    <a:lumMod val="60000"/>
+                    <a:lumOff val="40000"/>
+                  </a:schemeClr>
+                </a:solidFill>
+              </a:rPr>
+              <a:t>unsinged int</a:t>
+            </a:r>
+            <a:r>
+              <a:rPr lang="en-US" altLang="zh-TW" sz="6400" dirty="0"/>
+              <a:t>):</a:t>
+            </a:r>
+            <a:r>
+              <a:rPr lang="zh-TW" altLang="en-US" sz="6400" dirty="0"/>
+              <a:t> </a:t>
+            </a:r>
+            <a:r>
+              <a:rPr lang="en-US" altLang="zh-TW" sz="6400" dirty="0"/>
+              <a:t>0 ~</a:t>
+            </a:r>
+            <a:r>
+              <a:rPr lang="en-US" altLang="zh-TW" sz="4800" dirty="0"/>
+              <a:t> </a:t>
+            </a:r>
+            <a:r>
+              <a:rPr lang="en-US" altLang="zh-TW" sz="6300" dirty="0"/>
+              <a:t>4294967295</a:t>
+            </a:r>
+          </a:p>
+          <a:p>
+            <a:endParaRPr lang="en-US" altLang="zh-TW" sz="4800" dirty="0"/>
+          </a:p>
+          <a:p>
+            <a:pPr marL="0" indent="0">
+              <a:buNone/>
+            </a:pPr>
+            <a:endParaRPr lang="zh-TW" altLang="en-US" sz="4800" dirty="0"/>
+          </a:p>
+        </p:txBody>
+      </p:sp>
+    </p:spTree>
+    <p:extLst>
+      <p:ext uri="{BB962C8B-B14F-4D97-AF65-F5344CB8AC3E}">
+        <p14:creationId xmlns:p14="http://schemas.microsoft.com/office/powerpoint/2010/main" val="3973931120"/>
+      </p:ext>
+    </p:extLst>
+  </p:cSld>
+  <p:clrMapOvr>
+    <a:masterClrMapping/>
+  </p:clrMapOvr>
+</p:sld>
+</file>
+
+<file path=ppt/slides/slide6.xml><?xml version="1.0" encoding="utf-8"?>
+<p:sld xmlns:a="http://schemas.openxmlformats.org/drawingml/2006/main" xmlns:r="http://schemas.openxmlformats.org/officeDocument/2006/relationships" xmlns:p="http://schemas.openxmlformats.org/presentationml/2006/main">
+  <p:cSld>
+    <p:spTree>
+      <p:nvGrpSpPr>
+        <p:cNvPr id="1" name=""/>
+        <p:cNvGrpSpPr/>
+        <p:nvPr/>
+      </p:nvGrpSpPr>
+      <p:grpSpPr>
+        <a:xfrm>
+          <a:off x="0" y="0"/>
+          <a:ext cx="0" cy="0"/>
+          <a:chOff x="0" y="0"/>
+          <a:chExt cx="0" cy="0"/>
+        </a:xfrm>
+      </p:grpSpPr>
+      <p:sp>
+        <p:nvSpPr>
+          <p:cNvPr id="2" name="標題 1">
+            <a:extLst>
+              <a:ext uri="{FF2B5EF4-FFF2-40B4-BE49-F238E27FC236}">
+                <a16:creationId xmlns:a16="http://schemas.microsoft.com/office/drawing/2014/main" id="{9036F4CD-BFD1-4563-AD3D-0BE79BFB5D94}"/>
+              </a:ext>
+            </a:extLst>
+          </p:cNvPr>
+          <p:cNvSpPr>
+            <a:spLocks noGrp="1"/>
+          </p:cNvSpPr>
+          <p:nvPr>
+            <p:ph type="title"/>
+          </p:nvPr>
+        </p:nvSpPr>
+        <p:spPr/>
+        <p:txBody>
+          <a:bodyPr/>
+          <a:lstStyle/>
+          <a:p>
+            <a:endParaRPr lang="zh-TW" altLang="en-US"/>
+          </a:p>
+        </p:txBody>
+      </p:sp>
+      <p:pic>
+        <p:nvPicPr>
+          <p:cNvPr id="5" name="內容版面配置區 4">
+            <a:extLst>
+              <a:ext uri="{FF2B5EF4-FFF2-40B4-BE49-F238E27FC236}">
+                <a16:creationId xmlns:a16="http://schemas.microsoft.com/office/drawing/2014/main" id="{E5C8BC13-DC50-4CBB-8C8B-5AD9A6E18054}"/>
+              </a:ext>
+            </a:extLst>
+          </p:cNvPr>
+          <p:cNvPicPr>
+            <a:picLocks noGrp="1" noChangeAspect="1"/>
+          </p:cNvPicPr>
+          <p:nvPr>
+            <p:ph idx="1"/>
+          </p:nvPr>
+        </p:nvPicPr>
+        <p:blipFill>
+          <a:blip r:embed="rId3">
+            <a:extLst>
+              <a:ext uri="{28A0092B-C50C-407E-A947-70E740481C1C}">
+                <a14:useLocalDpi xmlns:a14="http://schemas.microsoft.com/office/drawing/2010/main" val="0"/>
+              </a:ext>
+            </a:extLst>
+          </a:blip>
+          <a:stretch>
+            <a:fillRect/>
+          </a:stretch>
+        </p:blipFill>
+        <p:spPr>
+          <a:xfrm>
+            <a:off x="9331" y="587829"/>
+            <a:ext cx="12163748" cy="5253135"/>
+          </a:xfrm>
+        </p:spPr>
+      </p:pic>
+      <p:sp>
+        <p:nvSpPr>
+          <p:cNvPr id="6" name="文字方塊 5">
+            <a:extLst>
+              <a:ext uri="{FF2B5EF4-FFF2-40B4-BE49-F238E27FC236}">
+                <a16:creationId xmlns:a16="http://schemas.microsoft.com/office/drawing/2014/main" id="{992EB8F3-1105-4A06-909F-B8FADCA1FFD6}"/>
+              </a:ext>
+            </a:extLst>
+          </p:cNvPr>
+          <p:cNvSpPr txBox="1"/>
+          <p:nvPr/>
+        </p:nvSpPr>
+        <p:spPr>
+          <a:xfrm>
+            <a:off x="139960" y="6308209"/>
+            <a:ext cx="4081245" cy="369332"/>
+          </a:xfrm>
+          <a:prstGeom prst="rect">
+            <a:avLst/>
+          </a:prstGeom>
+          <a:noFill/>
+        </p:spPr>
+        <p:txBody>
+          <a:bodyPr wrap="none" rtlCol="0">
+            <a:spAutoFit/>
+          </a:bodyPr>
+          <a:lstStyle/>
+          <a:p>
+            <a:r>
+              <a:rPr lang="zh-TW" altLang="en-US" dirty="0"/>
+              <a:t>圖片引用自 </a:t>
+            </a:r>
+            <a:r>
+              <a:rPr lang="en-US" altLang="zh-TW" dirty="0"/>
+              <a:t>https://java.4-x.tw/java-03-2</a:t>
+            </a:r>
+            <a:endParaRPr lang="zh-TW" altLang="en-US" dirty="0"/>
+          </a:p>
+        </p:txBody>
+      </p:sp>
+    </p:spTree>
+    <p:extLst>
+      <p:ext uri="{BB962C8B-B14F-4D97-AF65-F5344CB8AC3E}">
+        <p14:creationId xmlns:p14="http://schemas.microsoft.com/office/powerpoint/2010/main" val="2908612701"/>
+      </p:ext>
+    </p:extLst>
+  </p:cSld>
+  <p:clrMapOvr>
+    <a:masterClrMapping/>
+  </p:clrMapOvr>
+</p:sld>
+</file>
+
+<file path=ppt/slides/slide7.xml><?xml version="1.0" encoding="utf-8"?>
+<p:sld xmlns:a="http://schemas.openxmlformats.org/drawingml/2006/main" xmlns:r="http://schemas.openxmlformats.org/officeDocument/2006/relationships" xmlns:p="http://schemas.openxmlformats.org/presentationml/2006/main">
+  <p:cSld>
+    <p:spTree>
+      <p:nvGrpSpPr>
+        <p:cNvPr id="1" name=""/>
+        <p:cNvGrpSpPr/>
+        <p:nvPr/>
+      </p:nvGrpSpPr>
+      <p:grpSpPr>
+        <a:xfrm>
+          <a:off x="0" y="0"/>
+          <a:ext cx="0" cy="0"/>
+          <a:chOff x="0" y="0"/>
+          <a:chExt cx="0" cy="0"/>
+        </a:xfrm>
+      </p:grpSpPr>
+      <p:sp>
+        <p:nvSpPr>
+          <p:cNvPr id="2" name="標題 1">
+            <a:extLst>
+              <a:ext uri="{FF2B5EF4-FFF2-40B4-BE49-F238E27FC236}">
+                <a16:creationId xmlns:a16="http://schemas.microsoft.com/office/drawing/2014/main" id="{6180D867-27B5-4A7A-BFB5-F9AC2F9AF707}"/>
+              </a:ext>
+            </a:extLst>
+          </p:cNvPr>
+          <p:cNvSpPr>
+            <a:spLocks noGrp="1"/>
+          </p:cNvSpPr>
+          <p:nvPr>
+            <p:ph type="title"/>
+          </p:nvPr>
+        </p:nvSpPr>
+        <p:spPr/>
+        <p:txBody>
+          <a:bodyPr/>
+          <a:lstStyle/>
+          <a:p>
+            <a:endParaRPr lang="zh-TW" altLang="en-US"/>
+          </a:p>
+        </p:txBody>
+      </p:sp>
+      <p:pic>
+        <p:nvPicPr>
+          <p:cNvPr id="11" name="圖片 10">
+            <a:extLst>
+              <a:ext uri="{FF2B5EF4-FFF2-40B4-BE49-F238E27FC236}">
+                <a16:creationId xmlns:a16="http://schemas.microsoft.com/office/drawing/2014/main" id="{85B80823-D832-4632-8C0C-8CE35FB0DE38}"/>
+              </a:ext>
+            </a:extLst>
+          </p:cNvPr>
+          <p:cNvPicPr>
+            <a:picLocks noChangeAspect="1"/>
+          </p:cNvPicPr>
+          <p:nvPr/>
+        </p:nvPicPr>
+        <p:blipFill>
+          <a:blip r:embed="rId3">
+            <a:extLst>
+              <a:ext uri="{28A0092B-C50C-407E-A947-70E740481C1C}">
+                <a14:useLocalDpi xmlns:a14="http://schemas.microsoft.com/office/drawing/2010/main" val="0"/>
+              </a:ext>
+            </a:extLst>
+          </a:blip>
+          <a:stretch>
+            <a:fillRect/>
+          </a:stretch>
+        </p:blipFill>
+        <p:spPr>
+          <a:xfrm>
+            <a:off x="0" y="0"/>
+            <a:ext cx="7038975" cy="5229225"/>
+          </a:xfrm>
+          <a:prstGeom prst="rect">
+            <a:avLst/>
+          </a:prstGeom>
+        </p:spPr>
+      </p:pic>
+      <p:pic>
+        <p:nvPicPr>
+          <p:cNvPr id="9" name="內容版面配置區 8">
+            <a:extLst>
+              <a:ext uri="{FF2B5EF4-FFF2-40B4-BE49-F238E27FC236}">
+                <a16:creationId xmlns:a16="http://schemas.microsoft.com/office/drawing/2014/main" id="{D866F45E-4967-4430-A605-08B7918A031E}"/>
+              </a:ext>
+            </a:extLst>
+          </p:cNvPr>
+          <p:cNvPicPr>
+            <a:picLocks noGrp="1" noChangeAspect="1"/>
+          </p:cNvPicPr>
+          <p:nvPr>
+            <p:ph idx="1"/>
+          </p:nvPr>
+        </p:nvPicPr>
+        <p:blipFill>
+          <a:blip r:embed="rId4">
+            <a:extLst>
+              <a:ext uri="{28A0092B-C50C-407E-A947-70E740481C1C}">
+                <a14:useLocalDpi xmlns:a14="http://schemas.microsoft.com/office/drawing/2010/main" val="0"/>
+              </a:ext>
+            </a:extLst>
+          </a:blip>
+          <a:stretch>
+            <a:fillRect/>
+          </a:stretch>
+        </p:blipFill>
+        <p:spPr>
+          <a:xfrm>
+            <a:off x="5814332" y="4738110"/>
+            <a:ext cx="6306134" cy="2119890"/>
+          </a:xfrm>
+        </p:spPr>
+      </p:pic>
+    </p:spTree>
+    <p:extLst>
+      <p:ext uri="{BB962C8B-B14F-4D97-AF65-F5344CB8AC3E}">
+        <p14:creationId xmlns:p14="http://schemas.microsoft.com/office/powerpoint/2010/main" val="3151768780"/>
+      </p:ext>
+    </p:extLst>
+  </p:cSld>
+  <p:clrMapOvr>
+    <a:masterClrMapping/>
+  </p:clrMapOvr>
+</p:sld>
+</file>
+
+<file path=ppt/slides/slide8.xml><?xml version="1.0" encoding="utf-8"?>
+<p:sld xmlns:a="http://schemas.openxmlformats.org/drawingml/2006/main" xmlns:r="http://schemas.openxmlformats.org/officeDocument/2006/relationships" xmlns:p="http://schemas.openxmlformats.org/presentationml/2006/main">
+  <p:cSld>
+    <p:spTree>
+      <p:nvGrpSpPr>
+        <p:cNvPr id="1" name=""/>
+        <p:cNvGrpSpPr/>
+        <p:nvPr/>
+      </p:nvGrpSpPr>
+      <p:grpSpPr>
+        <a:xfrm>
+          <a:off x="0" y="0"/>
+          <a:ext cx="0" cy="0"/>
+          <a:chOff x="0" y="0"/>
+          <a:chExt cx="0" cy="0"/>
+        </a:xfrm>
+      </p:grpSpPr>
+      <p:sp>
+        <p:nvSpPr>
+          <p:cNvPr id="2" name="標題 1">
+            <a:extLst>
+              <a:ext uri="{FF2B5EF4-FFF2-40B4-BE49-F238E27FC236}">
+                <a16:creationId xmlns:a16="http://schemas.microsoft.com/office/drawing/2014/main" id="{F9C898E0-B176-4A43-BEF2-AA2E181BCA6D}"/>
+              </a:ext>
+            </a:extLst>
+          </p:cNvPr>
+          <p:cNvSpPr>
+            <a:spLocks noGrp="1"/>
+          </p:cNvSpPr>
+          <p:nvPr>
+            <p:ph type="title"/>
+          </p:nvPr>
+        </p:nvSpPr>
+        <p:spPr/>
+        <p:txBody>
+          <a:bodyPr/>
+          <a:lstStyle/>
+          <a:p>
+            <a:pPr algn="ctr"/>
+            <a:r>
+              <a:rPr lang="zh-TW" altLang="en-US" dirty="0"/>
+              <a:t>跳脫字元 </a:t>
+            </a:r>
+            <a:r>
+              <a:rPr lang="en-US" altLang="zh-TW" dirty="0"/>
+              <a:t>(</a:t>
+            </a:r>
+            <a:r>
+              <a:rPr lang="zh-TW" altLang="en-US" dirty="0"/>
+              <a:t>算一個</a:t>
+            </a:r>
+            <a:r>
+              <a:rPr lang="en-US" altLang="zh-TW" dirty="0"/>
+              <a:t>char)</a:t>
+            </a:r>
+            <a:endParaRPr lang="zh-TW" altLang="en-US" dirty="0"/>
+          </a:p>
+        </p:txBody>
+      </p:sp>
+      <p:sp>
+        <p:nvSpPr>
+          <p:cNvPr id="3" name="內容版面配置區 2">
+            <a:extLst>
+              <a:ext uri="{FF2B5EF4-FFF2-40B4-BE49-F238E27FC236}">
+                <a16:creationId xmlns:a16="http://schemas.microsoft.com/office/drawing/2014/main" id="{306427BB-C079-4768-908B-3007D2DE5B69}"/>
+              </a:ext>
+            </a:extLst>
+          </p:cNvPr>
+          <p:cNvSpPr>
+            <a:spLocks noGrp="1"/>
+          </p:cNvSpPr>
+          <p:nvPr>
+            <p:ph idx="1"/>
+          </p:nvPr>
+        </p:nvSpPr>
+        <p:spPr/>
+        <p:txBody>
+          <a:bodyPr>
+            <a:normAutofit/>
+          </a:bodyPr>
+          <a:lstStyle/>
+          <a:p>
+            <a:pPr marL="0" indent="0">
+              <a:buNone/>
+            </a:pPr>
+            <a:r>
+              <a:rPr lang="en-US" altLang="zh-TW" sz="5400" dirty="0"/>
+              <a:t>\\ :</a:t>
+            </a:r>
+            <a:r>
+              <a:rPr lang="zh-TW" altLang="en-US" sz="5400" dirty="0"/>
+              <a:t> 輸出</a:t>
+            </a:r>
+            <a:r>
+              <a:rPr lang="en-US" altLang="zh-TW" sz="5400" dirty="0"/>
+              <a:t>\</a:t>
+            </a:r>
+          </a:p>
+          <a:p>
+            <a:pPr marL="0" indent="0">
+              <a:buNone/>
+            </a:pPr>
+            <a:r>
+              <a:rPr lang="en-US" altLang="zh-TW" sz="5400" dirty="0"/>
+              <a:t>\’ : </a:t>
+            </a:r>
+            <a:r>
+              <a:rPr lang="zh-TW" altLang="en-US" sz="5400" dirty="0"/>
+              <a:t>輸出</a:t>
+            </a:r>
+            <a:r>
+              <a:rPr lang="en-US" altLang="zh-TW" sz="5400" dirty="0"/>
+              <a:t>‘</a:t>
+            </a:r>
+          </a:p>
+          <a:p>
+            <a:pPr marL="0" indent="0">
+              <a:buNone/>
+            </a:pPr>
+            <a:r>
+              <a:rPr lang="en-US" altLang="zh-TW" sz="5400" dirty="0"/>
+              <a:t>\” : </a:t>
+            </a:r>
+            <a:r>
+              <a:rPr lang="zh-TW" altLang="en-US" sz="5400" dirty="0"/>
+              <a:t>輸出</a:t>
+            </a:r>
+            <a:r>
+              <a:rPr lang="en-US" altLang="zh-TW" sz="5400" dirty="0"/>
+              <a:t>”</a:t>
+            </a:r>
+          </a:p>
+          <a:p>
+            <a:pPr marL="0" indent="0">
+              <a:buNone/>
+            </a:pPr>
+            <a:r>
+              <a:rPr lang="en-US" altLang="zh-TW" sz="5400" dirty="0"/>
+              <a:t>\a</a:t>
+            </a:r>
+            <a:r>
+              <a:rPr lang="zh-TW" altLang="en-US" sz="5400" dirty="0"/>
+              <a:t> </a:t>
+            </a:r>
+            <a:r>
+              <a:rPr lang="en-US" altLang="zh-TW" sz="5400" dirty="0"/>
+              <a:t>:</a:t>
+            </a:r>
+            <a:r>
+              <a:rPr lang="zh-TW" altLang="en-US" sz="5400" dirty="0"/>
+              <a:t> 發出一聲</a:t>
+            </a:r>
+            <a:r>
+              <a:rPr lang="en-US" altLang="zh-TW" sz="5400" dirty="0"/>
+              <a:t> </a:t>
+            </a:r>
+          </a:p>
+          <a:p>
+            <a:pPr marL="0" indent="0">
+              <a:buNone/>
+            </a:pPr>
+            <a:r>
+              <a:rPr lang="zh-TW" altLang="en-US" sz="5400" dirty="0"/>
+              <a:t> </a:t>
+            </a:r>
+            <a:r>
+              <a:rPr lang="en-US" altLang="zh-TW" sz="5400" dirty="0"/>
+              <a:t>\b</a:t>
+            </a:r>
+            <a:r>
+              <a:rPr lang="zh-TW" altLang="en-US" sz="5400" dirty="0"/>
+              <a:t> </a:t>
+            </a:r>
+            <a:r>
+              <a:rPr lang="en-US" altLang="zh-TW" sz="5400" dirty="0"/>
+              <a:t>:</a:t>
+            </a:r>
+            <a:r>
+              <a:rPr lang="zh-TW" altLang="en-US" sz="5400" dirty="0"/>
+              <a:t> 倒退一格</a:t>
+            </a:r>
+            <a:endParaRPr lang="en-US" altLang="zh-TW" sz="5400" dirty="0"/>
+          </a:p>
+          <a:p>
+            <a:pPr marL="0" indent="0">
+              <a:buNone/>
+            </a:pPr>
+            <a:endParaRPr lang="zh-TW" altLang="en-US" sz="4400" dirty="0"/>
+          </a:p>
+        </p:txBody>
+      </p:sp>
+    </p:spTree>
+    <p:extLst>
+      <p:ext uri="{BB962C8B-B14F-4D97-AF65-F5344CB8AC3E}">
+        <p14:creationId xmlns:p14="http://schemas.microsoft.com/office/powerpoint/2010/main" val="2653203427"/>
+      </p:ext>
+    </p:extLst>
+  </p:cSld>
+  <p:clrMapOvr>
+    <a:masterClrMapping/>
+  </p:clrMapOvr>
+</p:sld>
+</file>
+
+<file path=ppt/slides/slide9.xml><?xml version="1.0" encoding="utf-8"?>
+<p:sld xmlns:a="http://schemas.openxmlformats.org/drawingml/2006/main" xmlns:r="http://schemas.openxmlformats.org/officeDocument/2006/relationships" xmlns:p="http://schemas.openxmlformats.org/presentationml/2006/main">
+  <p:cSld>
+    <p:spTree>
+      <p:nvGrpSpPr>
+        <p:cNvPr id="1" name=""/>
+        <p:cNvGrpSpPr/>
+        <p:nvPr/>
+      </p:nvGrpSpPr>
+      <p:grpSpPr>
+        <a:xfrm>
+          <a:off x="0" y="0"/>
+          <a:ext cx="0" cy="0"/>
+          <a:chOff x="0" y="0"/>
+          <a:chExt cx="0" cy="0"/>
+        </a:xfrm>
+      </p:grpSpPr>
+      <p:sp>
+        <p:nvSpPr>
+          <p:cNvPr id="2" name="標題 1">
+            <a:extLst>
+              <a:ext uri="{FF2B5EF4-FFF2-40B4-BE49-F238E27FC236}">
+                <a16:creationId xmlns:a16="http://schemas.microsoft.com/office/drawing/2014/main" id="{B206AED5-0AE6-463C-98C4-027F288E1B30}"/>
+              </a:ext>
+            </a:extLst>
+          </p:cNvPr>
+          <p:cNvSpPr>
+            <a:spLocks noGrp="1"/>
+          </p:cNvSpPr>
+          <p:nvPr>
+            <p:ph type="title"/>
+          </p:nvPr>
+        </p:nvSpPr>
+        <p:spPr/>
+        <p:txBody>
+          <a:bodyPr/>
+          <a:lstStyle/>
+          <a:p>
+            <a:endParaRPr lang="zh-TW" altLang="en-US"/>
+          </a:p>
+        </p:txBody>
+      </p:sp>
+      <p:pic>
+        <p:nvPicPr>
+          <p:cNvPr id="5" name="內容版面配置區 4">
+            <a:extLst>
+              <a:ext uri="{FF2B5EF4-FFF2-40B4-BE49-F238E27FC236}">
+                <a16:creationId xmlns:a16="http://schemas.microsoft.com/office/drawing/2014/main" id="{D5F8CAF7-0393-40B7-B2A1-DA9028B4FD02}"/>
+              </a:ext>
+            </a:extLst>
+          </p:cNvPr>
+          <p:cNvPicPr>
+            <a:picLocks noGrp="1" noChangeAspect="1"/>
+          </p:cNvPicPr>
+          <p:nvPr>
+            <p:ph idx="1"/>
+          </p:nvPr>
+        </p:nvPicPr>
+        <p:blipFill>
+          <a:blip r:embed="rId2">
+            <a:extLst>
+              <a:ext uri="{28A0092B-C50C-407E-A947-70E740481C1C}">
+                <a14:useLocalDpi xmlns:a14="http://schemas.microsoft.com/office/drawing/2010/main" val="0"/>
+              </a:ext>
+            </a:extLst>
+          </a:blip>
+          <a:stretch>
+            <a:fillRect/>
+          </a:stretch>
+        </p:blipFill>
+        <p:spPr>
+          <a:xfrm>
+            <a:off x="300732" y="1270810"/>
+            <a:ext cx="11744558" cy="3972994"/>
+          </a:xfrm>
+        </p:spPr>
+      </p:pic>
+    </p:spTree>
+    <p:extLst>
+      <p:ext uri="{BB962C8B-B14F-4D97-AF65-F5344CB8AC3E}">
+        <p14:creationId xmlns:p14="http://schemas.microsoft.com/office/powerpoint/2010/main" val="2125455827"/>
       </p:ext>
     </p:extLst>
   </p:cSld>
